--- a/2016/presentations/info_design.pptx
+++ b/2016/presentations/info_design.pptx
@@ -248,7 +248,7 @@
           <a:p>
             <a:fld id="{FAC72F1A-59F1-0242-A38F-1A193582D9F9}" type="datetimeFigureOut">
               <a:rPr lang="en-US" smtClean="0"/>
-              <a:t>2/9/16</a:t>
+              <a:t>2/16/16</a:t>
             </a:fld>
             <a:endParaRPr lang="en-US"/>
           </a:p>
@@ -2194,11 +2194,7 @@
             </a:pPr>
             <a:r>
               <a:rPr lang="en-US" dirty="0" smtClean="0"/>
-              <a:t>This is a frequently asked question, and the best answer is: Experiment with different charts, to see which works best to liberate the story in your </a:t>
-            </a:r>
-            <a:r>
-              <a:rPr lang="en-US" dirty="0" smtClean="0"/>
-              <a:t>data, thinking about the perceptual hierarchy of visual cues.</a:t>
+              <a:t>This is a frequently asked question, and the best answer is: Experiment with different charts, to see which works best to liberate the story in your data, thinking about the perceptual hierarchy of visual cues.</a:t>
             </a:r>
           </a:p>
           <a:p>
@@ -2213,11 +2209,7 @@
             </a:pPr>
             <a:r>
               <a:rPr lang="en-US" dirty="0" smtClean="0"/>
-              <a:t>Some </a:t>
-            </a:r>
-            <a:r>
-              <a:rPr lang="en-US" dirty="0" smtClean="0"/>
-              <a:t>visualization software — notably </a:t>
+              <a:t>Some visualization software — notably </a:t>
             </a:r>
             <a:r>
               <a:rPr lang="en-US" dirty="0" smtClean="0">
@@ -2227,11 +2219,7 @@
             </a:r>
             <a:r>
               <a:rPr lang="en-US" dirty="0" smtClean="0"/>
-              <a:t> — will suggest chart types for you to try. </a:t>
-            </a:r>
-            <a:r>
-              <a:rPr lang="en-US" dirty="0" smtClean="0"/>
-              <a:t>However, it is good to have a basic framework to help you prioritize particular chart types for particular visualization tasks.</a:t>
+              <a:t> — will suggest chart types for you to try. However, it is good to have a basic framework to help you prioritize particular chart types for particular visualization tasks.</a:t>
             </a:r>
           </a:p>
         </p:txBody>
@@ -10187,15 +10175,7 @@
             </a:pPr>
             <a:r>
               <a:rPr lang="en-US" dirty="0" smtClean="0"/>
-              <a:t>These </a:t>
-            </a:r>
-            <a:r>
-              <a:rPr lang="en-US" dirty="0" smtClean="0"/>
-              <a:t>cues are not created equal, however. </a:t>
-            </a:r>
-            <a:r>
-              <a:rPr lang="en-US" dirty="0" smtClean="0"/>
-              <a:t>In the mid-1980s, statisticians William Cleveland and Robert McGill </a:t>
+              <a:t>These cues are not created equal, however. In the mid-1980s, statisticians William Cleveland and Robert McGill </a:t>
             </a:r>
             <a:r>
               <a:rPr lang="en-US" dirty="0" smtClean="0">
@@ -15630,7 +15610,6 @@
               <a:rPr lang="en-US" noProof="0" smtClean="0"/>
               <a:t>Drag picture to placeholder or click icon to add</a:t>
             </a:r>
-            <a:endParaRPr lang="en-US" noProof="0" smtClean="0"/>
           </a:p>
         </p:txBody>
       </p:sp>
@@ -16066,7 +16045,6 @@
               <a:rPr lang="en-US" smtClean="0"/>
               <a:t>Click to edit Master title style</a:t>
             </a:r>
-            <a:endParaRPr lang="en-US" smtClean="0"/>
           </a:p>
         </p:txBody>
       </p:sp>
@@ -16138,7 +16116,6 @@
               <a:rPr lang="en-US" smtClean="0"/>
               <a:t>Fifth level</a:t>
             </a:r>
-            <a:endParaRPr lang="en-US" smtClean="0"/>
           </a:p>
         </p:txBody>
       </p:sp>
@@ -17517,7 +17494,6 @@
               <a:rPr lang="en-US" sz="2800" b="1" dirty="0" smtClean="0"/>
               <a:t>Slope, note the y axis scale</a:t>
             </a:r>
-            <a:endParaRPr lang="en-US" sz="2800" b="1" dirty="0" smtClean="0"/>
           </a:p>
           <a:p>
             <a:pPr algn="ctr">
@@ -18001,7 +17977,6 @@
               <a:rPr lang="en-US" sz="2800" b="1" dirty="0" smtClean="0"/>
               <a:t>Several counties</a:t>
             </a:r>
-            <a:endParaRPr lang="en-US" sz="2800" b="1" dirty="0" smtClean="0"/>
           </a:p>
         </p:txBody>
       </p:sp>
@@ -18479,7 +18454,6 @@
               <a:rPr lang="en-US" sz="2800" b="1" dirty="0" smtClean="0"/>
               <a:t>All the counties: Too many lines, too few colors</a:t>
             </a:r>
-            <a:endParaRPr lang="en-US" sz="2800" b="1" dirty="0" smtClean="0"/>
           </a:p>
           <a:p>
             <a:pPr algn="ctr">
@@ -18976,7 +18950,6 @@
               <a:rPr lang="en-US" sz="2800" b="1" dirty="0" smtClean="0"/>
               <a:t>olor intensity</a:t>
             </a:r>
-            <a:endParaRPr lang="en-US" sz="2800" b="1" dirty="0" smtClean="0"/>
           </a:p>
           <a:p>
             <a:pPr algn="ctr">
@@ -19468,7 +19441,6 @@
               <a:rPr lang="en-US" sz="2800" b="1" dirty="0" smtClean="0"/>
               <a:t>osition on aligned scale + area</a:t>
             </a:r>
-            <a:endParaRPr lang="en-US" sz="2800" b="1" dirty="0" smtClean="0"/>
           </a:p>
           <a:p>
             <a:pPr algn="ctr">
@@ -19958,7 +19930,6 @@
               <a:rPr lang="en-US" sz="2800" b="1" dirty="0" smtClean="0"/>
               <a:t>Moving up and down the hierarchy</a:t>
             </a:r>
-            <a:endParaRPr lang="en-US" sz="2800" b="1" dirty="0" smtClean="0"/>
           </a:p>
         </p:txBody>
       </p:sp>
@@ -20030,7 +20001,7 @@
   <p:timing>
     <p:tnLst>
       <p:par>
-        <p:cTn xmlns:p14="http://schemas.microsoft.com/office/powerpoint/2010/main" id="1" dur="indefinite" nodeType="tmRoot">
+        <p:cTn xmlns:p14="http://schemas.microsoft.com/office/powerpoint/2010/main" id="1" dur="indefinite" restart="never" nodeType="tmRoot">
           <p:childTnLst>
             <p:seq concurrent="1" nextAc="seek">
               <p:cTn id="2" dur="0" nodeType="mainSeq"/>
@@ -20498,7 +20469,7 @@
   <p:timing>
     <p:tnLst>
       <p:par>
-        <p:cTn xmlns:p14="http://schemas.microsoft.com/office/powerpoint/2010/main" id="1" dur="indefinite" nodeType="tmRoot">
+        <p:cTn xmlns:p14="http://schemas.microsoft.com/office/powerpoint/2010/main" id="1" dur="indefinite" restart="never" nodeType="tmRoot">
           <p:childTnLst>
             <p:seq concurrent="1" nextAc="seek">
               <p:cTn id="2" dur="0" nodeType="mainSeq"/>
@@ -20628,7 +20599,7 @@
   <p:timing>
     <p:tnLst>
       <p:par>
-        <p:cTn xmlns:p14="http://schemas.microsoft.com/office/powerpoint/2010/main" id="1" dur="indefinite" nodeType="tmRoot"/>
+        <p:cTn xmlns:p14="http://schemas.microsoft.com/office/powerpoint/2010/main" id="1" dur="indefinite" restart="never" nodeType="tmRoot"/>
       </p:par>
     </p:tnLst>
   </p:timing>
@@ -20719,36 +20690,6 @@
           <a:chExt cx="0" cy="0"/>
         </a:xfrm>
       </p:grpSpPr>
-      <p:pic>
-        <p:nvPicPr>
-          <p:cNvPr id="3" name="Picture 2" descr="class13_21.jpg"/>
-          <p:cNvPicPr>
-            <a:picLocks noChangeAspect="1"/>
-          </p:cNvPicPr>
-          <p:nvPr/>
-        </p:nvPicPr>
-        <p:blipFill>
-          <a:blip r:embed="rId2">
-            <a:extLst>
-              <a:ext uri="{28A0092B-C50C-407E-A947-70E740481C1C}">
-                <a14:useLocalDpi xmlns:a14="http://schemas.microsoft.com/office/drawing/2010/main" val="0"/>
-              </a:ext>
-            </a:extLst>
-          </a:blip>
-          <a:stretch>
-            <a:fillRect/>
-          </a:stretch>
-        </p:blipFill>
-        <p:spPr>
-          <a:xfrm>
-            <a:off x="0" y="629675"/>
-            <a:ext cx="9144000" cy="6266688"/>
-          </a:xfrm>
-          <a:prstGeom prst="rect">
-            <a:avLst/>
-          </a:prstGeom>
-        </p:spPr>
-      </p:pic>
       <p:sp>
         <p:nvSpPr>
           <p:cNvPr id="4" name="Text Box 1"/>
@@ -21156,10 +21097,39 @@
               <a:rPr lang="en-US" sz="2800" b="1" dirty="0" smtClean="0"/>
               <a:t>Connection</a:t>
             </a:r>
-            <a:endParaRPr lang="en-US" sz="2800" b="1" dirty="0" smtClean="0"/>
           </a:p>
         </p:txBody>
       </p:sp>
+      <p:pic>
+        <p:nvPicPr>
+          <p:cNvPr id="2" name="Picture 1" descr="gephi_28.jpg"/>
+          <p:cNvPicPr>
+            <a:picLocks noChangeAspect="1"/>
+          </p:cNvPicPr>
+          <p:nvPr/>
+        </p:nvPicPr>
+        <p:blipFill>
+          <a:blip r:embed="rId2">
+            <a:extLst>
+              <a:ext uri="{28A0092B-C50C-407E-A947-70E740481C1C}">
+                <a14:useLocalDpi xmlns:a14="http://schemas.microsoft.com/office/drawing/2010/main" val="0"/>
+              </a:ext>
+            </a:extLst>
+          </a:blip>
+          <a:stretch>
+            <a:fillRect/>
+          </a:stretch>
+        </p:blipFill>
+        <p:spPr>
+          <a:xfrm>
+            <a:off x="1272243" y="914400"/>
+            <a:ext cx="6599515" cy="5943600"/>
+          </a:xfrm>
+          <a:prstGeom prst="rect">
+            <a:avLst/>
+          </a:prstGeom>
+        </p:spPr>
+      </p:pic>
     </p:spTree>
     <p:extLst>
       <p:ext uri="{BB962C8B-B14F-4D97-AF65-F5344CB8AC3E}">
@@ -21673,7 +21643,7 @@
   <p:timing>
     <p:tnLst>
       <p:par>
-        <p:cTn xmlns:p14="http://schemas.microsoft.com/office/powerpoint/2010/main" id="1" dur="indefinite" nodeType="tmRoot">
+        <p:cTn xmlns:p14="http://schemas.microsoft.com/office/powerpoint/2010/main" id="1" dur="indefinite" restart="never" nodeType="tmRoot">
           <p:childTnLst>
             <p:seq concurrent="1" nextAc="seek">
               <p:cTn id="2" dur="0" nodeType="mainSeq"/>
@@ -22696,7 +22666,7 @@
   <p:timing>
     <p:tnLst>
       <p:par>
-        <p:cTn xmlns:p14="http://schemas.microsoft.com/office/powerpoint/2010/main" id="1" dur="indefinite" nodeType="tmRoot">
+        <p:cTn xmlns:p14="http://schemas.microsoft.com/office/powerpoint/2010/main" id="1" dur="indefinite" restart="never" nodeType="tmRoot">
           <p:childTnLst>
             <p:seq concurrent="1" nextAc="seek">
               <p:cTn id="2" dur="0" nodeType="mainSeq"/>
@@ -23218,7 +23188,7 @@
   <p:timing>
     <p:tnLst>
       <p:par>
-        <p:cTn xmlns:p14="http://schemas.microsoft.com/office/powerpoint/2010/main" id="1" dur="indefinite" nodeType="tmRoot">
+        <p:cTn xmlns:p14="http://schemas.microsoft.com/office/powerpoint/2010/main" id="1" dur="indefinite" restart="never" nodeType="tmRoot">
           <p:childTnLst>
             <p:seq concurrent="1" nextAc="seek">
               <p:cTn id="2" dur="0" nodeType="mainSeq"/>
@@ -23740,7 +23710,7 @@
   <p:timing>
     <p:tnLst>
       <p:par>
-        <p:cTn xmlns:p14="http://schemas.microsoft.com/office/powerpoint/2010/main" id="1" dur="indefinite" nodeType="tmRoot">
+        <p:cTn xmlns:p14="http://schemas.microsoft.com/office/powerpoint/2010/main" id="1" dur="indefinite" restart="never" nodeType="tmRoot">
           <p:childTnLst>
             <p:seq concurrent="1" nextAc="seek">
               <p:cTn id="2" dur="0" nodeType="mainSeq"/>
@@ -24290,7 +24260,7 @@
   <p:timing>
     <p:tnLst>
       <p:par>
-        <p:cTn xmlns:p14="http://schemas.microsoft.com/office/powerpoint/2010/main" id="1" dur="indefinite" nodeType="tmRoot">
+        <p:cTn xmlns:p14="http://schemas.microsoft.com/office/powerpoint/2010/main" id="1" dur="indefinite" restart="never" nodeType="tmRoot">
           <p:childTnLst>
             <p:seq concurrent="1" nextAc="seek">
               <p:cTn id="2" dur="0" nodeType="mainSeq"/>
@@ -24819,7 +24789,7 @@
   <p:timing>
     <p:tnLst>
       <p:par>
-        <p:cTn xmlns:p14="http://schemas.microsoft.com/office/powerpoint/2010/main" id="1" dur="indefinite" nodeType="tmRoot"/>
+        <p:cTn xmlns:p14="http://schemas.microsoft.com/office/powerpoint/2010/main" id="1" dur="indefinite" restart="never" nodeType="tmRoot"/>
       </p:par>
     </p:tnLst>
   </p:timing>
@@ -26092,7 +26062,7 @@
   <p:timing>
     <p:tnLst>
       <p:par>
-        <p:cTn xmlns:p14="http://schemas.microsoft.com/office/powerpoint/2010/main" id="1" dur="indefinite" nodeType="tmRoot">
+        <p:cTn xmlns:p14="http://schemas.microsoft.com/office/powerpoint/2010/main" id="1" dur="indefinite" restart="never" nodeType="tmRoot">
           <p:childTnLst>
             <p:seq concurrent="1" nextAc="seek">
               <p:cTn id="2" dur="0" nodeType="mainSeq"/>
@@ -26614,7 +26584,7 @@
   <p:timing>
     <p:tnLst>
       <p:par>
-        <p:cTn xmlns:p14="http://schemas.microsoft.com/office/powerpoint/2010/main" id="1" dur="indefinite" nodeType="tmRoot">
+        <p:cTn xmlns:p14="http://schemas.microsoft.com/office/powerpoint/2010/main" id="1" dur="indefinite" restart="never" nodeType="tmRoot">
           <p:childTnLst>
             <p:seq concurrent="1" nextAc="seek">
               <p:cTn id="2" dur="0" nodeType="mainSeq"/>
@@ -27074,7 +27044,6 @@
               <a:rPr lang="en-US" sz="2800" b="1" dirty="0" smtClean="0"/>
               <a:t>everything is a bar chart</a:t>
             </a:r>
-            <a:endParaRPr lang="en-US" sz="2800" b="1" dirty="0" smtClean="0"/>
           </a:p>
         </p:txBody>
       </p:sp>
@@ -27092,7 +27061,7 @@
   <p:timing>
     <p:tnLst>
       <p:par>
-        <p:cTn xmlns:p14="http://schemas.microsoft.com/office/powerpoint/2010/main" id="1" dur="indefinite" nodeType="tmRoot">
+        <p:cTn xmlns:p14="http://schemas.microsoft.com/office/powerpoint/2010/main" id="1" dur="indefinite" restart="never" nodeType="tmRoot">
           <p:childTnLst>
             <p:seq concurrent="1" nextAc="seek">
               <p:cTn id="2" dur="0" nodeType="mainSeq"/>
@@ -28051,7 +28020,6 @@
               <a:rPr lang="en-US" sz="2800" b="1" dirty="0" smtClean="0"/>
               <a:t>California kindergartens</a:t>
             </a:r>
-            <a:endParaRPr lang="en-US" sz="2800" b="1" dirty="0" smtClean="0"/>
           </a:p>
         </p:txBody>
       </p:sp>
@@ -28069,7 +28037,7 @@
   <p:timing>
     <p:tnLst>
       <p:par>
-        <p:cTn xmlns:p14="http://schemas.microsoft.com/office/powerpoint/2010/main" id="1" dur="indefinite" nodeType="tmRoot">
+        <p:cTn xmlns:p14="http://schemas.microsoft.com/office/powerpoint/2010/main" id="1" dur="indefinite" restart="never" nodeType="tmRoot">
           <p:childTnLst>
             <p:seq concurrent="1" nextAc="seek">
               <p:cTn id="2" dur="0" nodeType="mainSeq"/>
@@ -28550,7 +28518,6 @@
               <a:rPr lang="en-US" sz="2800" b="1" dirty="0" smtClean="0"/>
               <a:t>Length on aligned scale</a:t>
             </a:r>
-            <a:endParaRPr lang="en-US" sz="2800" b="1" dirty="0" smtClean="0"/>
           </a:p>
           <a:p>
             <a:pPr algn="ctr">
@@ -29034,7 +29001,6 @@
               <a:rPr lang="en-US" sz="2800" b="1" dirty="0" smtClean="0"/>
               <a:t>Position on aligned scale + slope</a:t>
             </a:r>
-            <a:endParaRPr lang="en-US" sz="2800" b="1" dirty="0" smtClean="0"/>
           </a:p>
           <a:p>
             <a:pPr algn="ctr">

--- a/2016/presentations/info_design.pptx
+++ b/2016/presentations/info_design.pptx
@@ -5,7 +5,7 @@
     <p:sldMasterId id="2147483679" r:id="rId1"/>
   </p:sldMasterIdLst>
   <p:notesMasterIdLst>
-    <p:notesMasterId r:id="rId29"/>
+    <p:notesMasterId r:id="rId27"/>
   </p:notesMasterIdLst>
   <p:sldIdLst>
     <p:sldId id="288" r:id="rId2"/>
@@ -16,8 +16,8 @@
     <p:sldId id="277" r:id="rId7"/>
     <p:sldId id="290" r:id="rId8"/>
     <p:sldId id="278" r:id="rId9"/>
-    <p:sldId id="279" r:id="rId10"/>
-    <p:sldId id="280" r:id="rId11"/>
+    <p:sldId id="280" r:id="rId10"/>
+    <p:sldId id="279" r:id="rId11"/>
     <p:sldId id="281" r:id="rId12"/>
     <p:sldId id="282" r:id="rId13"/>
     <p:sldId id="283" r:id="rId14"/>
@@ -28,13 +28,11 @@
     <p:sldId id="286" r:id="rId19"/>
     <p:sldId id="294" r:id="rId20"/>
     <p:sldId id="256" r:id="rId21"/>
-    <p:sldId id="257" r:id="rId22"/>
-    <p:sldId id="258" r:id="rId23"/>
-    <p:sldId id="259" r:id="rId24"/>
-    <p:sldId id="260" r:id="rId25"/>
-    <p:sldId id="287" r:id="rId26"/>
-    <p:sldId id="292" r:id="rId27"/>
-    <p:sldId id="289" r:id="rId28"/>
+    <p:sldId id="259" r:id="rId22"/>
+    <p:sldId id="260" r:id="rId23"/>
+    <p:sldId id="287" r:id="rId24"/>
+    <p:sldId id="292" r:id="rId25"/>
+    <p:sldId id="289" r:id="rId26"/>
   </p:sldIdLst>
   <p:sldSz cx="9144000" cy="6858000" type="screen4x3"/>
   <p:notesSz cx="6858000" cy="9144000"/>
@@ -248,7 +246,7 @@
           <a:p>
             <a:fld id="{FAC72F1A-59F1-0242-A38F-1A193582D9F9}" type="datetimeFigureOut">
               <a:rPr lang="en-US" smtClean="0"/>
-              <a:t>2/16/16</a:t>
+              <a:t>3/9/16</a:t>
             </a:fld>
             <a:endParaRPr lang="en-US"/>
           </a:p>
@@ -3757,7 +3755,7 @@
       </p:grpSpPr>
       <p:sp>
         <p:nvSpPr>
-          <p:cNvPr id="138242" name="Rectangle 11"/>
+          <p:cNvPr id="142338" name="Rectangle 11"/>
           <p:cNvSpPr>
             <a:spLocks noGrp="1" noChangeArrowheads="1"/>
           </p:cNvSpPr>
@@ -3899,7 +3897,7 @@
           </a:lstStyle>
           <a:p>
             <a:pPr eaLnBrk="1" hangingPunct="1"/>
-            <a:fld id="{ADC727B6-AB58-2441-96E5-EC96A7120DDD}" type="slidenum">
+            <a:fld id="{8182F6CB-9114-4B4D-97AE-D6C69B8145A7}" type="slidenum">
               <a:rPr lang="en-US" sz="1800">
                 <a:cs typeface="DejaVu Sans" charset="0"/>
               </a:rPr>
@@ -4329,10 +4327,6 @@
               </a:spcBef>
               <a:defRPr/>
             </a:pPr>
-            <a:r>
-              <a:rPr lang="en-US" dirty="0" smtClean="0"/>
-              <a:t>When encoding data with color, take care to fit the color scheme to your data, and the story you’re aiming to tell. As we have already seen, color is often used to encode the values of categorical data. Here you want to use “qualitative” color schemes, where the aim is to pick colors that will be maximally distinctive, as widely spread around the color wheel as possible:</a:t>
-            </a:r>
             <a:endParaRPr lang="en-US" dirty="0" smtClean="0">
               <a:cs typeface="Arial Unicode MS" charset="0"/>
             </a:endParaRPr>
@@ -4740,7 +4734,7 @@
             <a:pPr algn="r">
               <a:defRPr/>
             </a:pPr>
-            <a:fld id="{33A43868-17CA-6342-AAFF-0D40045F92D6}" type="slidenum">
+            <a:fld id="{C4A9B190-5F4A-2E4F-B5A3-E6E5F6985F79}" type="slidenum">
               <a:rPr lang="en-US" sz="1200" smtClean="0">
                 <a:latin typeface="Arial" charset="0"/>
                 <a:cs typeface="Arial" charset="0"/>
@@ -4792,2076 +4786,6 @@
       </p:grpSpPr>
       <p:sp>
         <p:nvSpPr>
-          <p:cNvPr id="140290" name="Rectangle 11"/>
-          <p:cNvSpPr>
-            <a:spLocks noGrp="1" noChangeArrowheads="1"/>
-          </p:cNvSpPr>
-          <p:nvPr>
-            <p:ph type="sldNum" sz="quarter"/>
-          </p:nvPr>
-        </p:nvSpPr>
-        <p:spPr bwMode="auto">
-          <a:noFill/>
-          <a:extLst>
-            <a:ext uri="{909E8E84-426E-40dd-AFC4-6F175D3DCCD1}">
-              <a14:hiddenFill xmlns:a14="http://schemas.microsoft.com/office/drawing/2010/main">
-                <a:solidFill>
-                  <a:srgbClr val="FFFFFF"/>
-                </a:solidFill>
-              </a14:hiddenFill>
-            </a:ext>
-            <a:ext uri="{91240B29-F687-4f45-9708-019B960494DF}">
-              <a14:hiddenLine xmlns:a14="http://schemas.microsoft.com/office/drawing/2010/main" w="9525">
-                <a:solidFill>
-                  <a:srgbClr val="000000"/>
-                </a:solidFill>
-                <a:miter lim="800000"/>
-                <a:headEnd/>
-                <a:tailEnd/>
-              </a14:hiddenLine>
-            </a:ext>
-          </a:extLst>
-        </p:spPr>
-        <p:txBody>
-          <a:bodyPr/>
-          <a:lstStyle>
-            <a:lvl1pPr eaLnBrk="0" hangingPunct="0">
-              <a:defRPr sz="2400">
-                <a:solidFill>
-                  <a:schemeClr val="tx1"/>
-                </a:solidFill>
-                <a:latin typeface="Arial" charset="0"/>
-                <a:ea typeface="ＭＳ Ｐゴシック" charset="0"/>
-                <a:cs typeface="ＭＳ Ｐゴシック" charset="0"/>
-              </a:defRPr>
-            </a:lvl1pPr>
-            <a:lvl2pPr marL="742950" indent="-285750" eaLnBrk="0" hangingPunct="0">
-              <a:defRPr sz="2400">
-                <a:solidFill>
-                  <a:schemeClr val="tx1"/>
-                </a:solidFill>
-                <a:latin typeface="Arial" charset="0"/>
-                <a:ea typeface="ＭＳ Ｐゴシック" charset="0"/>
-              </a:defRPr>
-            </a:lvl2pPr>
-            <a:lvl3pPr marL="1143000" indent="-228600" eaLnBrk="0" hangingPunct="0">
-              <a:defRPr sz="2400">
-                <a:solidFill>
-                  <a:schemeClr val="tx1"/>
-                </a:solidFill>
-                <a:latin typeface="Arial" charset="0"/>
-                <a:ea typeface="ＭＳ Ｐゴシック" charset="0"/>
-              </a:defRPr>
-            </a:lvl3pPr>
-            <a:lvl4pPr marL="1600200" indent="-228600" eaLnBrk="0" hangingPunct="0">
-              <a:defRPr sz="2400">
-                <a:solidFill>
-                  <a:schemeClr val="tx1"/>
-                </a:solidFill>
-                <a:latin typeface="Arial" charset="0"/>
-                <a:ea typeface="ＭＳ Ｐゴシック" charset="0"/>
-              </a:defRPr>
-            </a:lvl4pPr>
-            <a:lvl5pPr marL="2057400" indent="-228600" eaLnBrk="0" hangingPunct="0">
-              <a:defRPr sz="2400">
-                <a:solidFill>
-                  <a:schemeClr val="tx1"/>
-                </a:solidFill>
-                <a:latin typeface="Arial" charset="0"/>
-                <a:ea typeface="ＭＳ Ｐゴシック" charset="0"/>
-              </a:defRPr>
-            </a:lvl5pPr>
-            <a:lvl6pPr marL="2514600" indent="-228600" eaLnBrk="0" fontAlgn="base" hangingPunct="0">
-              <a:spcBef>
-                <a:spcPct val="0"/>
-              </a:spcBef>
-              <a:spcAft>
-                <a:spcPct val="0"/>
-              </a:spcAft>
-              <a:defRPr sz="2400">
-                <a:solidFill>
-                  <a:schemeClr val="tx1"/>
-                </a:solidFill>
-                <a:latin typeface="Arial" charset="0"/>
-                <a:ea typeface="ＭＳ Ｐゴシック" charset="0"/>
-              </a:defRPr>
-            </a:lvl6pPr>
-            <a:lvl7pPr marL="2971800" indent="-228600" eaLnBrk="0" fontAlgn="base" hangingPunct="0">
-              <a:spcBef>
-                <a:spcPct val="0"/>
-              </a:spcBef>
-              <a:spcAft>
-                <a:spcPct val="0"/>
-              </a:spcAft>
-              <a:defRPr sz="2400">
-                <a:solidFill>
-                  <a:schemeClr val="tx1"/>
-                </a:solidFill>
-                <a:latin typeface="Arial" charset="0"/>
-                <a:ea typeface="ＭＳ Ｐゴシック" charset="0"/>
-              </a:defRPr>
-            </a:lvl7pPr>
-            <a:lvl8pPr marL="3429000" indent="-228600" eaLnBrk="0" fontAlgn="base" hangingPunct="0">
-              <a:spcBef>
-                <a:spcPct val="0"/>
-              </a:spcBef>
-              <a:spcAft>
-                <a:spcPct val="0"/>
-              </a:spcAft>
-              <a:defRPr sz="2400">
-                <a:solidFill>
-                  <a:schemeClr val="tx1"/>
-                </a:solidFill>
-                <a:latin typeface="Arial" charset="0"/>
-                <a:ea typeface="ＭＳ Ｐゴシック" charset="0"/>
-              </a:defRPr>
-            </a:lvl8pPr>
-            <a:lvl9pPr marL="3886200" indent="-228600" eaLnBrk="0" fontAlgn="base" hangingPunct="0">
-              <a:spcBef>
-                <a:spcPct val="0"/>
-              </a:spcBef>
-              <a:spcAft>
-                <a:spcPct val="0"/>
-              </a:spcAft>
-              <a:defRPr sz="2400">
-                <a:solidFill>
-                  <a:schemeClr val="tx1"/>
-                </a:solidFill>
-                <a:latin typeface="Arial" charset="0"/>
-                <a:ea typeface="ＭＳ Ｐゴシック" charset="0"/>
-              </a:defRPr>
-            </a:lvl9pPr>
-          </a:lstStyle>
-          <a:p>
-            <a:pPr eaLnBrk="1" hangingPunct="1"/>
-            <a:fld id="{AE6E73B2-06C7-0D4A-BF4A-63C45D4DD712}" type="slidenum">
-              <a:rPr lang="en-US" sz="1800">
-                <a:cs typeface="DejaVu Sans" charset="0"/>
-              </a:rPr>
-              <a:pPr eaLnBrk="1" hangingPunct="1"/>
-              <a:t>22</a:t>
-            </a:fld>
-            <a:endParaRPr lang="en-US" sz="1800">
-              <a:cs typeface="DejaVu Sans" charset="0"/>
-            </a:endParaRPr>
-          </a:p>
-        </p:txBody>
-      </p:sp>
-      <p:sp>
-        <p:nvSpPr>
-          <p:cNvPr id="124929" name="Text Box 1"/>
-          <p:cNvSpPr txBox="1">
-            <a:spLocks noGrp="1" noRot="1" noChangeAspect="1" noChangeArrowheads="1"/>
-          </p:cNvSpPr>
-          <p:nvPr>
-            <p:ph type="sldImg"/>
-          </p:nvPr>
-        </p:nvSpPr>
-        <p:spPr>
-          <a:xfrm>
-            <a:off x="1143000" y="685800"/>
-            <a:ext cx="4572000" cy="3429000"/>
-          </a:xfrm>
-          <a:prstGeom prst="rect">
-            <a:avLst/>
-          </a:prstGeom>
-          <a:solidFill>
-            <a:srgbClr val="FFFFFF"/>
-          </a:solidFill>
-          <a:ln>
-            <a:solidFill>
-              <a:srgbClr val="000000"/>
-            </a:solidFill>
-            <a:miter lim="800000"/>
-            <a:headEnd/>
-            <a:tailEnd/>
-          </a:ln>
-          <a:extLst>
-            <a:ext uri="{AF507438-7753-43e0-B8FC-AC1667EBCBE1}">
-              <a14:hiddenEffects xmlns:a14="http://schemas.microsoft.com/office/drawing/2010/main">
-                <a:effectLst>
-                  <a:outerShdw blurRad="63500" dist="38099" dir="2700000" algn="ctr" rotWithShape="0">
-                    <a:srgbClr val="000000">
-                      <a:alpha val="74998"/>
-                    </a:srgbClr>
-                  </a:outerShdw>
-                </a:effectLst>
-              </a14:hiddenEffects>
-            </a:ext>
-          </a:extLst>
-        </p:spPr>
-      </p:sp>
-      <p:sp>
-        <p:nvSpPr>
-          <p:cNvPr id="124930" name="Text Box 2"/>
-          <p:cNvSpPr txBox="1">
-            <a:spLocks noGrp="1" noChangeArrowheads="1"/>
-          </p:cNvSpPr>
-          <p:nvPr>
-            <p:ph type="body" idx="1"/>
-          </p:nvPr>
-        </p:nvSpPr>
-        <p:spPr>
-          <a:xfrm>
-            <a:off x="685800" y="4343400"/>
-            <a:ext cx="5486400" cy="4114800"/>
-          </a:xfrm>
-          <a:ln/>
-          <a:extLst>
-            <a:ext uri="{AF507438-7753-43e0-B8FC-AC1667EBCBE1}">
-              <a14:hiddenEffects xmlns:a14="http://schemas.microsoft.com/office/drawing/2010/main">
-                <a:effectLst>
-                  <a:outerShdw blurRad="63500" dist="38099" dir="2700000" algn="ctr" rotWithShape="0">
-                    <a:srgbClr val="000000">
-                      <a:alpha val="74998"/>
-                    </a:srgbClr>
-                  </a:outerShdw>
-                </a:effectLst>
-              </a14:hiddenEffects>
-            </a:ext>
-          </a:extLst>
-        </p:spPr>
-        <p:txBody>
-          <a:bodyPr anchor="ctr"/>
-          <a:lstStyle>
-            <a:lvl1pPr>
-              <a:tabLst>
-                <a:tab pos="0" algn="l"/>
-                <a:tab pos="457200" algn="l"/>
-                <a:tab pos="914400" algn="l"/>
-                <a:tab pos="1371600" algn="l"/>
-                <a:tab pos="1828800" algn="l"/>
-                <a:tab pos="2286000" algn="l"/>
-                <a:tab pos="2743200" algn="l"/>
-                <a:tab pos="3200400" algn="l"/>
-                <a:tab pos="3657600" algn="l"/>
-                <a:tab pos="4114800" algn="l"/>
-                <a:tab pos="4572000" algn="l"/>
-                <a:tab pos="5029200" algn="l"/>
-                <a:tab pos="5486400" algn="l"/>
-                <a:tab pos="5943600" algn="l"/>
-                <a:tab pos="6400800" algn="l"/>
-                <a:tab pos="6858000" algn="l"/>
-                <a:tab pos="7315200" algn="l"/>
-                <a:tab pos="7772400" algn="l"/>
-                <a:tab pos="8229600" algn="l"/>
-                <a:tab pos="8686800" algn="l"/>
-                <a:tab pos="9144000" algn="l"/>
-              </a:tabLst>
-              <a:defRPr sz="1200">
-                <a:solidFill>
-                  <a:srgbClr val="000000"/>
-                </a:solidFill>
-                <a:latin typeface="Times New Roman" charset="0"/>
-                <a:ea typeface="ＭＳ Ｐゴシック" charset="0"/>
-              </a:defRPr>
-            </a:lvl1pPr>
-            <a:lvl2pPr>
-              <a:tabLst>
-                <a:tab pos="0" algn="l"/>
-                <a:tab pos="457200" algn="l"/>
-                <a:tab pos="914400" algn="l"/>
-                <a:tab pos="1371600" algn="l"/>
-                <a:tab pos="1828800" algn="l"/>
-                <a:tab pos="2286000" algn="l"/>
-                <a:tab pos="2743200" algn="l"/>
-                <a:tab pos="3200400" algn="l"/>
-                <a:tab pos="3657600" algn="l"/>
-                <a:tab pos="4114800" algn="l"/>
-                <a:tab pos="4572000" algn="l"/>
-                <a:tab pos="5029200" algn="l"/>
-                <a:tab pos="5486400" algn="l"/>
-                <a:tab pos="5943600" algn="l"/>
-                <a:tab pos="6400800" algn="l"/>
-                <a:tab pos="6858000" algn="l"/>
-                <a:tab pos="7315200" algn="l"/>
-                <a:tab pos="7772400" algn="l"/>
-                <a:tab pos="8229600" algn="l"/>
-                <a:tab pos="8686800" algn="l"/>
-                <a:tab pos="9144000" algn="l"/>
-              </a:tabLst>
-              <a:defRPr sz="1200">
-                <a:solidFill>
-                  <a:srgbClr val="000000"/>
-                </a:solidFill>
-                <a:latin typeface="Times New Roman" charset="0"/>
-                <a:ea typeface="ＭＳ Ｐゴシック" charset="0"/>
-              </a:defRPr>
-            </a:lvl2pPr>
-            <a:lvl3pPr>
-              <a:tabLst>
-                <a:tab pos="0" algn="l"/>
-                <a:tab pos="457200" algn="l"/>
-                <a:tab pos="914400" algn="l"/>
-                <a:tab pos="1371600" algn="l"/>
-                <a:tab pos="1828800" algn="l"/>
-                <a:tab pos="2286000" algn="l"/>
-                <a:tab pos="2743200" algn="l"/>
-                <a:tab pos="3200400" algn="l"/>
-                <a:tab pos="3657600" algn="l"/>
-                <a:tab pos="4114800" algn="l"/>
-                <a:tab pos="4572000" algn="l"/>
-                <a:tab pos="5029200" algn="l"/>
-                <a:tab pos="5486400" algn="l"/>
-                <a:tab pos="5943600" algn="l"/>
-                <a:tab pos="6400800" algn="l"/>
-                <a:tab pos="6858000" algn="l"/>
-                <a:tab pos="7315200" algn="l"/>
-                <a:tab pos="7772400" algn="l"/>
-                <a:tab pos="8229600" algn="l"/>
-                <a:tab pos="8686800" algn="l"/>
-                <a:tab pos="9144000" algn="l"/>
-              </a:tabLst>
-              <a:defRPr sz="1200">
-                <a:solidFill>
-                  <a:srgbClr val="000000"/>
-                </a:solidFill>
-                <a:latin typeface="Times New Roman" charset="0"/>
-                <a:ea typeface="ＭＳ Ｐゴシック" charset="0"/>
-              </a:defRPr>
-            </a:lvl3pPr>
-            <a:lvl4pPr>
-              <a:tabLst>
-                <a:tab pos="0" algn="l"/>
-                <a:tab pos="457200" algn="l"/>
-                <a:tab pos="914400" algn="l"/>
-                <a:tab pos="1371600" algn="l"/>
-                <a:tab pos="1828800" algn="l"/>
-                <a:tab pos="2286000" algn="l"/>
-                <a:tab pos="2743200" algn="l"/>
-                <a:tab pos="3200400" algn="l"/>
-                <a:tab pos="3657600" algn="l"/>
-                <a:tab pos="4114800" algn="l"/>
-                <a:tab pos="4572000" algn="l"/>
-                <a:tab pos="5029200" algn="l"/>
-                <a:tab pos="5486400" algn="l"/>
-                <a:tab pos="5943600" algn="l"/>
-                <a:tab pos="6400800" algn="l"/>
-                <a:tab pos="6858000" algn="l"/>
-                <a:tab pos="7315200" algn="l"/>
-                <a:tab pos="7772400" algn="l"/>
-                <a:tab pos="8229600" algn="l"/>
-                <a:tab pos="8686800" algn="l"/>
-                <a:tab pos="9144000" algn="l"/>
-              </a:tabLst>
-              <a:defRPr sz="1200">
-                <a:solidFill>
-                  <a:srgbClr val="000000"/>
-                </a:solidFill>
-                <a:latin typeface="Times New Roman" charset="0"/>
-                <a:ea typeface="ＭＳ Ｐゴシック" charset="0"/>
-              </a:defRPr>
-            </a:lvl4pPr>
-            <a:lvl5pPr>
-              <a:tabLst>
-                <a:tab pos="0" algn="l"/>
-                <a:tab pos="457200" algn="l"/>
-                <a:tab pos="914400" algn="l"/>
-                <a:tab pos="1371600" algn="l"/>
-                <a:tab pos="1828800" algn="l"/>
-                <a:tab pos="2286000" algn="l"/>
-                <a:tab pos="2743200" algn="l"/>
-                <a:tab pos="3200400" algn="l"/>
-                <a:tab pos="3657600" algn="l"/>
-                <a:tab pos="4114800" algn="l"/>
-                <a:tab pos="4572000" algn="l"/>
-                <a:tab pos="5029200" algn="l"/>
-                <a:tab pos="5486400" algn="l"/>
-                <a:tab pos="5943600" algn="l"/>
-                <a:tab pos="6400800" algn="l"/>
-                <a:tab pos="6858000" algn="l"/>
-                <a:tab pos="7315200" algn="l"/>
-                <a:tab pos="7772400" algn="l"/>
-                <a:tab pos="8229600" algn="l"/>
-                <a:tab pos="8686800" algn="l"/>
-                <a:tab pos="9144000" algn="l"/>
-              </a:tabLst>
-              <a:defRPr sz="1200">
-                <a:solidFill>
-                  <a:srgbClr val="000000"/>
-                </a:solidFill>
-                <a:latin typeface="Times New Roman" charset="0"/>
-                <a:ea typeface="ＭＳ Ｐゴシック" charset="0"/>
-              </a:defRPr>
-            </a:lvl5pPr>
-            <a:lvl6pPr marL="2514600" indent="-228600" eaLnBrk="0" fontAlgn="base" hangingPunct="0">
-              <a:spcBef>
-                <a:spcPct val="30000"/>
-              </a:spcBef>
-              <a:spcAft>
-                <a:spcPct val="0"/>
-              </a:spcAft>
-              <a:buClr>
-                <a:srgbClr val="000000"/>
-              </a:buClr>
-              <a:buSzPct val="100000"/>
-              <a:buFont typeface="Times New Roman" charset="0"/>
-              <a:tabLst>
-                <a:tab pos="0" algn="l"/>
-                <a:tab pos="457200" algn="l"/>
-                <a:tab pos="914400" algn="l"/>
-                <a:tab pos="1371600" algn="l"/>
-                <a:tab pos="1828800" algn="l"/>
-                <a:tab pos="2286000" algn="l"/>
-                <a:tab pos="2743200" algn="l"/>
-                <a:tab pos="3200400" algn="l"/>
-                <a:tab pos="3657600" algn="l"/>
-                <a:tab pos="4114800" algn="l"/>
-                <a:tab pos="4572000" algn="l"/>
-                <a:tab pos="5029200" algn="l"/>
-                <a:tab pos="5486400" algn="l"/>
-                <a:tab pos="5943600" algn="l"/>
-                <a:tab pos="6400800" algn="l"/>
-                <a:tab pos="6858000" algn="l"/>
-                <a:tab pos="7315200" algn="l"/>
-                <a:tab pos="7772400" algn="l"/>
-                <a:tab pos="8229600" algn="l"/>
-                <a:tab pos="8686800" algn="l"/>
-                <a:tab pos="9144000" algn="l"/>
-              </a:tabLst>
-              <a:defRPr sz="1200">
-                <a:solidFill>
-                  <a:srgbClr val="000000"/>
-                </a:solidFill>
-                <a:latin typeface="Times New Roman" charset="0"/>
-                <a:ea typeface="ＭＳ Ｐゴシック" charset="0"/>
-              </a:defRPr>
-            </a:lvl6pPr>
-            <a:lvl7pPr marL="2971800" indent="-228600" eaLnBrk="0" fontAlgn="base" hangingPunct="0">
-              <a:spcBef>
-                <a:spcPct val="30000"/>
-              </a:spcBef>
-              <a:spcAft>
-                <a:spcPct val="0"/>
-              </a:spcAft>
-              <a:buClr>
-                <a:srgbClr val="000000"/>
-              </a:buClr>
-              <a:buSzPct val="100000"/>
-              <a:buFont typeface="Times New Roman" charset="0"/>
-              <a:tabLst>
-                <a:tab pos="0" algn="l"/>
-                <a:tab pos="457200" algn="l"/>
-                <a:tab pos="914400" algn="l"/>
-                <a:tab pos="1371600" algn="l"/>
-                <a:tab pos="1828800" algn="l"/>
-                <a:tab pos="2286000" algn="l"/>
-                <a:tab pos="2743200" algn="l"/>
-                <a:tab pos="3200400" algn="l"/>
-                <a:tab pos="3657600" algn="l"/>
-                <a:tab pos="4114800" algn="l"/>
-                <a:tab pos="4572000" algn="l"/>
-                <a:tab pos="5029200" algn="l"/>
-                <a:tab pos="5486400" algn="l"/>
-                <a:tab pos="5943600" algn="l"/>
-                <a:tab pos="6400800" algn="l"/>
-                <a:tab pos="6858000" algn="l"/>
-                <a:tab pos="7315200" algn="l"/>
-                <a:tab pos="7772400" algn="l"/>
-                <a:tab pos="8229600" algn="l"/>
-                <a:tab pos="8686800" algn="l"/>
-                <a:tab pos="9144000" algn="l"/>
-              </a:tabLst>
-              <a:defRPr sz="1200">
-                <a:solidFill>
-                  <a:srgbClr val="000000"/>
-                </a:solidFill>
-                <a:latin typeface="Times New Roman" charset="0"/>
-                <a:ea typeface="ＭＳ Ｐゴシック" charset="0"/>
-              </a:defRPr>
-            </a:lvl7pPr>
-            <a:lvl8pPr marL="3429000" indent="-228600" eaLnBrk="0" fontAlgn="base" hangingPunct="0">
-              <a:spcBef>
-                <a:spcPct val="30000"/>
-              </a:spcBef>
-              <a:spcAft>
-                <a:spcPct val="0"/>
-              </a:spcAft>
-              <a:buClr>
-                <a:srgbClr val="000000"/>
-              </a:buClr>
-              <a:buSzPct val="100000"/>
-              <a:buFont typeface="Times New Roman" charset="0"/>
-              <a:tabLst>
-                <a:tab pos="0" algn="l"/>
-                <a:tab pos="457200" algn="l"/>
-                <a:tab pos="914400" algn="l"/>
-                <a:tab pos="1371600" algn="l"/>
-                <a:tab pos="1828800" algn="l"/>
-                <a:tab pos="2286000" algn="l"/>
-                <a:tab pos="2743200" algn="l"/>
-                <a:tab pos="3200400" algn="l"/>
-                <a:tab pos="3657600" algn="l"/>
-                <a:tab pos="4114800" algn="l"/>
-                <a:tab pos="4572000" algn="l"/>
-                <a:tab pos="5029200" algn="l"/>
-                <a:tab pos="5486400" algn="l"/>
-                <a:tab pos="5943600" algn="l"/>
-                <a:tab pos="6400800" algn="l"/>
-                <a:tab pos="6858000" algn="l"/>
-                <a:tab pos="7315200" algn="l"/>
-                <a:tab pos="7772400" algn="l"/>
-                <a:tab pos="8229600" algn="l"/>
-                <a:tab pos="8686800" algn="l"/>
-                <a:tab pos="9144000" algn="l"/>
-              </a:tabLst>
-              <a:defRPr sz="1200">
-                <a:solidFill>
-                  <a:srgbClr val="000000"/>
-                </a:solidFill>
-                <a:latin typeface="Times New Roman" charset="0"/>
-                <a:ea typeface="ＭＳ Ｐゴシック" charset="0"/>
-              </a:defRPr>
-            </a:lvl8pPr>
-            <a:lvl9pPr marL="3886200" indent="-228600" eaLnBrk="0" fontAlgn="base" hangingPunct="0">
-              <a:spcBef>
-                <a:spcPct val="30000"/>
-              </a:spcBef>
-              <a:spcAft>
-                <a:spcPct val="0"/>
-              </a:spcAft>
-              <a:buClr>
-                <a:srgbClr val="000000"/>
-              </a:buClr>
-              <a:buSzPct val="100000"/>
-              <a:buFont typeface="Times New Roman" charset="0"/>
-              <a:tabLst>
-                <a:tab pos="0" algn="l"/>
-                <a:tab pos="457200" algn="l"/>
-                <a:tab pos="914400" algn="l"/>
-                <a:tab pos="1371600" algn="l"/>
-                <a:tab pos="1828800" algn="l"/>
-                <a:tab pos="2286000" algn="l"/>
-                <a:tab pos="2743200" algn="l"/>
-                <a:tab pos="3200400" algn="l"/>
-                <a:tab pos="3657600" algn="l"/>
-                <a:tab pos="4114800" algn="l"/>
-                <a:tab pos="4572000" algn="l"/>
-                <a:tab pos="5029200" algn="l"/>
-                <a:tab pos="5486400" algn="l"/>
-                <a:tab pos="5943600" algn="l"/>
-                <a:tab pos="6400800" algn="l"/>
-                <a:tab pos="6858000" algn="l"/>
-                <a:tab pos="7315200" algn="l"/>
-                <a:tab pos="7772400" algn="l"/>
-                <a:tab pos="8229600" algn="l"/>
-                <a:tab pos="8686800" algn="l"/>
-                <a:tab pos="9144000" algn="l"/>
-              </a:tabLst>
-              <a:defRPr sz="1200">
-                <a:solidFill>
-                  <a:srgbClr val="000000"/>
-                </a:solidFill>
-                <a:latin typeface="Times New Roman" charset="0"/>
-                <a:ea typeface="ＭＳ Ｐゴシック" charset="0"/>
-              </a:defRPr>
-            </a:lvl9pPr>
-          </a:lstStyle>
-          <a:p>
-            <a:pPr>
-              <a:spcBef>
-                <a:spcPts val="450"/>
-              </a:spcBef>
-              <a:defRPr/>
-            </a:pPr>
-            <a:r>
-              <a:rPr lang="en-US" dirty="0" smtClean="0"/>
-              <a:t>When using color to encode continuous data, it usually makes sense to use increasing intensity, or saturation of color to indicate larger values. These are called “sequential” color schemes:</a:t>
-            </a:r>
-            <a:endParaRPr lang="en-US" dirty="0" smtClean="0">
-              <a:cs typeface="Arial Unicode MS" charset="0"/>
-            </a:endParaRPr>
-          </a:p>
-        </p:txBody>
-      </p:sp>
-      <p:sp>
-        <p:nvSpPr>
-          <p:cNvPr id="124931" name="Text Box 3"/>
-          <p:cNvSpPr txBox="1">
-            <a:spLocks noChangeArrowheads="1"/>
-          </p:cNvSpPr>
-          <p:nvPr/>
-        </p:nvSpPr>
-        <p:spPr bwMode="auto">
-          <a:xfrm>
-            <a:off x="3884613" y="8685213"/>
-            <a:ext cx="2971800" cy="457200"/>
-          </a:xfrm>
-          <a:prstGeom prst="rect">
-            <a:avLst/>
-          </a:prstGeom>
-          <a:noFill/>
-          <a:ln>
-            <a:noFill/>
-          </a:ln>
-          <a:effectLst/>
-          <a:extLst>
-            <a:ext uri="{909E8E84-426E-40dd-AFC4-6F175D3DCCD1}">
-              <a14:hiddenFill xmlns:a14="http://schemas.microsoft.com/office/drawing/2010/main">
-                <a:solidFill>
-                  <a:srgbClr val="FFFFFF"/>
-                </a:solidFill>
-              </a14:hiddenFill>
-            </a:ext>
-            <a:ext uri="{91240B29-F687-4f45-9708-019B960494DF}">
-              <a14:hiddenLine xmlns:a14="http://schemas.microsoft.com/office/drawing/2010/main" w="9525" cap="flat">
-                <a:solidFill>
-                  <a:srgbClr val="3465AF"/>
-                </a:solidFill>
-                <a:round/>
-                <a:headEnd/>
-                <a:tailEnd/>
-              </a14:hiddenLine>
-            </a:ext>
-            <a:ext uri="{AF507438-7753-43e0-B8FC-AC1667EBCBE1}">
-              <a14:hiddenEffects xmlns:a14="http://schemas.microsoft.com/office/drawing/2010/main">
-                <a:effectLst>
-                  <a:outerShdw blurRad="63500" dist="38099" dir="2700000" algn="ctr" rotWithShape="0">
-                    <a:srgbClr val="000000">
-                      <a:alpha val="74998"/>
-                    </a:srgbClr>
-                  </a:outerShdw>
-                </a:effectLst>
-              </a14:hiddenEffects>
-            </a:ext>
-          </a:extLst>
-        </p:spPr>
-        <p:txBody>
-          <a:bodyPr lIns="90000" tIns="46800" rIns="90000" bIns="46800" anchor="b"/>
-          <a:lstStyle>
-            <a:lvl1pPr>
-              <a:tabLst>
-                <a:tab pos="0" algn="l"/>
-                <a:tab pos="457200" algn="l"/>
-                <a:tab pos="914400" algn="l"/>
-                <a:tab pos="1371600" algn="l"/>
-                <a:tab pos="1828800" algn="l"/>
-                <a:tab pos="2286000" algn="l"/>
-                <a:tab pos="2743200" algn="l"/>
-                <a:tab pos="3200400" algn="l"/>
-                <a:tab pos="3657600" algn="l"/>
-                <a:tab pos="4114800" algn="l"/>
-                <a:tab pos="4572000" algn="l"/>
-                <a:tab pos="5029200" algn="l"/>
-                <a:tab pos="5486400" algn="l"/>
-                <a:tab pos="5943600" algn="l"/>
-                <a:tab pos="6400800" algn="l"/>
-                <a:tab pos="6858000" algn="l"/>
-                <a:tab pos="7315200" algn="l"/>
-                <a:tab pos="7772400" algn="l"/>
-                <a:tab pos="8229600" algn="l"/>
-                <a:tab pos="8686800" algn="l"/>
-                <a:tab pos="9144000" algn="l"/>
-              </a:tabLst>
-              <a:defRPr sz="2400">
-                <a:solidFill>
-                  <a:srgbClr val="000000"/>
-                </a:solidFill>
-                <a:latin typeface="Tahoma" charset="0"/>
-                <a:ea typeface="ＭＳ Ｐゴシック" charset="0"/>
-                <a:cs typeface="ＭＳ Ｐゴシック" charset="0"/>
-              </a:defRPr>
-            </a:lvl1pPr>
-            <a:lvl2pPr>
-              <a:tabLst>
-                <a:tab pos="0" algn="l"/>
-                <a:tab pos="457200" algn="l"/>
-                <a:tab pos="914400" algn="l"/>
-                <a:tab pos="1371600" algn="l"/>
-                <a:tab pos="1828800" algn="l"/>
-                <a:tab pos="2286000" algn="l"/>
-                <a:tab pos="2743200" algn="l"/>
-                <a:tab pos="3200400" algn="l"/>
-                <a:tab pos="3657600" algn="l"/>
-                <a:tab pos="4114800" algn="l"/>
-                <a:tab pos="4572000" algn="l"/>
-                <a:tab pos="5029200" algn="l"/>
-                <a:tab pos="5486400" algn="l"/>
-                <a:tab pos="5943600" algn="l"/>
-                <a:tab pos="6400800" algn="l"/>
-                <a:tab pos="6858000" algn="l"/>
-                <a:tab pos="7315200" algn="l"/>
-                <a:tab pos="7772400" algn="l"/>
-                <a:tab pos="8229600" algn="l"/>
-                <a:tab pos="8686800" algn="l"/>
-                <a:tab pos="9144000" algn="l"/>
-              </a:tabLst>
-              <a:defRPr sz="2400">
-                <a:solidFill>
-                  <a:srgbClr val="000000"/>
-                </a:solidFill>
-                <a:latin typeface="Tahoma" charset="0"/>
-                <a:ea typeface="ＭＳ Ｐゴシック" charset="0"/>
-                <a:cs typeface="ＭＳ Ｐゴシック" charset="0"/>
-              </a:defRPr>
-            </a:lvl2pPr>
-            <a:lvl3pPr>
-              <a:tabLst>
-                <a:tab pos="0" algn="l"/>
-                <a:tab pos="457200" algn="l"/>
-                <a:tab pos="914400" algn="l"/>
-                <a:tab pos="1371600" algn="l"/>
-                <a:tab pos="1828800" algn="l"/>
-                <a:tab pos="2286000" algn="l"/>
-                <a:tab pos="2743200" algn="l"/>
-                <a:tab pos="3200400" algn="l"/>
-                <a:tab pos="3657600" algn="l"/>
-                <a:tab pos="4114800" algn="l"/>
-                <a:tab pos="4572000" algn="l"/>
-                <a:tab pos="5029200" algn="l"/>
-                <a:tab pos="5486400" algn="l"/>
-                <a:tab pos="5943600" algn="l"/>
-                <a:tab pos="6400800" algn="l"/>
-                <a:tab pos="6858000" algn="l"/>
-                <a:tab pos="7315200" algn="l"/>
-                <a:tab pos="7772400" algn="l"/>
-                <a:tab pos="8229600" algn="l"/>
-                <a:tab pos="8686800" algn="l"/>
-                <a:tab pos="9144000" algn="l"/>
-              </a:tabLst>
-              <a:defRPr sz="2400">
-                <a:solidFill>
-                  <a:srgbClr val="000000"/>
-                </a:solidFill>
-                <a:latin typeface="Tahoma" charset="0"/>
-                <a:ea typeface="ＭＳ Ｐゴシック" charset="0"/>
-                <a:cs typeface="ＭＳ Ｐゴシック" charset="0"/>
-              </a:defRPr>
-            </a:lvl3pPr>
-            <a:lvl4pPr>
-              <a:tabLst>
-                <a:tab pos="0" algn="l"/>
-                <a:tab pos="457200" algn="l"/>
-                <a:tab pos="914400" algn="l"/>
-                <a:tab pos="1371600" algn="l"/>
-                <a:tab pos="1828800" algn="l"/>
-                <a:tab pos="2286000" algn="l"/>
-                <a:tab pos="2743200" algn="l"/>
-                <a:tab pos="3200400" algn="l"/>
-                <a:tab pos="3657600" algn="l"/>
-                <a:tab pos="4114800" algn="l"/>
-                <a:tab pos="4572000" algn="l"/>
-                <a:tab pos="5029200" algn="l"/>
-                <a:tab pos="5486400" algn="l"/>
-                <a:tab pos="5943600" algn="l"/>
-                <a:tab pos="6400800" algn="l"/>
-                <a:tab pos="6858000" algn="l"/>
-                <a:tab pos="7315200" algn="l"/>
-                <a:tab pos="7772400" algn="l"/>
-                <a:tab pos="8229600" algn="l"/>
-                <a:tab pos="8686800" algn="l"/>
-                <a:tab pos="9144000" algn="l"/>
-              </a:tabLst>
-              <a:defRPr sz="2400">
-                <a:solidFill>
-                  <a:srgbClr val="000000"/>
-                </a:solidFill>
-                <a:latin typeface="Tahoma" charset="0"/>
-                <a:ea typeface="ＭＳ Ｐゴシック" charset="0"/>
-                <a:cs typeface="ＭＳ Ｐゴシック" charset="0"/>
-              </a:defRPr>
-            </a:lvl4pPr>
-            <a:lvl5pPr>
-              <a:tabLst>
-                <a:tab pos="0" algn="l"/>
-                <a:tab pos="457200" algn="l"/>
-                <a:tab pos="914400" algn="l"/>
-                <a:tab pos="1371600" algn="l"/>
-                <a:tab pos="1828800" algn="l"/>
-                <a:tab pos="2286000" algn="l"/>
-                <a:tab pos="2743200" algn="l"/>
-                <a:tab pos="3200400" algn="l"/>
-                <a:tab pos="3657600" algn="l"/>
-                <a:tab pos="4114800" algn="l"/>
-                <a:tab pos="4572000" algn="l"/>
-                <a:tab pos="5029200" algn="l"/>
-                <a:tab pos="5486400" algn="l"/>
-                <a:tab pos="5943600" algn="l"/>
-                <a:tab pos="6400800" algn="l"/>
-                <a:tab pos="6858000" algn="l"/>
-                <a:tab pos="7315200" algn="l"/>
-                <a:tab pos="7772400" algn="l"/>
-                <a:tab pos="8229600" algn="l"/>
-                <a:tab pos="8686800" algn="l"/>
-                <a:tab pos="9144000" algn="l"/>
-              </a:tabLst>
-              <a:defRPr sz="2400">
-                <a:solidFill>
-                  <a:srgbClr val="000000"/>
-                </a:solidFill>
-                <a:latin typeface="Tahoma" charset="0"/>
-                <a:ea typeface="ＭＳ Ｐゴシック" charset="0"/>
-                <a:cs typeface="ＭＳ Ｐゴシック" charset="0"/>
-              </a:defRPr>
-            </a:lvl5pPr>
-            <a:lvl6pPr marL="2514600" indent="-228600" fontAlgn="base">
-              <a:spcBef>
-                <a:spcPct val="0"/>
-              </a:spcBef>
-              <a:spcAft>
-                <a:spcPct val="0"/>
-              </a:spcAft>
-              <a:buClr>
-                <a:srgbClr val="000000"/>
-              </a:buClr>
-              <a:buSzPct val="100000"/>
-              <a:buFont typeface="Times New Roman" charset="0"/>
-              <a:tabLst>
-                <a:tab pos="0" algn="l"/>
-                <a:tab pos="457200" algn="l"/>
-                <a:tab pos="914400" algn="l"/>
-                <a:tab pos="1371600" algn="l"/>
-                <a:tab pos="1828800" algn="l"/>
-                <a:tab pos="2286000" algn="l"/>
-                <a:tab pos="2743200" algn="l"/>
-                <a:tab pos="3200400" algn="l"/>
-                <a:tab pos="3657600" algn="l"/>
-                <a:tab pos="4114800" algn="l"/>
-                <a:tab pos="4572000" algn="l"/>
-                <a:tab pos="5029200" algn="l"/>
-                <a:tab pos="5486400" algn="l"/>
-                <a:tab pos="5943600" algn="l"/>
-                <a:tab pos="6400800" algn="l"/>
-                <a:tab pos="6858000" algn="l"/>
-                <a:tab pos="7315200" algn="l"/>
-                <a:tab pos="7772400" algn="l"/>
-                <a:tab pos="8229600" algn="l"/>
-                <a:tab pos="8686800" algn="l"/>
-                <a:tab pos="9144000" algn="l"/>
-              </a:tabLst>
-              <a:defRPr sz="2400">
-                <a:solidFill>
-                  <a:srgbClr val="000000"/>
-                </a:solidFill>
-                <a:latin typeface="Tahoma" charset="0"/>
-                <a:ea typeface="ＭＳ Ｐゴシック" charset="0"/>
-                <a:cs typeface="ＭＳ Ｐゴシック" charset="0"/>
-              </a:defRPr>
-            </a:lvl6pPr>
-            <a:lvl7pPr marL="2971800" indent="-228600" fontAlgn="base">
-              <a:spcBef>
-                <a:spcPct val="0"/>
-              </a:spcBef>
-              <a:spcAft>
-                <a:spcPct val="0"/>
-              </a:spcAft>
-              <a:buClr>
-                <a:srgbClr val="000000"/>
-              </a:buClr>
-              <a:buSzPct val="100000"/>
-              <a:buFont typeface="Times New Roman" charset="0"/>
-              <a:tabLst>
-                <a:tab pos="0" algn="l"/>
-                <a:tab pos="457200" algn="l"/>
-                <a:tab pos="914400" algn="l"/>
-                <a:tab pos="1371600" algn="l"/>
-                <a:tab pos="1828800" algn="l"/>
-                <a:tab pos="2286000" algn="l"/>
-                <a:tab pos="2743200" algn="l"/>
-                <a:tab pos="3200400" algn="l"/>
-                <a:tab pos="3657600" algn="l"/>
-                <a:tab pos="4114800" algn="l"/>
-                <a:tab pos="4572000" algn="l"/>
-                <a:tab pos="5029200" algn="l"/>
-                <a:tab pos="5486400" algn="l"/>
-                <a:tab pos="5943600" algn="l"/>
-                <a:tab pos="6400800" algn="l"/>
-                <a:tab pos="6858000" algn="l"/>
-                <a:tab pos="7315200" algn="l"/>
-                <a:tab pos="7772400" algn="l"/>
-                <a:tab pos="8229600" algn="l"/>
-                <a:tab pos="8686800" algn="l"/>
-                <a:tab pos="9144000" algn="l"/>
-              </a:tabLst>
-              <a:defRPr sz="2400">
-                <a:solidFill>
-                  <a:srgbClr val="000000"/>
-                </a:solidFill>
-                <a:latin typeface="Tahoma" charset="0"/>
-                <a:ea typeface="ＭＳ Ｐゴシック" charset="0"/>
-                <a:cs typeface="ＭＳ Ｐゴシック" charset="0"/>
-              </a:defRPr>
-            </a:lvl7pPr>
-            <a:lvl8pPr marL="3429000" indent="-228600" fontAlgn="base">
-              <a:spcBef>
-                <a:spcPct val="0"/>
-              </a:spcBef>
-              <a:spcAft>
-                <a:spcPct val="0"/>
-              </a:spcAft>
-              <a:buClr>
-                <a:srgbClr val="000000"/>
-              </a:buClr>
-              <a:buSzPct val="100000"/>
-              <a:buFont typeface="Times New Roman" charset="0"/>
-              <a:tabLst>
-                <a:tab pos="0" algn="l"/>
-                <a:tab pos="457200" algn="l"/>
-                <a:tab pos="914400" algn="l"/>
-                <a:tab pos="1371600" algn="l"/>
-                <a:tab pos="1828800" algn="l"/>
-                <a:tab pos="2286000" algn="l"/>
-                <a:tab pos="2743200" algn="l"/>
-                <a:tab pos="3200400" algn="l"/>
-                <a:tab pos="3657600" algn="l"/>
-                <a:tab pos="4114800" algn="l"/>
-                <a:tab pos="4572000" algn="l"/>
-                <a:tab pos="5029200" algn="l"/>
-                <a:tab pos="5486400" algn="l"/>
-                <a:tab pos="5943600" algn="l"/>
-                <a:tab pos="6400800" algn="l"/>
-                <a:tab pos="6858000" algn="l"/>
-                <a:tab pos="7315200" algn="l"/>
-                <a:tab pos="7772400" algn="l"/>
-                <a:tab pos="8229600" algn="l"/>
-                <a:tab pos="8686800" algn="l"/>
-                <a:tab pos="9144000" algn="l"/>
-              </a:tabLst>
-              <a:defRPr sz="2400">
-                <a:solidFill>
-                  <a:srgbClr val="000000"/>
-                </a:solidFill>
-                <a:latin typeface="Tahoma" charset="0"/>
-                <a:ea typeface="ＭＳ Ｐゴシック" charset="0"/>
-                <a:cs typeface="ＭＳ Ｐゴシック" charset="0"/>
-              </a:defRPr>
-            </a:lvl8pPr>
-            <a:lvl9pPr marL="3886200" indent="-228600" fontAlgn="base">
-              <a:spcBef>
-                <a:spcPct val="0"/>
-              </a:spcBef>
-              <a:spcAft>
-                <a:spcPct val="0"/>
-              </a:spcAft>
-              <a:buClr>
-                <a:srgbClr val="000000"/>
-              </a:buClr>
-              <a:buSzPct val="100000"/>
-              <a:buFont typeface="Times New Roman" charset="0"/>
-              <a:tabLst>
-                <a:tab pos="0" algn="l"/>
-                <a:tab pos="457200" algn="l"/>
-                <a:tab pos="914400" algn="l"/>
-                <a:tab pos="1371600" algn="l"/>
-                <a:tab pos="1828800" algn="l"/>
-                <a:tab pos="2286000" algn="l"/>
-                <a:tab pos="2743200" algn="l"/>
-                <a:tab pos="3200400" algn="l"/>
-                <a:tab pos="3657600" algn="l"/>
-                <a:tab pos="4114800" algn="l"/>
-                <a:tab pos="4572000" algn="l"/>
-                <a:tab pos="5029200" algn="l"/>
-                <a:tab pos="5486400" algn="l"/>
-                <a:tab pos="5943600" algn="l"/>
-                <a:tab pos="6400800" algn="l"/>
-                <a:tab pos="6858000" algn="l"/>
-                <a:tab pos="7315200" algn="l"/>
-                <a:tab pos="7772400" algn="l"/>
-                <a:tab pos="8229600" algn="l"/>
-                <a:tab pos="8686800" algn="l"/>
-                <a:tab pos="9144000" algn="l"/>
-              </a:tabLst>
-              <a:defRPr sz="2400">
-                <a:solidFill>
-                  <a:srgbClr val="000000"/>
-                </a:solidFill>
-                <a:latin typeface="Tahoma" charset="0"/>
-                <a:ea typeface="ＭＳ Ｐゴシック" charset="0"/>
-                <a:cs typeface="ＭＳ Ｐゴシック" charset="0"/>
-              </a:defRPr>
-            </a:lvl9pPr>
-          </a:lstStyle>
-          <a:p>
-            <a:pPr algn="r">
-              <a:defRPr/>
-            </a:pPr>
-            <a:fld id="{1B34262F-04BE-C94F-8D11-01C6D59E609D}" type="slidenum">
-              <a:rPr lang="en-US" sz="1200" smtClean="0">
-                <a:latin typeface="Arial" charset="0"/>
-                <a:cs typeface="Arial" charset="0"/>
-              </a:rPr>
-              <a:pPr algn="r">
-                <a:defRPr/>
-              </a:pPr>
-              <a:t>22</a:t>
-            </a:fld>
-            <a:endParaRPr lang="en-US" sz="1200" smtClean="0">
-              <a:latin typeface="Arial" charset="0"/>
-              <a:cs typeface="Arial" charset="0"/>
-            </a:endParaRPr>
-          </a:p>
-        </p:txBody>
-      </p:sp>
-    </p:spTree>
-  </p:cSld>
-  <p:clrMapOvr>
-    <a:masterClrMapping/>
-  </p:clrMapOvr>
-</p:notes>
-</file>
-
-<file path=ppt/notesSlides/notesSlide18.xml><?xml version="1.0" encoding="utf-8"?>
-<p:notes xmlns:a="http://schemas.openxmlformats.org/drawingml/2006/main" xmlns:r="http://schemas.openxmlformats.org/officeDocument/2006/relationships" xmlns:p="http://schemas.openxmlformats.org/presentationml/2006/main">
-  <p:cSld>
-    <p:bg>
-      <p:bgPr>
-        <a:solidFill>
-          <a:srgbClr val="FFFFFF"/>
-        </a:solidFill>
-        <a:effectLst/>
-      </p:bgPr>
-    </p:bg>
-    <p:spTree>
-      <p:nvGrpSpPr>
-        <p:cNvPr id="1" name=""/>
-        <p:cNvGrpSpPr/>
-        <p:nvPr/>
-      </p:nvGrpSpPr>
-      <p:grpSpPr>
-        <a:xfrm>
-          <a:off x="0" y="0"/>
-          <a:ext cx="0" cy="0"/>
-          <a:chOff x="0" y="0"/>
-          <a:chExt cx="0" cy="0"/>
-        </a:xfrm>
-      </p:grpSpPr>
-      <p:sp>
-        <p:nvSpPr>
-          <p:cNvPr id="142338" name="Rectangle 11"/>
-          <p:cNvSpPr>
-            <a:spLocks noGrp="1" noChangeArrowheads="1"/>
-          </p:cNvSpPr>
-          <p:nvPr>
-            <p:ph type="sldNum" sz="quarter"/>
-          </p:nvPr>
-        </p:nvSpPr>
-        <p:spPr bwMode="auto">
-          <a:noFill/>
-          <a:extLst>
-            <a:ext uri="{909E8E84-426E-40dd-AFC4-6F175D3DCCD1}">
-              <a14:hiddenFill xmlns:a14="http://schemas.microsoft.com/office/drawing/2010/main">
-                <a:solidFill>
-                  <a:srgbClr val="FFFFFF"/>
-                </a:solidFill>
-              </a14:hiddenFill>
-            </a:ext>
-            <a:ext uri="{91240B29-F687-4f45-9708-019B960494DF}">
-              <a14:hiddenLine xmlns:a14="http://schemas.microsoft.com/office/drawing/2010/main" w="9525">
-                <a:solidFill>
-                  <a:srgbClr val="000000"/>
-                </a:solidFill>
-                <a:miter lim="800000"/>
-                <a:headEnd/>
-                <a:tailEnd/>
-              </a14:hiddenLine>
-            </a:ext>
-          </a:extLst>
-        </p:spPr>
-        <p:txBody>
-          <a:bodyPr/>
-          <a:lstStyle>
-            <a:lvl1pPr eaLnBrk="0" hangingPunct="0">
-              <a:defRPr sz="2400">
-                <a:solidFill>
-                  <a:schemeClr val="tx1"/>
-                </a:solidFill>
-                <a:latin typeface="Arial" charset="0"/>
-                <a:ea typeface="ＭＳ Ｐゴシック" charset="0"/>
-                <a:cs typeface="ＭＳ Ｐゴシック" charset="0"/>
-              </a:defRPr>
-            </a:lvl1pPr>
-            <a:lvl2pPr marL="742950" indent="-285750" eaLnBrk="0" hangingPunct="0">
-              <a:defRPr sz="2400">
-                <a:solidFill>
-                  <a:schemeClr val="tx1"/>
-                </a:solidFill>
-                <a:latin typeface="Arial" charset="0"/>
-                <a:ea typeface="ＭＳ Ｐゴシック" charset="0"/>
-              </a:defRPr>
-            </a:lvl2pPr>
-            <a:lvl3pPr marL="1143000" indent="-228600" eaLnBrk="0" hangingPunct="0">
-              <a:defRPr sz="2400">
-                <a:solidFill>
-                  <a:schemeClr val="tx1"/>
-                </a:solidFill>
-                <a:latin typeface="Arial" charset="0"/>
-                <a:ea typeface="ＭＳ Ｐゴシック" charset="0"/>
-              </a:defRPr>
-            </a:lvl3pPr>
-            <a:lvl4pPr marL="1600200" indent="-228600" eaLnBrk="0" hangingPunct="0">
-              <a:defRPr sz="2400">
-                <a:solidFill>
-                  <a:schemeClr val="tx1"/>
-                </a:solidFill>
-                <a:latin typeface="Arial" charset="0"/>
-                <a:ea typeface="ＭＳ Ｐゴシック" charset="0"/>
-              </a:defRPr>
-            </a:lvl4pPr>
-            <a:lvl5pPr marL="2057400" indent="-228600" eaLnBrk="0" hangingPunct="0">
-              <a:defRPr sz="2400">
-                <a:solidFill>
-                  <a:schemeClr val="tx1"/>
-                </a:solidFill>
-                <a:latin typeface="Arial" charset="0"/>
-                <a:ea typeface="ＭＳ Ｐゴシック" charset="0"/>
-              </a:defRPr>
-            </a:lvl5pPr>
-            <a:lvl6pPr marL="2514600" indent="-228600" eaLnBrk="0" fontAlgn="base" hangingPunct="0">
-              <a:spcBef>
-                <a:spcPct val="0"/>
-              </a:spcBef>
-              <a:spcAft>
-                <a:spcPct val="0"/>
-              </a:spcAft>
-              <a:defRPr sz="2400">
-                <a:solidFill>
-                  <a:schemeClr val="tx1"/>
-                </a:solidFill>
-                <a:latin typeface="Arial" charset="0"/>
-                <a:ea typeface="ＭＳ Ｐゴシック" charset="0"/>
-              </a:defRPr>
-            </a:lvl6pPr>
-            <a:lvl7pPr marL="2971800" indent="-228600" eaLnBrk="0" fontAlgn="base" hangingPunct="0">
-              <a:spcBef>
-                <a:spcPct val="0"/>
-              </a:spcBef>
-              <a:spcAft>
-                <a:spcPct val="0"/>
-              </a:spcAft>
-              <a:defRPr sz="2400">
-                <a:solidFill>
-                  <a:schemeClr val="tx1"/>
-                </a:solidFill>
-                <a:latin typeface="Arial" charset="0"/>
-                <a:ea typeface="ＭＳ Ｐゴシック" charset="0"/>
-              </a:defRPr>
-            </a:lvl7pPr>
-            <a:lvl8pPr marL="3429000" indent="-228600" eaLnBrk="0" fontAlgn="base" hangingPunct="0">
-              <a:spcBef>
-                <a:spcPct val="0"/>
-              </a:spcBef>
-              <a:spcAft>
-                <a:spcPct val="0"/>
-              </a:spcAft>
-              <a:defRPr sz="2400">
-                <a:solidFill>
-                  <a:schemeClr val="tx1"/>
-                </a:solidFill>
-                <a:latin typeface="Arial" charset="0"/>
-                <a:ea typeface="ＭＳ Ｐゴシック" charset="0"/>
-              </a:defRPr>
-            </a:lvl8pPr>
-            <a:lvl9pPr marL="3886200" indent="-228600" eaLnBrk="0" fontAlgn="base" hangingPunct="0">
-              <a:spcBef>
-                <a:spcPct val="0"/>
-              </a:spcBef>
-              <a:spcAft>
-                <a:spcPct val="0"/>
-              </a:spcAft>
-              <a:defRPr sz="2400">
-                <a:solidFill>
-                  <a:schemeClr val="tx1"/>
-                </a:solidFill>
-                <a:latin typeface="Arial" charset="0"/>
-                <a:ea typeface="ＭＳ Ｐゴシック" charset="0"/>
-              </a:defRPr>
-            </a:lvl9pPr>
-          </a:lstStyle>
-          <a:p>
-            <a:pPr eaLnBrk="1" hangingPunct="1"/>
-            <a:fld id="{8182F6CB-9114-4B4D-97AE-D6C69B8145A7}" type="slidenum">
-              <a:rPr lang="en-US" sz="1800">
-                <a:cs typeface="DejaVu Sans" charset="0"/>
-              </a:rPr>
-              <a:pPr eaLnBrk="1" hangingPunct="1"/>
-              <a:t>23</a:t>
-            </a:fld>
-            <a:endParaRPr lang="en-US" sz="1800">
-              <a:cs typeface="DejaVu Sans" charset="0"/>
-            </a:endParaRPr>
-          </a:p>
-        </p:txBody>
-      </p:sp>
-      <p:sp>
-        <p:nvSpPr>
-          <p:cNvPr id="124929" name="Text Box 1"/>
-          <p:cNvSpPr txBox="1">
-            <a:spLocks noGrp="1" noRot="1" noChangeAspect="1" noChangeArrowheads="1"/>
-          </p:cNvSpPr>
-          <p:nvPr>
-            <p:ph type="sldImg"/>
-          </p:nvPr>
-        </p:nvSpPr>
-        <p:spPr>
-          <a:xfrm>
-            <a:off x="1143000" y="685800"/>
-            <a:ext cx="4572000" cy="3429000"/>
-          </a:xfrm>
-          <a:prstGeom prst="rect">
-            <a:avLst/>
-          </a:prstGeom>
-          <a:solidFill>
-            <a:srgbClr val="FFFFFF"/>
-          </a:solidFill>
-          <a:ln>
-            <a:solidFill>
-              <a:srgbClr val="000000"/>
-            </a:solidFill>
-            <a:miter lim="800000"/>
-            <a:headEnd/>
-            <a:tailEnd/>
-          </a:ln>
-          <a:extLst>
-            <a:ext uri="{AF507438-7753-43e0-B8FC-AC1667EBCBE1}">
-              <a14:hiddenEffects xmlns:a14="http://schemas.microsoft.com/office/drawing/2010/main">
-                <a:effectLst>
-                  <a:outerShdw blurRad="63500" dist="38099" dir="2700000" algn="ctr" rotWithShape="0">
-                    <a:srgbClr val="000000">
-                      <a:alpha val="74998"/>
-                    </a:srgbClr>
-                  </a:outerShdw>
-                </a:effectLst>
-              </a14:hiddenEffects>
-            </a:ext>
-          </a:extLst>
-        </p:spPr>
-      </p:sp>
-      <p:sp>
-        <p:nvSpPr>
-          <p:cNvPr id="124930" name="Text Box 2"/>
-          <p:cNvSpPr txBox="1">
-            <a:spLocks noGrp="1" noChangeArrowheads="1"/>
-          </p:cNvSpPr>
-          <p:nvPr>
-            <p:ph type="body" idx="1"/>
-          </p:nvPr>
-        </p:nvSpPr>
-        <p:spPr>
-          <a:xfrm>
-            <a:off x="685800" y="4343400"/>
-            <a:ext cx="5486400" cy="4114800"/>
-          </a:xfrm>
-          <a:ln/>
-          <a:extLst>
-            <a:ext uri="{AF507438-7753-43e0-B8FC-AC1667EBCBE1}">
-              <a14:hiddenEffects xmlns:a14="http://schemas.microsoft.com/office/drawing/2010/main">
-                <a:effectLst>
-                  <a:outerShdw blurRad="63500" dist="38099" dir="2700000" algn="ctr" rotWithShape="0">
-                    <a:srgbClr val="000000">
-                      <a:alpha val="74998"/>
-                    </a:srgbClr>
-                  </a:outerShdw>
-                </a:effectLst>
-              </a14:hiddenEffects>
-            </a:ext>
-          </a:extLst>
-        </p:spPr>
-        <p:txBody>
-          <a:bodyPr anchor="ctr"/>
-          <a:lstStyle>
-            <a:lvl1pPr>
-              <a:tabLst>
-                <a:tab pos="0" algn="l"/>
-                <a:tab pos="457200" algn="l"/>
-                <a:tab pos="914400" algn="l"/>
-                <a:tab pos="1371600" algn="l"/>
-                <a:tab pos="1828800" algn="l"/>
-                <a:tab pos="2286000" algn="l"/>
-                <a:tab pos="2743200" algn="l"/>
-                <a:tab pos="3200400" algn="l"/>
-                <a:tab pos="3657600" algn="l"/>
-                <a:tab pos="4114800" algn="l"/>
-                <a:tab pos="4572000" algn="l"/>
-                <a:tab pos="5029200" algn="l"/>
-                <a:tab pos="5486400" algn="l"/>
-                <a:tab pos="5943600" algn="l"/>
-                <a:tab pos="6400800" algn="l"/>
-                <a:tab pos="6858000" algn="l"/>
-                <a:tab pos="7315200" algn="l"/>
-                <a:tab pos="7772400" algn="l"/>
-                <a:tab pos="8229600" algn="l"/>
-                <a:tab pos="8686800" algn="l"/>
-                <a:tab pos="9144000" algn="l"/>
-              </a:tabLst>
-              <a:defRPr sz="1200">
-                <a:solidFill>
-                  <a:srgbClr val="000000"/>
-                </a:solidFill>
-                <a:latin typeface="Times New Roman" charset="0"/>
-                <a:ea typeface="ＭＳ Ｐゴシック" charset="0"/>
-              </a:defRPr>
-            </a:lvl1pPr>
-            <a:lvl2pPr>
-              <a:tabLst>
-                <a:tab pos="0" algn="l"/>
-                <a:tab pos="457200" algn="l"/>
-                <a:tab pos="914400" algn="l"/>
-                <a:tab pos="1371600" algn="l"/>
-                <a:tab pos="1828800" algn="l"/>
-                <a:tab pos="2286000" algn="l"/>
-                <a:tab pos="2743200" algn="l"/>
-                <a:tab pos="3200400" algn="l"/>
-                <a:tab pos="3657600" algn="l"/>
-                <a:tab pos="4114800" algn="l"/>
-                <a:tab pos="4572000" algn="l"/>
-                <a:tab pos="5029200" algn="l"/>
-                <a:tab pos="5486400" algn="l"/>
-                <a:tab pos="5943600" algn="l"/>
-                <a:tab pos="6400800" algn="l"/>
-                <a:tab pos="6858000" algn="l"/>
-                <a:tab pos="7315200" algn="l"/>
-                <a:tab pos="7772400" algn="l"/>
-                <a:tab pos="8229600" algn="l"/>
-                <a:tab pos="8686800" algn="l"/>
-                <a:tab pos="9144000" algn="l"/>
-              </a:tabLst>
-              <a:defRPr sz="1200">
-                <a:solidFill>
-                  <a:srgbClr val="000000"/>
-                </a:solidFill>
-                <a:latin typeface="Times New Roman" charset="0"/>
-                <a:ea typeface="ＭＳ Ｐゴシック" charset="0"/>
-              </a:defRPr>
-            </a:lvl2pPr>
-            <a:lvl3pPr>
-              <a:tabLst>
-                <a:tab pos="0" algn="l"/>
-                <a:tab pos="457200" algn="l"/>
-                <a:tab pos="914400" algn="l"/>
-                <a:tab pos="1371600" algn="l"/>
-                <a:tab pos="1828800" algn="l"/>
-                <a:tab pos="2286000" algn="l"/>
-                <a:tab pos="2743200" algn="l"/>
-                <a:tab pos="3200400" algn="l"/>
-                <a:tab pos="3657600" algn="l"/>
-                <a:tab pos="4114800" algn="l"/>
-                <a:tab pos="4572000" algn="l"/>
-                <a:tab pos="5029200" algn="l"/>
-                <a:tab pos="5486400" algn="l"/>
-                <a:tab pos="5943600" algn="l"/>
-                <a:tab pos="6400800" algn="l"/>
-                <a:tab pos="6858000" algn="l"/>
-                <a:tab pos="7315200" algn="l"/>
-                <a:tab pos="7772400" algn="l"/>
-                <a:tab pos="8229600" algn="l"/>
-                <a:tab pos="8686800" algn="l"/>
-                <a:tab pos="9144000" algn="l"/>
-              </a:tabLst>
-              <a:defRPr sz="1200">
-                <a:solidFill>
-                  <a:srgbClr val="000000"/>
-                </a:solidFill>
-                <a:latin typeface="Times New Roman" charset="0"/>
-                <a:ea typeface="ＭＳ Ｐゴシック" charset="0"/>
-              </a:defRPr>
-            </a:lvl3pPr>
-            <a:lvl4pPr>
-              <a:tabLst>
-                <a:tab pos="0" algn="l"/>
-                <a:tab pos="457200" algn="l"/>
-                <a:tab pos="914400" algn="l"/>
-                <a:tab pos="1371600" algn="l"/>
-                <a:tab pos="1828800" algn="l"/>
-                <a:tab pos="2286000" algn="l"/>
-                <a:tab pos="2743200" algn="l"/>
-                <a:tab pos="3200400" algn="l"/>
-                <a:tab pos="3657600" algn="l"/>
-                <a:tab pos="4114800" algn="l"/>
-                <a:tab pos="4572000" algn="l"/>
-                <a:tab pos="5029200" algn="l"/>
-                <a:tab pos="5486400" algn="l"/>
-                <a:tab pos="5943600" algn="l"/>
-                <a:tab pos="6400800" algn="l"/>
-                <a:tab pos="6858000" algn="l"/>
-                <a:tab pos="7315200" algn="l"/>
-                <a:tab pos="7772400" algn="l"/>
-                <a:tab pos="8229600" algn="l"/>
-                <a:tab pos="8686800" algn="l"/>
-                <a:tab pos="9144000" algn="l"/>
-              </a:tabLst>
-              <a:defRPr sz="1200">
-                <a:solidFill>
-                  <a:srgbClr val="000000"/>
-                </a:solidFill>
-                <a:latin typeface="Times New Roman" charset="0"/>
-                <a:ea typeface="ＭＳ Ｐゴシック" charset="0"/>
-              </a:defRPr>
-            </a:lvl4pPr>
-            <a:lvl5pPr>
-              <a:tabLst>
-                <a:tab pos="0" algn="l"/>
-                <a:tab pos="457200" algn="l"/>
-                <a:tab pos="914400" algn="l"/>
-                <a:tab pos="1371600" algn="l"/>
-                <a:tab pos="1828800" algn="l"/>
-                <a:tab pos="2286000" algn="l"/>
-                <a:tab pos="2743200" algn="l"/>
-                <a:tab pos="3200400" algn="l"/>
-                <a:tab pos="3657600" algn="l"/>
-                <a:tab pos="4114800" algn="l"/>
-                <a:tab pos="4572000" algn="l"/>
-                <a:tab pos="5029200" algn="l"/>
-                <a:tab pos="5486400" algn="l"/>
-                <a:tab pos="5943600" algn="l"/>
-                <a:tab pos="6400800" algn="l"/>
-                <a:tab pos="6858000" algn="l"/>
-                <a:tab pos="7315200" algn="l"/>
-                <a:tab pos="7772400" algn="l"/>
-                <a:tab pos="8229600" algn="l"/>
-                <a:tab pos="8686800" algn="l"/>
-                <a:tab pos="9144000" algn="l"/>
-              </a:tabLst>
-              <a:defRPr sz="1200">
-                <a:solidFill>
-                  <a:srgbClr val="000000"/>
-                </a:solidFill>
-                <a:latin typeface="Times New Roman" charset="0"/>
-                <a:ea typeface="ＭＳ Ｐゴシック" charset="0"/>
-              </a:defRPr>
-            </a:lvl5pPr>
-            <a:lvl6pPr marL="2514600" indent="-228600" eaLnBrk="0" fontAlgn="base" hangingPunct="0">
-              <a:spcBef>
-                <a:spcPct val="30000"/>
-              </a:spcBef>
-              <a:spcAft>
-                <a:spcPct val="0"/>
-              </a:spcAft>
-              <a:buClr>
-                <a:srgbClr val="000000"/>
-              </a:buClr>
-              <a:buSzPct val="100000"/>
-              <a:buFont typeface="Times New Roman" charset="0"/>
-              <a:tabLst>
-                <a:tab pos="0" algn="l"/>
-                <a:tab pos="457200" algn="l"/>
-                <a:tab pos="914400" algn="l"/>
-                <a:tab pos="1371600" algn="l"/>
-                <a:tab pos="1828800" algn="l"/>
-                <a:tab pos="2286000" algn="l"/>
-                <a:tab pos="2743200" algn="l"/>
-                <a:tab pos="3200400" algn="l"/>
-                <a:tab pos="3657600" algn="l"/>
-                <a:tab pos="4114800" algn="l"/>
-                <a:tab pos="4572000" algn="l"/>
-                <a:tab pos="5029200" algn="l"/>
-                <a:tab pos="5486400" algn="l"/>
-                <a:tab pos="5943600" algn="l"/>
-                <a:tab pos="6400800" algn="l"/>
-                <a:tab pos="6858000" algn="l"/>
-                <a:tab pos="7315200" algn="l"/>
-                <a:tab pos="7772400" algn="l"/>
-                <a:tab pos="8229600" algn="l"/>
-                <a:tab pos="8686800" algn="l"/>
-                <a:tab pos="9144000" algn="l"/>
-              </a:tabLst>
-              <a:defRPr sz="1200">
-                <a:solidFill>
-                  <a:srgbClr val="000000"/>
-                </a:solidFill>
-                <a:latin typeface="Times New Roman" charset="0"/>
-                <a:ea typeface="ＭＳ Ｐゴシック" charset="0"/>
-              </a:defRPr>
-            </a:lvl6pPr>
-            <a:lvl7pPr marL="2971800" indent="-228600" eaLnBrk="0" fontAlgn="base" hangingPunct="0">
-              <a:spcBef>
-                <a:spcPct val="30000"/>
-              </a:spcBef>
-              <a:spcAft>
-                <a:spcPct val="0"/>
-              </a:spcAft>
-              <a:buClr>
-                <a:srgbClr val="000000"/>
-              </a:buClr>
-              <a:buSzPct val="100000"/>
-              <a:buFont typeface="Times New Roman" charset="0"/>
-              <a:tabLst>
-                <a:tab pos="0" algn="l"/>
-                <a:tab pos="457200" algn="l"/>
-                <a:tab pos="914400" algn="l"/>
-                <a:tab pos="1371600" algn="l"/>
-                <a:tab pos="1828800" algn="l"/>
-                <a:tab pos="2286000" algn="l"/>
-                <a:tab pos="2743200" algn="l"/>
-                <a:tab pos="3200400" algn="l"/>
-                <a:tab pos="3657600" algn="l"/>
-                <a:tab pos="4114800" algn="l"/>
-                <a:tab pos="4572000" algn="l"/>
-                <a:tab pos="5029200" algn="l"/>
-                <a:tab pos="5486400" algn="l"/>
-                <a:tab pos="5943600" algn="l"/>
-                <a:tab pos="6400800" algn="l"/>
-                <a:tab pos="6858000" algn="l"/>
-                <a:tab pos="7315200" algn="l"/>
-                <a:tab pos="7772400" algn="l"/>
-                <a:tab pos="8229600" algn="l"/>
-                <a:tab pos="8686800" algn="l"/>
-                <a:tab pos="9144000" algn="l"/>
-              </a:tabLst>
-              <a:defRPr sz="1200">
-                <a:solidFill>
-                  <a:srgbClr val="000000"/>
-                </a:solidFill>
-                <a:latin typeface="Times New Roman" charset="0"/>
-                <a:ea typeface="ＭＳ Ｐゴシック" charset="0"/>
-              </a:defRPr>
-            </a:lvl7pPr>
-            <a:lvl8pPr marL="3429000" indent="-228600" eaLnBrk="0" fontAlgn="base" hangingPunct="0">
-              <a:spcBef>
-                <a:spcPct val="30000"/>
-              </a:spcBef>
-              <a:spcAft>
-                <a:spcPct val="0"/>
-              </a:spcAft>
-              <a:buClr>
-                <a:srgbClr val="000000"/>
-              </a:buClr>
-              <a:buSzPct val="100000"/>
-              <a:buFont typeface="Times New Roman" charset="0"/>
-              <a:tabLst>
-                <a:tab pos="0" algn="l"/>
-                <a:tab pos="457200" algn="l"/>
-                <a:tab pos="914400" algn="l"/>
-                <a:tab pos="1371600" algn="l"/>
-                <a:tab pos="1828800" algn="l"/>
-                <a:tab pos="2286000" algn="l"/>
-                <a:tab pos="2743200" algn="l"/>
-                <a:tab pos="3200400" algn="l"/>
-                <a:tab pos="3657600" algn="l"/>
-                <a:tab pos="4114800" algn="l"/>
-                <a:tab pos="4572000" algn="l"/>
-                <a:tab pos="5029200" algn="l"/>
-                <a:tab pos="5486400" algn="l"/>
-                <a:tab pos="5943600" algn="l"/>
-                <a:tab pos="6400800" algn="l"/>
-                <a:tab pos="6858000" algn="l"/>
-                <a:tab pos="7315200" algn="l"/>
-                <a:tab pos="7772400" algn="l"/>
-                <a:tab pos="8229600" algn="l"/>
-                <a:tab pos="8686800" algn="l"/>
-                <a:tab pos="9144000" algn="l"/>
-              </a:tabLst>
-              <a:defRPr sz="1200">
-                <a:solidFill>
-                  <a:srgbClr val="000000"/>
-                </a:solidFill>
-                <a:latin typeface="Times New Roman" charset="0"/>
-                <a:ea typeface="ＭＳ Ｐゴシック" charset="0"/>
-              </a:defRPr>
-            </a:lvl8pPr>
-            <a:lvl9pPr marL="3886200" indent="-228600" eaLnBrk="0" fontAlgn="base" hangingPunct="0">
-              <a:spcBef>
-                <a:spcPct val="30000"/>
-              </a:spcBef>
-              <a:spcAft>
-                <a:spcPct val="0"/>
-              </a:spcAft>
-              <a:buClr>
-                <a:srgbClr val="000000"/>
-              </a:buClr>
-              <a:buSzPct val="100000"/>
-              <a:buFont typeface="Times New Roman" charset="0"/>
-              <a:tabLst>
-                <a:tab pos="0" algn="l"/>
-                <a:tab pos="457200" algn="l"/>
-                <a:tab pos="914400" algn="l"/>
-                <a:tab pos="1371600" algn="l"/>
-                <a:tab pos="1828800" algn="l"/>
-                <a:tab pos="2286000" algn="l"/>
-                <a:tab pos="2743200" algn="l"/>
-                <a:tab pos="3200400" algn="l"/>
-                <a:tab pos="3657600" algn="l"/>
-                <a:tab pos="4114800" algn="l"/>
-                <a:tab pos="4572000" algn="l"/>
-                <a:tab pos="5029200" algn="l"/>
-                <a:tab pos="5486400" algn="l"/>
-                <a:tab pos="5943600" algn="l"/>
-                <a:tab pos="6400800" algn="l"/>
-                <a:tab pos="6858000" algn="l"/>
-                <a:tab pos="7315200" algn="l"/>
-                <a:tab pos="7772400" algn="l"/>
-                <a:tab pos="8229600" algn="l"/>
-                <a:tab pos="8686800" algn="l"/>
-                <a:tab pos="9144000" algn="l"/>
-              </a:tabLst>
-              <a:defRPr sz="1200">
-                <a:solidFill>
-                  <a:srgbClr val="000000"/>
-                </a:solidFill>
-                <a:latin typeface="Times New Roman" charset="0"/>
-                <a:ea typeface="ＭＳ Ｐゴシック" charset="0"/>
-              </a:defRPr>
-            </a:lvl9pPr>
-          </a:lstStyle>
-          <a:p>
-            <a:pPr>
-              <a:spcBef>
-                <a:spcPts val="450"/>
-              </a:spcBef>
-              <a:defRPr/>
-            </a:pPr>
-            <a:r>
-              <a:rPr lang="en-US" dirty="0" smtClean="0"/>
-              <a:t>In some circumstances, you may have data that has positive and negative values, or which highlights a division from a central value. Here, you should use a “diverging” color scheme, which will usually have two colors reasonably well separated on the color wheel as their end points, and cycle through a neutral color in the middle:</a:t>
-            </a:r>
-            <a:endParaRPr lang="en-US" dirty="0" smtClean="0">
-              <a:cs typeface="Arial Unicode MS" charset="0"/>
-            </a:endParaRPr>
-          </a:p>
-        </p:txBody>
-      </p:sp>
-      <p:sp>
-        <p:nvSpPr>
-          <p:cNvPr id="124931" name="Text Box 3"/>
-          <p:cNvSpPr txBox="1">
-            <a:spLocks noChangeArrowheads="1"/>
-          </p:cNvSpPr>
-          <p:nvPr/>
-        </p:nvSpPr>
-        <p:spPr bwMode="auto">
-          <a:xfrm>
-            <a:off x="3884613" y="8685213"/>
-            <a:ext cx="2971800" cy="457200"/>
-          </a:xfrm>
-          <a:prstGeom prst="rect">
-            <a:avLst/>
-          </a:prstGeom>
-          <a:noFill/>
-          <a:ln>
-            <a:noFill/>
-          </a:ln>
-          <a:effectLst/>
-          <a:extLst>
-            <a:ext uri="{909E8E84-426E-40dd-AFC4-6F175D3DCCD1}">
-              <a14:hiddenFill xmlns:a14="http://schemas.microsoft.com/office/drawing/2010/main">
-                <a:solidFill>
-                  <a:srgbClr val="FFFFFF"/>
-                </a:solidFill>
-              </a14:hiddenFill>
-            </a:ext>
-            <a:ext uri="{91240B29-F687-4f45-9708-019B960494DF}">
-              <a14:hiddenLine xmlns:a14="http://schemas.microsoft.com/office/drawing/2010/main" w="9525" cap="flat">
-                <a:solidFill>
-                  <a:srgbClr val="3465AF"/>
-                </a:solidFill>
-                <a:round/>
-                <a:headEnd/>
-                <a:tailEnd/>
-              </a14:hiddenLine>
-            </a:ext>
-            <a:ext uri="{AF507438-7753-43e0-B8FC-AC1667EBCBE1}">
-              <a14:hiddenEffects xmlns:a14="http://schemas.microsoft.com/office/drawing/2010/main">
-                <a:effectLst>
-                  <a:outerShdw blurRad="63500" dist="38099" dir="2700000" algn="ctr" rotWithShape="0">
-                    <a:srgbClr val="000000">
-                      <a:alpha val="74998"/>
-                    </a:srgbClr>
-                  </a:outerShdw>
-                </a:effectLst>
-              </a14:hiddenEffects>
-            </a:ext>
-          </a:extLst>
-        </p:spPr>
-        <p:txBody>
-          <a:bodyPr lIns="90000" tIns="46800" rIns="90000" bIns="46800" anchor="b"/>
-          <a:lstStyle>
-            <a:lvl1pPr>
-              <a:tabLst>
-                <a:tab pos="0" algn="l"/>
-                <a:tab pos="457200" algn="l"/>
-                <a:tab pos="914400" algn="l"/>
-                <a:tab pos="1371600" algn="l"/>
-                <a:tab pos="1828800" algn="l"/>
-                <a:tab pos="2286000" algn="l"/>
-                <a:tab pos="2743200" algn="l"/>
-                <a:tab pos="3200400" algn="l"/>
-                <a:tab pos="3657600" algn="l"/>
-                <a:tab pos="4114800" algn="l"/>
-                <a:tab pos="4572000" algn="l"/>
-                <a:tab pos="5029200" algn="l"/>
-                <a:tab pos="5486400" algn="l"/>
-                <a:tab pos="5943600" algn="l"/>
-                <a:tab pos="6400800" algn="l"/>
-                <a:tab pos="6858000" algn="l"/>
-                <a:tab pos="7315200" algn="l"/>
-                <a:tab pos="7772400" algn="l"/>
-                <a:tab pos="8229600" algn="l"/>
-                <a:tab pos="8686800" algn="l"/>
-                <a:tab pos="9144000" algn="l"/>
-              </a:tabLst>
-              <a:defRPr sz="2400">
-                <a:solidFill>
-                  <a:srgbClr val="000000"/>
-                </a:solidFill>
-                <a:latin typeface="Tahoma" charset="0"/>
-                <a:ea typeface="ＭＳ Ｐゴシック" charset="0"/>
-                <a:cs typeface="ＭＳ Ｐゴシック" charset="0"/>
-              </a:defRPr>
-            </a:lvl1pPr>
-            <a:lvl2pPr>
-              <a:tabLst>
-                <a:tab pos="0" algn="l"/>
-                <a:tab pos="457200" algn="l"/>
-                <a:tab pos="914400" algn="l"/>
-                <a:tab pos="1371600" algn="l"/>
-                <a:tab pos="1828800" algn="l"/>
-                <a:tab pos="2286000" algn="l"/>
-                <a:tab pos="2743200" algn="l"/>
-                <a:tab pos="3200400" algn="l"/>
-                <a:tab pos="3657600" algn="l"/>
-                <a:tab pos="4114800" algn="l"/>
-                <a:tab pos="4572000" algn="l"/>
-                <a:tab pos="5029200" algn="l"/>
-                <a:tab pos="5486400" algn="l"/>
-                <a:tab pos="5943600" algn="l"/>
-                <a:tab pos="6400800" algn="l"/>
-                <a:tab pos="6858000" algn="l"/>
-                <a:tab pos="7315200" algn="l"/>
-                <a:tab pos="7772400" algn="l"/>
-                <a:tab pos="8229600" algn="l"/>
-                <a:tab pos="8686800" algn="l"/>
-                <a:tab pos="9144000" algn="l"/>
-              </a:tabLst>
-              <a:defRPr sz="2400">
-                <a:solidFill>
-                  <a:srgbClr val="000000"/>
-                </a:solidFill>
-                <a:latin typeface="Tahoma" charset="0"/>
-                <a:ea typeface="ＭＳ Ｐゴシック" charset="0"/>
-                <a:cs typeface="ＭＳ Ｐゴシック" charset="0"/>
-              </a:defRPr>
-            </a:lvl2pPr>
-            <a:lvl3pPr>
-              <a:tabLst>
-                <a:tab pos="0" algn="l"/>
-                <a:tab pos="457200" algn="l"/>
-                <a:tab pos="914400" algn="l"/>
-                <a:tab pos="1371600" algn="l"/>
-                <a:tab pos="1828800" algn="l"/>
-                <a:tab pos="2286000" algn="l"/>
-                <a:tab pos="2743200" algn="l"/>
-                <a:tab pos="3200400" algn="l"/>
-                <a:tab pos="3657600" algn="l"/>
-                <a:tab pos="4114800" algn="l"/>
-                <a:tab pos="4572000" algn="l"/>
-                <a:tab pos="5029200" algn="l"/>
-                <a:tab pos="5486400" algn="l"/>
-                <a:tab pos="5943600" algn="l"/>
-                <a:tab pos="6400800" algn="l"/>
-                <a:tab pos="6858000" algn="l"/>
-                <a:tab pos="7315200" algn="l"/>
-                <a:tab pos="7772400" algn="l"/>
-                <a:tab pos="8229600" algn="l"/>
-                <a:tab pos="8686800" algn="l"/>
-                <a:tab pos="9144000" algn="l"/>
-              </a:tabLst>
-              <a:defRPr sz="2400">
-                <a:solidFill>
-                  <a:srgbClr val="000000"/>
-                </a:solidFill>
-                <a:latin typeface="Tahoma" charset="0"/>
-                <a:ea typeface="ＭＳ Ｐゴシック" charset="0"/>
-                <a:cs typeface="ＭＳ Ｐゴシック" charset="0"/>
-              </a:defRPr>
-            </a:lvl3pPr>
-            <a:lvl4pPr>
-              <a:tabLst>
-                <a:tab pos="0" algn="l"/>
-                <a:tab pos="457200" algn="l"/>
-                <a:tab pos="914400" algn="l"/>
-                <a:tab pos="1371600" algn="l"/>
-                <a:tab pos="1828800" algn="l"/>
-                <a:tab pos="2286000" algn="l"/>
-                <a:tab pos="2743200" algn="l"/>
-                <a:tab pos="3200400" algn="l"/>
-                <a:tab pos="3657600" algn="l"/>
-                <a:tab pos="4114800" algn="l"/>
-                <a:tab pos="4572000" algn="l"/>
-                <a:tab pos="5029200" algn="l"/>
-                <a:tab pos="5486400" algn="l"/>
-                <a:tab pos="5943600" algn="l"/>
-                <a:tab pos="6400800" algn="l"/>
-                <a:tab pos="6858000" algn="l"/>
-                <a:tab pos="7315200" algn="l"/>
-                <a:tab pos="7772400" algn="l"/>
-                <a:tab pos="8229600" algn="l"/>
-                <a:tab pos="8686800" algn="l"/>
-                <a:tab pos="9144000" algn="l"/>
-              </a:tabLst>
-              <a:defRPr sz="2400">
-                <a:solidFill>
-                  <a:srgbClr val="000000"/>
-                </a:solidFill>
-                <a:latin typeface="Tahoma" charset="0"/>
-                <a:ea typeface="ＭＳ Ｐゴシック" charset="0"/>
-                <a:cs typeface="ＭＳ Ｐゴシック" charset="0"/>
-              </a:defRPr>
-            </a:lvl4pPr>
-            <a:lvl5pPr>
-              <a:tabLst>
-                <a:tab pos="0" algn="l"/>
-                <a:tab pos="457200" algn="l"/>
-                <a:tab pos="914400" algn="l"/>
-                <a:tab pos="1371600" algn="l"/>
-                <a:tab pos="1828800" algn="l"/>
-                <a:tab pos="2286000" algn="l"/>
-                <a:tab pos="2743200" algn="l"/>
-                <a:tab pos="3200400" algn="l"/>
-                <a:tab pos="3657600" algn="l"/>
-                <a:tab pos="4114800" algn="l"/>
-                <a:tab pos="4572000" algn="l"/>
-                <a:tab pos="5029200" algn="l"/>
-                <a:tab pos="5486400" algn="l"/>
-                <a:tab pos="5943600" algn="l"/>
-                <a:tab pos="6400800" algn="l"/>
-                <a:tab pos="6858000" algn="l"/>
-                <a:tab pos="7315200" algn="l"/>
-                <a:tab pos="7772400" algn="l"/>
-                <a:tab pos="8229600" algn="l"/>
-                <a:tab pos="8686800" algn="l"/>
-                <a:tab pos="9144000" algn="l"/>
-              </a:tabLst>
-              <a:defRPr sz="2400">
-                <a:solidFill>
-                  <a:srgbClr val="000000"/>
-                </a:solidFill>
-                <a:latin typeface="Tahoma" charset="0"/>
-                <a:ea typeface="ＭＳ Ｐゴシック" charset="0"/>
-                <a:cs typeface="ＭＳ Ｐゴシック" charset="0"/>
-              </a:defRPr>
-            </a:lvl5pPr>
-            <a:lvl6pPr marL="2514600" indent="-228600" fontAlgn="base">
-              <a:spcBef>
-                <a:spcPct val="0"/>
-              </a:spcBef>
-              <a:spcAft>
-                <a:spcPct val="0"/>
-              </a:spcAft>
-              <a:buClr>
-                <a:srgbClr val="000000"/>
-              </a:buClr>
-              <a:buSzPct val="100000"/>
-              <a:buFont typeface="Times New Roman" charset="0"/>
-              <a:tabLst>
-                <a:tab pos="0" algn="l"/>
-                <a:tab pos="457200" algn="l"/>
-                <a:tab pos="914400" algn="l"/>
-                <a:tab pos="1371600" algn="l"/>
-                <a:tab pos="1828800" algn="l"/>
-                <a:tab pos="2286000" algn="l"/>
-                <a:tab pos="2743200" algn="l"/>
-                <a:tab pos="3200400" algn="l"/>
-                <a:tab pos="3657600" algn="l"/>
-                <a:tab pos="4114800" algn="l"/>
-                <a:tab pos="4572000" algn="l"/>
-                <a:tab pos="5029200" algn="l"/>
-                <a:tab pos="5486400" algn="l"/>
-                <a:tab pos="5943600" algn="l"/>
-                <a:tab pos="6400800" algn="l"/>
-                <a:tab pos="6858000" algn="l"/>
-                <a:tab pos="7315200" algn="l"/>
-                <a:tab pos="7772400" algn="l"/>
-                <a:tab pos="8229600" algn="l"/>
-                <a:tab pos="8686800" algn="l"/>
-                <a:tab pos="9144000" algn="l"/>
-              </a:tabLst>
-              <a:defRPr sz="2400">
-                <a:solidFill>
-                  <a:srgbClr val="000000"/>
-                </a:solidFill>
-                <a:latin typeface="Tahoma" charset="0"/>
-                <a:ea typeface="ＭＳ Ｐゴシック" charset="0"/>
-                <a:cs typeface="ＭＳ Ｐゴシック" charset="0"/>
-              </a:defRPr>
-            </a:lvl6pPr>
-            <a:lvl7pPr marL="2971800" indent="-228600" fontAlgn="base">
-              <a:spcBef>
-                <a:spcPct val="0"/>
-              </a:spcBef>
-              <a:spcAft>
-                <a:spcPct val="0"/>
-              </a:spcAft>
-              <a:buClr>
-                <a:srgbClr val="000000"/>
-              </a:buClr>
-              <a:buSzPct val="100000"/>
-              <a:buFont typeface="Times New Roman" charset="0"/>
-              <a:tabLst>
-                <a:tab pos="0" algn="l"/>
-                <a:tab pos="457200" algn="l"/>
-                <a:tab pos="914400" algn="l"/>
-                <a:tab pos="1371600" algn="l"/>
-                <a:tab pos="1828800" algn="l"/>
-                <a:tab pos="2286000" algn="l"/>
-                <a:tab pos="2743200" algn="l"/>
-                <a:tab pos="3200400" algn="l"/>
-                <a:tab pos="3657600" algn="l"/>
-                <a:tab pos="4114800" algn="l"/>
-                <a:tab pos="4572000" algn="l"/>
-                <a:tab pos="5029200" algn="l"/>
-                <a:tab pos="5486400" algn="l"/>
-                <a:tab pos="5943600" algn="l"/>
-                <a:tab pos="6400800" algn="l"/>
-                <a:tab pos="6858000" algn="l"/>
-                <a:tab pos="7315200" algn="l"/>
-                <a:tab pos="7772400" algn="l"/>
-                <a:tab pos="8229600" algn="l"/>
-                <a:tab pos="8686800" algn="l"/>
-                <a:tab pos="9144000" algn="l"/>
-              </a:tabLst>
-              <a:defRPr sz="2400">
-                <a:solidFill>
-                  <a:srgbClr val="000000"/>
-                </a:solidFill>
-                <a:latin typeface="Tahoma" charset="0"/>
-                <a:ea typeface="ＭＳ Ｐゴシック" charset="0"/>
-                <a:cs typeface="ＭＳ Ｐゴシック" charset="0"/>
-              </a:defRPr>
-            </a:lvl7pPr>
-            <a:lvl8pPr marL="3429000" indent="-228600" fontAlgn="base">
-              <a:spcBef>
-                <a:spcPct val="0"/>
-              </a:spcBef>
-              <a:spcAft>
-                <a:spcPct val="0"/>
-              </a:spcAft>
-              <a:buClr>
-                <a:srgbClr val="000000"/>
-              </a:buClr>
-              <a:buSzPct val="100000"/>
-              <a:buFont typeface="Times New Roman" charset="0"/>
-              <a:tabLst>
-                <a:tab pos="0" algn="l"/>
-                <a:tab pos="457200" algn="l"/>
-                <a:tab pos="914400" algn="l"/>
-                <a:tab pos="1371600" algn="l"/>
-                <a:tab pos="1828800" algn="l"/>
-                <a:tab pos="2286000" algn="l"/>
-                <a:tab pos="2743200" algn="l"/>
-                <a:tab pos="3200400" algn="l"/>
-                <a:tab pos="3657600" algn="l"/>
-                <a:tab pos="4114800" algn="l"/>
-                <a:tab pos="4572000" algn="l"/>
-                <a:tab pos="5029200" algn="l"/>
-                <a:tab pos="5486400" algn="l"/>
-                <a:tab pos="5943600" algn="l"/>
-                <a:tab pos="6400800" algn="l"/>
-                <a:tab pos="6858000" algn="l"/>
-                <a:tab pos="7315200" algn="l"/>
-                <a:tab pos="7772400" algn="l"/>
-                <a:tab pos="8229600" algn="l"/>
-                <a:tab pos="8686800" algn="l"/>
-                <a:tab pos="9144000" algn="l"/>
-              </a:tabLst>
-              <a:defRPr sz="2400">
-                <a:solidFill>
-                  <a:srgbClr val="000000"/>
-                </a:solidFill>
-                <a:latin typeface="Tahoma" charset="0"/>
-                <a:ea typeface="ＭＳ Ｐゴシック" charset="0"/>
-                <a:cs typeface="ＭＳ Ｐゴシック" charset="0"/>
-              </a:defRPr>
-            </a:lvl8pPr>
-            <a:lvl9pPr marL="3886200" indent="-228600" fontAlgn="base">
-              <a:spcBef>
-                <a:spcPct val="0"/>
-              </a:spcBef>
-              <a:spcAft>
-                <a:spcPct val="0"/>
-              </a:spcAft>
-              <a:buClr>
-                <a:srgbClr val="000000"/>
-              </a:buClr>
-              <a:buSzPct val="100000"/>
-              <a:buFont typeface="Times New Roman" charset="0"/>
-              <a:tabLst>
-                <a:tab pos="0" algn="l"/>
-                <a:tab pos="457200" algn="l"/>
-                <a:tab pos="914400" algn="l"/>
-                <a:tab pos="1371600" algn="l"/>
-                <a:tab pos="1828800" algn="l"/>
-                <a:tab pos="2286000" algn="l"/>
-                <a:tab pos="2743200" algn="l"/>
-                <a:tab pos="3200400" algn="l"/>
-                <a:tab pos="3657600" algn="l"/>
-                <a:tab pos="4114800" algn="l"/>
-                <a:tab pos="4572000" algn="l"/>
-                <a:tab pos="5029200" algn="l"/>
-                <a:tab pos="5486400" algn="l"/>
-                <a:tab pos="5943600" algn="l"/>
-                <a:tab pos="6400800" algn="l"/>
-                <a:tab pos="6858000" algn="l"/>
-                <a:tab pos="7315200" algn="l"/>
-                <a:tab pos="7772400" algn="l"/>
-                <a:tab pos="8229600" algn="l"/>
-                <a:tab pos="8686800" algn="l"/>
-                <a:tab pos="9144000" algn="l"/>
-              </a:tabLst>
-              <a:defRPr sz="2400">
-                <a:solidFill>
-                  <a:srgbClr val="000000"/>
-                </a:solidFill>
-                <a:latin typeface="Tahoma" charset="0"/>
-                <a:ea typeface="ＭＳ Ｐゴシック" charset="0"/>
-                <a:cs typeface="ＭＳ Ｐゴシック" charset="0"/>
-              </a:defRPr>
-            </a:lvl9pPr>
-          </a:lstStyle>
-          <a:p>
-            <a:pPr algn="r">
-              <a:defRPr/>
-            </a:pPr>
-            <a:fld id="{C4A9B190-5F4A-2E4F-B5A3-E6E5F6985F79}" type="slidenum">
-              <a:rPr lang="en-US" sz="1200" smtClean="0">
-                <a:latin typeface="Arial" charset="0"/>
-                <a:cs typeface="Arial" charset="0"/>
-              </a:rPr>
-              <a:pPr algn="r">
-                <a:defRPr/>
-              </a:pPr>
-              <a:t>23</a:t>
-            </a:fld>
-            <a:endParaRPr lang="en-US" sz="1200" smtClean="0">
-              <a:latin typeface="Arial" charset="0"/>
-              <a:cs typeface="Arial" charset="0"/>
-            </a:endParaRPr>
-          </a:p>
-        </p:txBody>
-      </p:sp>
-    </p:spTree>
-  </p:cSld>
-  <p:clrMapOvr>
-    <a:masterClrMapping/>
-  </p:clrMapOvr>
-</p:notes>
-</file>
-
-<file path=ppt/notesSlides/notesSlide19.xml><?xml version="1.0" encoding="utf-8"?>
-<p:notes xmlns:a="http://schemas.openxmlformats.org/drawingml/2006/main" xmlns:r="http://schemas.openxmlformats.org/officeDocument/2006/relationships" xmlns:p="http://schemas.openxmlformats.org/presentationml/2006/main">
-  <p:cSld>
-    <p:bg>
-      <p:bgPr>
-        <a:solidFill>
-          <a:srgbClr val="FFFFFF"/>
-        </a:solidFill>
-        <a:effectLst/>
-      </p:bgPr>
-    </p:bg>
-    <p:spTree>
-      <p:nvGrpSpPr>
-        <p:cNvPr id="1" name=""/>
-        <p:cNvGrpSpPr/>
-        <p:nvPr/>
-      </p:nvGrpSpPr>
-      <p:grpSpPr>
-        <a:xfrm>
-          <a:off x="0" y="0"/>
-          <a:ext cx="0" cy="0"/>
-          <a:chOff x="0" y="0"/>
-          <a:chExt cx="0" cy="0"/>
-        </a:xfrm>
-      </p:grpSpPr>
-      <p:sp>
-        <p:nvSpPr>
           <p:cNvPr id="144386" name="Rectangle 11"/>
           <p:cNvSpPr>
             <a:spLocks noGrp="1" noChangeArrowheads="1"/>
@@ -7009,7 +4933,7 @@
                 <a:cs typeface="DejaVu Sans" charset="0"/>
               </a:rPr>
               <a:pPr eaLnBrk="1" hangingPunct="1"/>
-              <a:t>24</a:t>
+              <a:t>22</a:t>
             </a:fld>
             <a:endParaRPr lang="en-US" sz="1800">
               <a:cs typeface="DejaVu Sans" charset="0"/>
@@ -7865,7 +5789,7 @@
               <a:pPr algn="r">
                 <a:defRPr/>
               </a:pPr>
-              <a:t>24</a:t>
+              <a:t>22</a:t>
             </a:fld>
             <a:endParaRPr lang="en-US" sz="1200" smtClean="0">
               <a:latin typeface="Arial" charset="0"/>
@@ -7875,6 +5799,1152 @@
         </p:txBody>
       </p:sp>
     </p:spTree>
+  </p:cSld>
+  <p:clrMapOvr>
+    <a:masterClrMapping/>
+  </p:clrMapOvr>
+</p:notes>
+</file>
+
+<file path=ppt/notesSlides/notesSlide18.xml><?xml version="1.0" encoding="utf-8"?>
+<p:notes xmlns:a="http://schemas.openxmlformats.org/drawingml/2006/main" xmlns:r="http://schemas.openxmlformats.org/officeDocument/2006/relationships" xmlns:p="http://schemas.openxmlformats.org/presentationml/2006/main">
+  <p:cSld>
+    <p:bg>
+      <p:bgPr>
+        <a:solidFill>
+          <a:srgbClr val="FFFFFF"/>
+        </a:solidFill>
+        <a:effectLst/>
+      </p:bgPr>
+    </p:bg>
+    <p:spTree>
+      <p:nvGrpSpPr>
+        <p:cNvPr id="1" name=""/>
+        <p:cNvGrpSpPr/>
+        <p:nvPr/>
+      </p:nvGrpSpPr>
+      <p:grpSpPr>
+        <a:xfrm>
+          <a:off x="0" y="0"/>
+          <a:ext cx="0" cy="0"/>
+          <a:chOff x="0" y="0"/>
+          <a:chExt cx="0" cy="0"/>
+        </a:xfrm>
+      </p:grpSpPr>
+      <p:sp>
+        <p:nvSpPr>
+          <p:cNvPr id="144386" name="Rectangle 11"/>
+          <p:cNvSpPr>
+            <a:spLocks noGrp="1" noChangeArrowheads="1"/>
+          </p:cNvSpPr>
+          <p:nvPr>
+            <p:ph type="sldNum" sz="quarter"/>
+          </p:nvPr>
+        </p:nvSpPr>
+        <p:spPr bwMode="auto">
+          <a:noFill/>
+          <a:extLst>
+            <a:ext uri="{909E8E84-426E-40dd-AFC4-6F175D3DCCD1}">
+              <a14:hiddenFill xmlns:a14="http://schemas.microsoft.com/office/drawing/2010/main">
+                <a:solidFill>
+                  <a:srgbClr val="FFFFFF"/>
+                </a:solidFill>
+              </a14:hiddenFill>
+            </a:ext>
+            <a:ext uri="{91240B29-F687-4f45-9708-019B960494DF}">
+              <a14:hiddenLine xmlns:a14="http://schemas.microsoft.com/office/drawing/2010/main" w="9525">
+                <a:solidFill>
+                  <a:srgbClr val="000000"/>
+                </a:solidFill>
+                <a:miter lim="800000"/>
+                <a:headEnd/>
+                <a:tailEnd/>
+              </a14:hiddenLine>
+            </a:ext>
+          </a:extLst>
+        </p:spPr>
+        <p:txBody>
+          <a:bodyPr/>
+          <a:lstStyle>
+            <a:lvl1pPr eaLnBrk="0" hangingPunct="0">
+              <a:defRPr sz="2400">
+                <a:solidFill>
+                  <a:schemeClr val="tx1"/>
+                </a:solidFill>
+                <a:latin typeface="Arial" charset="0"/>
+                <a:ea typeface="ＭＳ Ｐゴシック" charset="0"/>
+                <a:cs typeface="ＭＳ Ｐゴシック" charset="0"/>
+              </a:defRPr>
+            </a:lvl1pPr>
+            <a:lvl2pPr marL="742950" indent="-285750" eaLnBrk="0" hangingPunct="0">
+              <a:defRPr sz="2400">
+                <a:solidFill>
+                  <a:schemeClr val="tx1"/>
+                </a:solidFill>
+                <a:latin typeface="Arial" charset="0"/>
+                <a:ea typeface="ＭＳ Ｐゴシック" charset="0"/>
+              </a:defRPr>
+            </a:lvl2pPr>
+            <a:lvl3pPr marL="1143000" indent="-228600" eaLnBrk="0" hangingPunct="0">
+              <a:defRPr sz="2400">
+                <a:solidFill>
+                  <a:schemeClr val="tx1"/>
+                </a:solidFill>
+                <a:latin typeface="Arial" charset="0"/>
+                <a:ea typeface="ＭＳ Ｐゴシック" charset="0"/>
+              </a:defRPr>
+            </a:lvl3pPr>
+            <a:lvl4pPr marL="1600200" indent="-228600" eaLnBrk="0" hangingPunct="0">
+              <a:defRPr sz="2400">
+                <a:solidFill>
+                  <a:schemeClr val="tx1"/>
+                </a:solidFill>
+                <a:latin typeface="Arial" charset="0"/>
+                <a:ea typeface="ＭＳ Ｐゴシック" charset="0"/>
+              </a:defRPr>
+            </a:lvl4pPr>
+            <a:lvl5pPr marL="2057400" indent="-228600" eaLnBrk="0" hangingPunct="0">
+              <a:defRPr sz="2400">
+                <a:solidFill>
+                  <a:schemeClr val="tx1"/>
+                </a:solidFill>
+                <a:latin typeface="Arial" charset="0"/>
+                <a:ea typeface="ＭＳ Ｐゴシック" charset="0"/>
+              </a:defRPr>
+            </a:lvl5pPr>
+            <a:lvl6pPr marL="2514600" indent="-228600" eaLnBrk="0" fontAlgn="base" hangingPunct="0">
+              <a:spcBef>
+                <a:spcPct val="0"/>
+              </a:spcBef>
+              <a:spcAft>
+                <a:spcPct val="0"/>
+              </a:spcAft>
+              <a:defRPr sz="2400">
+                <a:solidFill>
+                  <a:schemeClr val="tx1"/>
+                </a:solidFill>
+                <a:latin typeface="Arial" charset="0"/>
+                <a:ea typeface="ＭＳ Ｐゴシック" charset="0"/>
+              </a:defRPr>
+            </a:lvl6pPr>
+            <a:lvl7pPr marL="2971800" indent="-228600" eaLnBrk="0" fontAlgn="base" hangingPunct="0">
+              <a:spcBef>
+                <a:spcPct val="0"/>
+              </a:spcBef>
+              <a:spcAft>
+                <a:spcPct val="0"/>
+              </a:spcAft>
+              <a:defRPr sz="2400">
+                <a:solidFill>
+                  <a:schemeClr val="tx1"/>
+                </a:solidFill>
+                <a:latin typeface="Arial" charset="0"/>
+                <a:ea typeface="ＭＳ Ｐゴシック" charset="0"/>
+              </a:defRPr>
+            </a:lvl7pPr>
+            <a:lvl8pPr marL="3429000" indent="-228600" eaLnBrk="0" fontAlgn="base" hangingPunct="0">
+              <a:spcBef>
+                <a:spcPct val="0"/>
+              </a:spcBef>
+              <a:spcAft>
+                <a:spcPct val="0"/>
+              </a:spcAft>
+              <a:defRPr sz="2400">
+                <a:solidFill>
+                  <a:schemeClr val="tx1"/>
+                </a:solidFill>
+                <a:latin typeface="Arial" charset="0"/>
+                <a:ea typeface="ＭＳ Ｐゴシック" charset="0"/>
+              </a:defRPr>
+            </a:lvl8pPr>
+            <a:lvl9pPr marL="3886200" indent="-228600" eaLnBrk="0" fontAlgn="base" hangingPunct="0">
+              <a:spcBef>
+                <a:spcPct val="0"/>
+              </a:spcBef>
+              <a:spcAft>
+                <a:spcPct val="0"/>
+              </a:spcAft>
+              <a:defRPr sz="2400">
+                <a:solidFill>
+                  <a:schemeClr val="tx1"/>
+                </a:solidFill>
+                <a:latin typeface="Arial" charset="0"/>
+                <a:ea typeface="ＭＳ Ｐゴシック" charset="0"/>
+              </a:defRPr>
+            </a:lvl9pPr>
+          </a:lstStyle>
+          <a:p>
+            <a:pPr eaLnBrk="1" hangingPunct="1"/>
+            <a:fld id="{E56E6987-D8B4-CA48-9935-639ACBB3DD05}" type="slidenum">
+              <a:rPr lang="en-US" sz="1800">
+                <a:cs typeface="DejaVu Sans" charset="0"/>
+              </a:rPr>
+              <a:pPr eaLnBrk="1" hangingPunct="1"/>
+              <a:t>23</a:t>
+            </a:fld>
+            <a:endParaRPr lang="en-US" sz="1800">
+              <a:cs typeface="DejaVu Sans" charset="0"/>
+            </a:endParaRPr>
+          </a:p>
+        </p:txBody>
+      </p:sp>
+      <p:sp>
+        <p:nvSpPr>
+          <p:cNvPr id="125953" name="Text Box 1"/>
+          <p:cNvSpPr txBox="1">
+            <a:spLocks noGrp="1" noRot="1" noChangeAspect="1" noChangeArrowheads="1"/>
+          </p:cNvSpPr>
+          <p:nvPr>
+            <p:ph type="sldImg"/>
+          </p:nvPr>
+        </p:nvSpPr>
+        <p:spPr>
+          <a:xfrm>
+            <a:off x="1143000" y="685800"/>
+            <a:ext cx="4572000" cy="3429000"/>
+          </a:xfrm>
+          <a:prstGeom prst="rect">
+            <a:avLst/>
+          </a:prstGeom>
+          <a:solidFill>
+            <a:srgbClr val="FFFFFF"/>
+          </a:solidFill>
+          <a:ln>
+            <a:solidFill>
+              <a:srgbClr val="000000"/>
+            </a:solidFill>
+            <a:miter lim="800000"/>
+            <a:headEnd/>
+            <a:tailEnd/>
+          </a:ln>
+          <a:extLst>
+            <a:ext uri="{AF507438-7753-43e0-B8FC-AC1667EBCBE1}">
+              <a14:hiddenEffects xmlns:a14="http://schemas.microsoft.com/office/drawing/2010/main">
+                <a:effectLst>
+                  <a:outerShdw blurRad="63500" dist="38099" dir="2700000" algn="ctr" rotWithShape="0">
+                    <a:srgbClr val="000000">
+                      <a:alpha val="74998"/>
+                    </a:srgbClr>
+                  </a:outerShdw>
+                </a:effectLst>
+              </a14:hiddenEffects>
+            </a:ext>
+          </a:extLst>
+        </p:spPr>
+      </p:sp>
+      <p:sp>
+        <p:nvSpPr>
+          <p:cNvPr id="125954" name="Text Box 2"/>
+          <p:cNvSpPr txBox="1">
+            <a:spLocks noGrp="1" noChangeArrowheads="1"/>
+          </p:cNvSpPr>
+          <p:nvPr>
+            <p:ph type="body" idx="1"/>
+          </p:nvPr>
+        </p:nvSpPr>
+        <p:spPr>
+          <a:xfrm>
+            <a:off x="685800" y="4343400"/>
+            <a:ext cx="5486400" cy="4114800"/>
+          </a:xfrm>
+          <a:ln/>
+          <a:extLst>
+            <a:ext uri="{AF507438-7753-43e0-B8FC-AC1667EBCBE1}">
+              <a14:hiddenEffects xmlns:a14="http://schemas.microsoft.com/office/drawing/2010/main">
+                <a:effectLst>
+                  <a:outerShdw blurRad="63500" dist="38099" dir="2700000" algn="ctr" rotWithShape="0">
+                    <a:srgbClr val="000000">
+                      <a:alpha val="74998"/>
+                    </a:srgbClr>
+                  </a:outerShdw>
+                </a:effectLst>
+              </a14:hiddenEffects>
+            </a:ext>
+          </a:extLst>
+        </p:spPr>
+        <p:txBody>
+          <a:bodyPr anchor="ctr"/>
+          <a:lstStyle>
+            <a:lvl1pPr>
+              <a:tabLst>
+                <a:tab pos="0" algn="l"/>
+                <a:tab pos="457200" algn="l"/>
+                <a:tab pos="914400" algn="l"/>
+                <a:tab pos="1371600" algn="l"/>
+                <a:tab pos="1828800" algn="l"/>
+                <a:tab pos="2286000" algn="l"/>
+                <a:tab pos="2743200" algn="l"/>
+                <a:tab pos="3200400" algn="l"/>
+                <a:tab pos="3657600" algn="l"/>
+                <a:tab pos="4114800" algn="l"/>
+                <a:tab pos="4572000" algn="l"/>
+                <a:tab pos="5029200" algn="l"/>
+                <a:tab pos="5486400" algn="l"/>
+                <a:tab pos="5943600" algn="l"/>
+                <a:tab pos="6400800" algn="l"/>
+                <a:tab pos="6858000" algn="l"/>
+                <a:tab pos="7315200" algn="l"/>
+                <a:tab pos="7772400" algn="l"/>
+                <a:tab pos="8229600" algn="l"/>
+                <a:tab pos="8686800" algn="l"/>
+                <a:tab pos="9144000" algn="l"/>
+              </a:tabLst>
+              <a:defRPr sz="1200">
+                <a:solidFill>
+                  <a:srgbClr val="000000"/>
+                </a:solidFill>
+                <a:latin typeface="Times New Roman" charset="0"/>
+                <a:ea typeface="ＭＳ Ｐゴシック" charset="0"/>
+              </a:defRPr>
+            </a:lvl1pPr>
+            <a:lvl2pPr>
+              <a:tabLst>
+                <a:tab pos="0" algn="l"/>
+                <a:tab pos="457200" algn="l"/>
+                <a:tab pos="914400" algn="l"/>
+                <a:tab pos="1371600" algn="l"/>
+                <a:tab pos="1828800" algn="l"/>
+                <a:tab pos="2286000" algn="l"/>
+                <a:tab pos="2743200" algn="l"/>
+                <a:tab pos="3200400" algn="l"/>
+                <a:tab pos="3657600" algn="l"/>
+                <a:tab pos="4114800" algn="l"/>
+                <a:tab pos="4572000" algn="l"/>
+                <a:tab pos="5029200" algn="l"/>
+                <a:tab pos="5486400" algn="l"/>
+                <a:tab pos="5943600" algn="l"/>
+                <a:tab pos="6400800" algn="l"/>
+                <a:tab pos="6858000" algn="l"/>
+                <a:tab pos="7315200" algn="l"/>
+                <a:tab pos="7772400" algn="l"/>
+                <a:tab pos="8229600" algn="l"/>
+                <a:tab pos="8686800" algn="l"/>
+                <a:tab pos="9144000" algn="l"/>
+              </a:tabLst>
+              <a:defRPr sz="1200">
+                <a:solidFill>
+                  <a:srgbClr val="000000"/>
+                </a:solidFill>
+                <a:latin typeface="Times New Roman" charset="0"/>
+                <a:ea typeface="ＭＳ Ｐゴシック" charset="0"/>
+              </a:defRPr>
+            </a:lvl2pPr>
+            <a:lvl3pPr>
+              <a:tabLst>
+                <a:tab pos="0" algn="l"/>
+                <a:tab pos="457200" algn="l"/>
+                <a:tab pos="914400" algn="l"/>
+                <a:tab pos="1371600" algn="l"/>
+                <a:tab pos="1828800" algn="l"/>
+                <a:tab pos="2286000" algn="l"/>
+                <a:tab pos="2743200" algn="l"/>
+                <a:tab pos="3200400" algn="l"/>
+                <a:tab pos="3657600" algn="l"/>
+                <a:tab pos="4114800" algn="l"/>
+                <a:tab pos="4572000" algn="l"/>
+                <a:tab pos="5029200" algn="l"/>
+                <a:tab pos="5486400" algn="l"/>
+                <a:tab pos="5943600" algn="l"/>
+                <a:tab pos="6400800" algn="l"/>
+                <a:tab pos="6858000" algn="l"/>
+                <a:tab pos="7315200" algn="l"/>
+                <a:tab pos="7772400" algn="l"/>
+                <a:tab pos="8229600" algn="l"/>
+                <a:tab pos="8686800" algn="l"/>
+                <a:tab pos="9144000" algn="l"/>
+              </a:tabLst>
+              <a:defRPr sz="1200">
+                <a:solidFill>
+                  <a:srgbClr val="000000"/>
+                </a:solidFill>
+                <a:latin typeface="Times New Roman" charset="0"/>
+                <a:ea typeface="ＭＳ Ｐゴシック" charset="0"/>
+              </a:defRPr>
+            </a:lvl3pPr>
+            <a:lvl4pPr>
+              <a:tabLst>
+                <a:tab pos="0" algn="l"/>
+                <a:tab pos="457200" algn="l"/>
+                <a:tab pos="914400" algn="l"/>
+                <a:tab pos="1371600" algn="l"/>
+                <a:tab pos="1828800" algn="l"/>
+                <a:tab pos="2286000" algn="l"/>
+                <a:tab pos="2743200" algn="l"/>
+                <a:tab pos="3200400" algn="l"/>
+                <a:tab pos="3657600" algn="l"/>
+                <a:tab pos="4114800" algn="l"/>
+                <a:tab pos="4572000" algn="l"/>
+                <a:tab pos="5029200" algn="l"/>
+                <a:tab pos="5486400" algn="l"/>
+                <a:tab pos="5943600" algn="l"/>
+                <a:tab pos="6400800" algn="l"/>
+                <a:tab pos="6858000" algn="l"/>
+                <a:tab pos="7315200" algn="l"/>
+                <a:tab pos="7772400" algn="l"/>
+                <a:tab pos="8229600" algn="l"/>
+                <a:tab pos="8686800" algn="l"/>
+                <a:tab pos="9144000" algn="l"/>
+              </a:tabLst>
+              <a:defRPr sz="1200">
+                <a:solidFill>
+                  <a:srgbClr val="000000"/>
+                </a:solidFill>
+                <a:latin typeface="Times New Roman" charset="0"/>
+                <a:ea typeface="ＭＳ Ｐゴシック" charset="0"/>
+              </a:defRPr>
+            </a:lvl4pPr>
+            <a:lvl5pPr>
+              <a:tabLst>
+                <a:tab pos="0" algn="l"/>
+                <a:tab pos="457200" algn="l"/>
+                <a:tab pos="914400" algn="l"/>
+                <a:tab pos="1371600" algn="l"/>
+                <a:tab pos="1828800" algn="l"/>
+                <a:tab pos="2286000" algn="l"/>
+                <a:tab pos="2743200" algn="l"/>
+                <a:tab pos="3200400" algn="l"/>
+                <a:tab pos="3657600" algn="l"/>
+                <a:tab pos="4114800" algn="l"/>
+                <a:tab pos="4572000" algn="l"/>
+                <a:tab pos="5029200" algn="l"/>
+                <a:tab pos="5486400" algn="l"/>
+                <a:tab pos="5943600" algn="l"/>
+                <a:tab pos="6400800" algn="l"/>
+                <a:tab pos="6858000" algn="l"/>
+                <a:tab pos="7315200" algn="l"/>
+                <a:tab pos="7772400" algn="l"/>
+                <a:tab pos="8229600" algn="l"/>
+                <a:tab pos="8686800" algn="l"/>
+                <a:tab pos="9144000" algn="l"/>
+              </a:tabLst>
+              <a:defRPr sz="1200">
+                <a:solidFill>
+                  <a:srgbClr val="000000"/>
+                </a:solidFill>
+                <a:latin typeface="Times New Roman" charset="0"/>
+                <a:ea typeface="ＭＳ Ｐゴシック" charset="0"/>
+              </a:defRPr>
+            </a:lvl5pPr>
+            <a:lvl6pPr marL="2514600" indent="-228600" eaLnBrk="0" fontAlgn="base" hangingPunct="0">
+              <a:spcBef>
+                <a:spcPct val="30000"/>
+              </a:spcBef>
+              <a:spcAft>
+                <a:spcPct val="0"/>
+              </a:spcAft>
+              <a:buClr>
+                <a:srgbClr val="000000"/>
+              </a:buClr>
+              <a:buSzPct val="100000"/>
+              <a:buFont typeface="Times New Roman" charset="0"/>
+              <a:tabLst>
+                <a:tab pos="0" algn="l"/>
+                <a:tab pos="457200" algn="l"/>
+                <a:tab pos="914400" algn="l"/>
+                <a:tab pos="1371600" algn="l"/>
+                <a:tab pos="1828800" algn="l"/>
+                <a:tab pos="2286000" algn="l"/>
+                <a:tab pos="2743200" algn="l"/>
+                <a:tab pos="3200400" algn="l"/>
+                <a:tab pos="3657600" algn="l"/>
+                <a:tab pos="4114800" algn="l"/>
+                <a:tab pos="4572000" algn="l"/>
+                <a:tab pos="5029200" algn="l"/>
+                <a:tab pos="5486400" algn="l"/>
+                <a:tab pos="5943600" algn="l"/>
+                <a:tab pos="6400800" algn="l"/>
+                <a:tab pos="6858000" algn="l"/>
+                <a:tab pos="7315200" algn="l"/>
+                <a:tab pos="7772400" algn="l"/>
+                <a:tab pos="8229600" algn="l"/>
+                <a:tab pos="8686800" algn="l"/>
+                <a:tab pos="9144000" algn="l"/>
+              </a:tabLst>
+              <a:defRPr sz="1200">
+                <a:solidFill>
+                  <a:srgbClr val="000000"/>
+                </a:solidFill>
+                <a:latin typeface="Times New Roman" charset="0"/>
+                <a:ea typeface="ＭＳ Ｐゴシック" charset="0"/>
+              </a:defRPr>
+            </a:lvl6pPr>
+            <a:lvl7pPr marL="2971800" indent="-228600" eaLnBrk="0" fontAlgn="base" hangingPunct="0">
+              <a:spcBef>
+                <a:spcPct val="30000"/>
+              </a:spcBef>
+              <a:spcAft>
+                <a:spcPct val="0"/>
+              </a:spcAft>
+              <a:buClr>
+                <a:srgbClr val="000000"/>
+              </a:buClr>
+              <a:buSzPct val="100000"/>
+              <a:buFont typeface="Times New Roman" charset="0"/>
+              <a:tabLst>
+                <a:tab pos="0" algn="l"/>
+                <a:tab pos="457200" algn="l"/>
+                <a:tab pos="914400" algn="l"/>
+                <a:tab pos="1371600" algn="l"/>
+                <a:tab pos="1828800" algn="l"/>
+                <a:tab pos="2286000" algn="l"/>
+                <a:tab pos="2743200" algn="l"/>
+                <a:tab pos="3200400" algn="l"/>
+                <a:tab pos="3657600" algn="l"/>
+                <a:tab pos="4114800" algn="l"/>
+                <a:tab pos="4572000" algn="l"/>
+                <a:tab pos="5029200" algn="l"/>
+                <a:tab pos="5486400" algn="l"/>
+                <a:tab pos="5943600" algn="l"/>
+                <a:tab pos="6400800" algn="l"/>
+                <a:tab pos="6858000" algn="l"/>
+                <a:tab pos="7315200" algn="l"/>
+                <a:tab pos="7772400" algn="l"/>
+                <a:tab pos="8229600" algn="l"/>
+                <a:tab pos="8686800" algn="l"/>
+                <a:tab pos="9144000" algn="l"/>
+              </a:tabLst>
+              <a:defRPr sz="1200">
+                <a:solidFill>
+                  <a:srgbClr val="000000"/>
+                </a:solidFill>
+                <a:latin typeface="Times New Roman" charset="0"/>
+                <a:ea typeface="ＭＳ Ｐゴシック" charset="0"/>
+              </a:defRPr>
+            </a:lvl7pPr>
+            <a:lvl8pPr marL="3429000" indent="-228600" eaLnBrk="0" fontAlgn="base" hangingPunct="0">
+              <a:spcBef>
+                <a:spcPct val="30000"/>
+              </a:spcBef>
+              <a:spcAft>
+                <a:spcPct val="0"/>
+              </a:spcAft>
+              <a:buClr>
+                <a:srgbClr val="000000"/>
+              </a:buClr>
+              <a:buSzPct val="100000"/>
+              <a:buFont typeface="Times New Roman" charset="0"/>
+              <a:tabLst>
+                <a:tab pos="0" algn="l"/>
+                <a:tab pos="457200" algn="l"/>
+                <a:tab pos="914400" algn="l"/>
+                <a:tab pos="1371600" algn="l"/>
+                <a:tab pos="1828800" algn="l"/>
+                <a:tab pos="2286000" algn="l"/>
+                <a:tab pos="2743200" algn="l"/>
+                <a:tab pos="3200400" algn="l"/>
+                <a:tab pos="3657600" algn="l"/>
+                <a:tab pos="4114800" algn="l"/>
+                <a:tab pos="4572000" algn="l"/>
+                <a:tab pos="5029200" algn="l"/>
+                <a:tab pos="5486400" algn="l"/>
+                <a:tab pos="5943600" algn="l"/>
+                <a:tab pos="6400800" algn="l"/>
+                <a:tab pos="6858000" algn="l"/>
+                <a:tab pos="7315200" algn="l"/>
+                <a:tab pos="7772400" algn="l"/>
+                <a:tab pos="8229600" algn="l"/>
+                <a:tab pos="8686800" algn="l"/>
+                <a:tab pos="9144000" algn="l"/>
+              </a:tabLst>
+              <a:defRPr sz="1200">
+                <a:solidFill>
+                  <a:srgbClr val="000000"/>
+                </a:solidFill>
+                <a:latin typeface="Times New Roman" charset="0"/>
+                <a:ea typeface="ＭＳ Ｐゴシック" charset="0"/>
+              </a:defRPr>
+            </a:lvl8pPr>
+            <a:lvl9pPr marL="3886200" indent="-228600" eaLnBrk="0" fontAlgn="base" hangingPunct="0">
+              <a:spcBef>
+                <a:spcPct val="30000"/>
+              </a:spcBef>
+              <a:spcAft>
+                <a:spcPct val="0"/>
+              </a:spcAft>
+              <a:buClr>
+                <a:srgbClr val="000000"/>
+              </a:buClr>
+              <a:buSzPct val="100000"/>
+              <a:buFont typeface="Times New Roman" charset="0"/>
+              <a:tabLst>
+                <a:tab pos="0" algn="l"/>
+                <a:tab pos="457200" algn="l"/>
+                <a:tab pos="914400" algn="l"/>
+                <a:tab pos="1371600" algn="l"/>
+                <a:tab pos="1828800" algn="l"/>
+                <a:tab pos="2286000" algn="l"/>
+                <a:tab pos="2743200" algn="l"/>
+                <a:tab pos="3200400" algn="l"/>
+                <a:tab pos="3657600" algn="l"/>
+                <a:tab pos="4114800" algn="l"/>
+                <a:tab pos="4572000" algn="l"/>
+                <a:tab pos="5029200" algn="l"/>
+                <a:tab pos="5486400" algn="l"/>
+                <a:tab pos="5943600" algn="l"/>
+                <a:tab pos="6400800" algn="l"/>
+                <a:tab pos="6858000" algn="l"/>
+                <a:tab pos="7315200" algn="l"/>
+                <a:tab pos="7772400" algn="l"/>
+                <a:tab pos="8229600" algn="l"/>
+                <a:tab pos="8686800" algn="l"/>
+                <a:tab pos="9144000" algn="l"/>
+              </a:tabLst>
+              <a:defRPr sz="1200">
+                <a:solidFill>
+                  <a:srgbClr val="000000"/>
+                </a:solidFill>
+                <a:latin typeface="Times New Roman" charset="0"/>
+                <a:ea typeface="ＭＳ Ｐゴシック" charset="0"/>
+              </a:defRPr>
+            </a:lvl9pPr>
+          </a:lstStyle>
+          <a:p>
+            <a:pPr>
+              <a:defRPr/>
+            </a:pPr>
+            <a:r>
+              <a:rPr lang="en-US" dirty="0" smtClean="0"/>
+              <a:t>Avoid</a:t>
+            </a:r>
+            <a:r>
+              <a:rPr lang="en-US" baseline="0" dirty="0" smtClean="0"/>
+              <a:t> color schemes that exclude! (Red-green colorblindness affects more than 5% of men.)</a:t>
+            </a:r>
+            <a:endParaRPr lang="en-US" dirty="0" smtClean="0"/>
+          </a:p>
+        </p:txBody>
+      </p:sp>
+      <p:sp>
+        <p:nvSpPr>
+          <p:cNvPr id="125955" name="Text Box 3"/>
+          <p:cNvSpPr txBox="1">
+            <a:spLocks noChangeArrowheads="1"/>
+          </p:cNvSpPr>
+          <p:nvPr/>
+        </p:nvSpPr>
+        <p:spPr bwMode="auto">
+          <a:xfrm>
+            <a:off x="3884613" y="8685213"/>
+            <a:ext cx="2971800" cy="457200"/>
+          </a:xfrm>
+          <a:prstGeom prst="rect">
+            <a:avLst/>
+          </a:prstGeom>
+          <a:noFill/>
+          <a:ln>
+            <a:noFill/>
+          </a:ln>
+          <a:effectLst/>
+          <a:extLst>
+            <a:ext uri="{909E8E84-426E-40dd-AFC4-6F175D3DCCD1}">
+              <a14:hiddenFill xmlns:a14="http://schemas.microsoft.com/office/drawing/2010/main">
+                <a:solidFill>
+                  <a:srgbClr val="FFFFFF"/>
+                </a:solidFill>
+              </a14:hiddenFill>
+            </a:ext>
+            <a:ext uri="{91240B29-F687-4f45-9708-019B960494DF}">
+              <a14:hiddenLine xmlns:a14="http://schemas.microsoft.com/office/drawing/2010/main" w="9525" cap="flat">
+                <a:solidFill>
+                  <a:srgbClr val="3465AF"/>
+                </a:solidFill>
+                <a:round/>
+                <a:headEnd/>
+                <a:tailEnd/>
+              </a14:hiddenLine>
+            </a:ext>
+            <a:ext uri="{AF507438-7753-43e0-B8FC-AC1667EBCBE1}">
+              <a14:hiddenEffects xmlns:a14="http://schemas.microsoft.com/office/drawing/2010/main">
+                <a:effectLst>
+                  <a:outerShdw blurRad="63500" dist="38099" dir="2700000" algn="ctr" rotWithShape="0">
+                    <a:srgbClr val="000000">
+                      <a:alpha val="74998"/>
+                    </a:srgbClr>
+                  </a:outerShdw>
+                </a:effectLst>
+              </a14:hiddenEffects>
+            </a:ext>
+          </a:extLst>
+        </p:spPr>
+        <p:txBody>
+          <a:bodyPr lIns="90000" tIns="46800" rIns="90000" bIns="46800" anchor="b"/>
+          <a:lstStyle>
+            <a:lvl1pPr>
+              <a:tabLst>
+                <a:tab pos="0" algn="l"/>
+                <a:tab pos="457200" algn="l"/>
+                <a:tab pos="914400" algn="l"/>
+                <a:tab pos="1371600" algn="l"/>
+                <a:tab pos="1828800" algn="l"/>
+                <a:tab pos="2286000" algn="l"/>
+                <a:tab pos="2743200" algn="l"/>
+                <a:tab pos="3200400" algn="l"/>
+                <a:tab pos="3657600" algn="l"/>
+                <a:tab pos="4114800" algn="l"/>
+                <a:tab pos="4572000" algn="l"/>
+                <a:tab pos="5029200" algn="l"/>
+                <a:tab pos="5486400" algn="l"/>
+                <a:tab pos="5943600" algn="l"/>
+                <a:tab pos="6400800" algn="l"/>
+                <a:tab pos="6858000" algn="l"/>
+                <a:tab pos="7315200" algn="l"/>
+                <a:tab pos="7772400" algn="l"/>
+                <a:tab pos="8229600" algn="l"/>
+                <a:tab pos="8686800" algn="l"/>
+                <a:tab pos="9144000" algn="l"/>
+              </a:tabLst>
+              <a:defRPr sz="2400">
+                <a:solidFill>
+                  <a:srgbClr val="000000"/>
+                </a:solidFill>
+                <a:latin typeface="Tahoma" charset="0"/>
+                <a:ea typeface="ＭＳ Ｐゴシック" charset="0"/>
+                <a:cs typeface="ＭＳ Ｐゴシック" charset="0"/>
+              </a:defRPr>
+            </a:lvl1pPr>
+            <a:lvl2pPr>
+              <a:tabLst>
+                <a:tab pos="0" algn="l"/>
+                <a:tab pos="457200" algn="l"/>
+                <a:tab pos="914400" algn="l"/>
+                <a:tab pos="1371600" algn="l"/>
+                <a:tab pos="1828800" algn="l"/>
+                <a:tab pos="2286000" algn="l"/>
+                <a:tab pos="2743200" algn="l"/>
+                <a:tab pos="3200400" algn="l"/>
+                <a:tab pos="3657600" algn="l"/>
+                <a:tab pos="4114800" algn="l"/>
+                <a:tab pos="4572000" algn="l"/>
+                <a:tab pos="5029200" algn="l"/>
+                <a:tab pos="5486400" algn="l"/>
+                <a:tab pos="5943600" algn="l"/>
+                <a:tab pos="6400800" algn="l"/>
+                <a:tab pos="6858000" algn="l"/>
+                <a:tab pos="7315200" algn="l"/>
+                <a:tab pos="7772400" algn="l"/>
+                <a:tab pos="8229600" algn="l"/>
+                <a:tab pos="8686800" algn="l"/>
+                <a:tab pos="9144000" algn="l"/>
+              </a:tabLst>
+              <a:defRPr sz="2400">
+                <a:solidFill>
+                  <a:srgbClr val="000000"/>
+                </a:solidFill>
+                <a:latin typeface="Tahoma" charset="0"/>
+                <a:ea typeface="ＭＳ Ｐゴシック" charset="0"/>
+                <a:cs typeface="ＭＳ Ｐゴシック" charset="0"/>
+              </a:defRPr>
+            </a:lvl2pPr>
+            <a:lvl3pPr>
+              <a:tabLst>
+                <a:tab pos="0" algn="l"/>
+                <a:tab pos="457200" algn="l"/>
+                <a:tab pos="914400" algn="l"/>
+                <a:tab pos="1371600" algn="l"/>
+                <a:tab pos="1828800" algn="l"/>
+                <a:tab pos="2286000" algn="l"/>
+                <a:tab pos="2743200" algn="l"/>
+                <a:tab pos="3200400" algn="l"/>
+                <a:tab pos="3657600" algn="l"/>
+                <a:tab pos="4114800" algn="l"/>
+                <a:tab pos="4572000" algn="l"/>
+                <a:tab pos="5029200" algn="l"/>
+                <a:tab pos="5486400" algn="l"/>
+                <a:tab pos="5943600" algn="l"/>
+                <a:tab pos="6400800" algn="l"/>
+                <a:tab pos="6858000" algn="l"/>
+                <a:tab pos="7315200" algn="l"/>
+                <a:tab pos="7772400" algn="l"/>
+                <a:tab pos="8229600" algn="l"/>
+                <a:tab pos="8686800" algn="l"/>
+                <a:tab pos="9144000" algn="l"/>
+              </a:tabLst>
+              <a:defRPr sz="2400">
+                <a:solidFill>
+                  <a:srgbClr val="000000"/>
+                </a:solidFill>
+                <a:latin typeface="Tahoma" charset="0"/>
+                <a:ea typeface="ＭＳ Ｐゴシック" charset="0"/>
+                <a:cs typeface="ＭＳ Ｐゴシック" charset="0"/>
+              </a:defRPr>
+            </a:lvl3pPr>
+            <a:lvl4pPr>
+              <a:tabLst>
+                <a:tab pos="0" algn="l"/>
+                <a:tab pos="457200" algn="l"/>
+                <a:tab pos="914400" algn="l"/>
+                <a:tab pos="1371600" algn="l"/>
+                <a:tab pos="1828800" algn="l"/>
+                <a:tab pos="2286000" algn="l"/>
+                <a:tab pos="2743200" algn="l"/>
+                <a:tab pos="3200400" algn="l"/>
+                <a:tab pos="3657600" algn="l"/>
+                <a:tab pos="4114800" algn="l"/>
+                <a:tab pos="4572000" algn="l"/>
+                <a:tab pos="5029200" algn="l"/>
+                <a:tab pos="5486400" algn="l"/>
+                <a:tab pos="5943600" algn="l"/>
+                <a:tab pos="6400800" algn="l"/>
+                <a:tab pos="6858000" algn="l"/>
+                <a:tab pos="7315200" algn="l"/>
+                <a:tab pos="7772400" algn="l"/>
+                <a:tab pos="8229600" algn="l"/>
+                <a:tab pos="8686800" algn="l"/>
+                <a:tab pos="9144000" algn="l"/>
+              </a:tabLst>
+              <a:defRPr sz="2400">
+                <a:solidFill>
+                  <a:srgbClr val="000000"/>
+                </a:solidFill>
+                <a:latin typeface="Tahoma" charset="0"/>
+                <a:ea typeface="ＭＳ Ｐゴシック" charset="0"/>
+                <a:cs typeface="ＭＳ Ｐゴシック" charset="0"/>
+              </a:defRPr>
+            </a:lvl4pPr>
+            <a:lvl5pPr>
+              <a:tabLst>
+                <a:tab pos="0" algn="l"/>
+                <a:tab pos="457200" algn="l"/>
+                <a:tab pos="914400" algn="l"/>
+                <a:tab pos="1371600" algn="l"/>
+                <a:tab pos="1828800" algn="l"/>
+                <a:tab pos="2286000" algn="l"/>
+                <a:tab pos="2743200" algn="l"/>
+                <a:tab pos="3200400" algn="l"/>
+                <a:tab pos="3657600" algn="l"/>
+                <a:tab pos="4114800" algn="l"/>
+                <a:tab pos="4572000" algn="l"/>
+                <a:tab pos="5029200" algn="l"/>
+                <a:tab pos="5486400" algn="l"/>
+                <a:tab pos="5943600" algn="l"/>
+                <a:tab pos="6400800" algn="l"/>
+                <a:tab pos="6858000" algn="l"/>
+                <a:tab pos="7315200" algn="l"/>
+                <a:tab pos="7772400" algn="l"/>
+                <a:tab pos="8229600" algn="l"/>
+                <a:tab pos="8686800" algn="l"/>
+                <a:tab pos="9144000" algn="l"/>
+              </a:tabLst>
+              <a:defRPr sz="2400">
+                <a:solidFill>
+                  <a:srgbClr val="000000"/>
+                </a:solidFill>
+                <a:latin typeface="Tahoma" charset="0"/>
+                <a:ea typeface="ＭＳ Ｐゴシック" charset="0"/>
+                <a:cs typeface="ＭＳ Ｐゴシック" charset="0"/>
+              </a:defRPr>
+            </a:lvl5pPr>
+            <a:lvl6pPr marL="2514600" indent="-228600" fontAlgn="base">
+              <a:spcBef>
+                <a:spcPct val="0"/>
+              </a:spcBef>
+              <a:spcAft>
+                <a:spcPct val="0"/>
+              </a:spcAft>
+              <a:buClr>
+                <a:srgbClr val="000000"/>
+              </a:buClr>
+              <a:buSzPct val="100000"/>
+              <a:buFont typeface="Times New Roman" charset="0"/>
+              <a:tabLst>
+                <a:tab pos="0" algn="l"/>
+                <a:tab pos="457200" algn="l"/>
+                <a:tab pos="914400" algn="l"/>
+                <a:tab pos="1371600" algn="l"/>
+                <a:tab pos="1828800" algn="l"/>
+                <a:tab pos="2286000" algn="l"/>
+                <a:tab pos="2743200" algn="l"/>
+                <a:tab pos="3200400" algn="l"/>
+                <a:tab pos="3657600" algn="l"/>
+                <a:tab pos="4114800" algn="l"/>
+                <a:tab pos="4572000" algn="l"/>
+                <a:tab pos="5029200" algn="l"/>
+                <a:tab pos="5486400" algn="l"/>
+                <a:tab pos="5943600" algn="l"/>
+                <a:tab pos="6400800" algn="l"/>
+                <a:tab pos="6858000" algn="l"/>
+                <a:tab pos="7315200" algn="l"/>
+                <a:tab pos="7772400" algn="l"/>
+                <a:tab pos="8229600" algn="l"/>
+                <a:tab pos="8686800" algn="l"/>
+                <a:tab pos="9144000" algn="l"/>
+              </a:tabLst>
+              <a:defRPr sz="2400">
+                <a:solidFill>
+                  <a:srgbClr val="000000"/>
+                </a:solidFill>
+                <a:latin typeface="Tahoma" charset="0"/>
+                <a:ea typeface="ＭＳ Ｐゴシック" charset="0"/>
+                <a:cs typeface="ＭＳ Ｐゴシック" charset="0"/>
+              </a:defRPr>
+            </a:lvl6pPr>
+            <a:lvl7pPr marL="2971800" indent="-228600" fontAlgn="base">
+              <a:spcBef>
+                <a:spcPct val="0"/>
+              </a:spcBef>
+              <a:spcAft>
+                <a:spcPct val="0"/>
+              </a:spcAft>
+              <a:buClr>
+                <a:srgbClr val="000000"/>
+              </a:buClr>
+              <a:buSzPct val="100000"/>
+              <a:buFont typeface="Times New Roman" charset="0"/>
+              <a:tabLst>
+                <a:tab pos="0" algn="l"/>
+                <a:tab pos="457200" algn="l"/>
+                <a:tab pos="914400" algn="l"/>
+                <a:tab pos="1371600" algn="l"/>
+                <a:tab pos="1828800" algn="l"/>
+                <a:tab pos="2286000" algn="l"/>
+                <a:tab pos="2743200" algn="l"/>
+                <a:tab pos="3200400" algn="l"/>
+                <a:tab pos="3657600" algn="l"/>
+                <a:tab pos="4114800" algn="l"/>
+                <a:tab pos="4572000" algn="l"/>
+                <a:tab pos="5029200" algn="l"/>
+                <a:tab pos="5486400" algn="l"/>
+                <a:tab pos="5943600" algn="l"/>
+                <a:tab pos="6400800" algn="l"/>
+                <a:tab pos="6858000" algn="l"/>
+                <a:tab pos="7315200" algn="l"/>
+                <a:tab pos="7772400" algn="l"/>
+                <a:tab pos="8229600" algn="l"/>
+                <a:tab pos="8686800" algn="l"/>
+                <a:tab pos="9144000" algn="l"/>
+              </a:tabLst>
+              <a:defRPr sz="2400">
+                <a:solidFill>
+                  <a:srgbClr val="000000"/>
+                </a:solidFill>
+                <a:latin typeface="Tahoma" charset="0"/>
+                <a:ea typeface="ＭＳ Ｐゴシック" charset="0"/>
+                <a:cs typeface="ＭＳ Ｐゴシック" charset="0"/>
+              </a:defRPr>
+            </a:lvl7pPr>
+            <a:lvl8pPr marL="3429000" indent="-228600" fontAlgn="base">
+              <a:spcBef>
+                <a:spcPct val="0"/>
+              </a:spcBef>
+              <a:spcAft>
+                <a:spcPct val="0"/>
+              </a:spcAft>
+              <a:buClr>
+                <a:srgbClr val="000000"/>
+              </a:buClr>
+              <a:buSzPct val="100000"/>
+              <a:buFont typeface="Times New Roman" charset="0"/>
+              <a:tabLst>
+                <a:tab pos="0" algn="l"/>
+                <a:tab pos="457200" algn="l"/>
+                <a:tab pos="914400" algn="l"/>
+                <a:tab pos="1371600" algn="l"/>
+                <a:tab pos="1828800" algn="l"/>
+                <a:tab pos="2286000" algn="l"/>
+                <a:tab pos="2743200" algn="l"/>
+                <a:tab pos="3200400" algn="l"/>
+                <a:tab pos="3657600" algn="l"/>
+                <a:tab pos="4114800" algn="l"/>
+                <a:tab pos="4572000" algn="l"/>
+                <a:tab pos="5029200" algn="l"/>
+                <a:tab pos="5486400" algn="l"/>
+                <a:tab pos="5943600" algn="l"/>
+                <a:tab pos="6400800" algn="l"/>
+                <a:tab pos="6858000" algn="l"/>
+                <a:tab pos="7315200" algn="l"/>
+                <a:tab pos="7772400" algn="l"/>
+                <a:tab pos="8229600" algn="l"/>
+                <a:tab pos="8686800" algn="l"/>
+                <a:tab pos="9144000" algn="l"/>
+              </a:tabLst>
+              <a:defRPr sz="2400">
+                <a:solidFill>
+                  <a:srgbClr val="000000"/>
+                </a:solidFill>
+                <a:latin typeface="Tahoma" charset="0"/>
+                <a:ea typeface="ＭＳ Ｐゴシック" charset="0"/>
+                <a:cs typeface="ＭＳ Ｐゴシック" charset="0"/>
+              </a:defRPr>
+            </a:lvl8pPr>
+            <a:lvl9pPr marL="3886200" indent="-228600" fontAlgn="base">
+              <a:spcBef>
+                <a:spcPct val="0"/>
+              </a:spcBef>
+              <a:spcAft>
+                <a:spcPct val="0"/>
+              </a:spcAft>
+              <a:buClr>
+                <a:srgbClr val="000000"/>
+              </a:buClr>
+              <a:buSzPct val="100000"/>
+              <a:buFont typeface="Times New Roman" charset="0"/>
+              <a:tabLst>
+                <a:tab pos="0" algn="l"/>
+                <a:tab pos="457200" algn="l"/>
+                <a:tab pos="914400" algn="l"/>
+                <a:tab pos="1371600" algn="l"/>
+                <a:tab pos="1828800" algn="l"/>
+                <a:tab pos="2286000" algn="l"/>
+                <a:tab pos="2743200" algn="l"/>
+                <a:tab pos="3200400" algn="l"/>
+                <a:tab pos="3657600" algn="l"/>
+                <a:tab pos="4114800" algn="l"/>
+                <a:tab pos="4572000" algn="l"/>
+                <a:tab pos="5029200" algn="l"/>
+                <a:tab pos="5486400" algn="l"/>
+                <a:tab pos="5943600" algn="l"/>
+                <a:tab pos="6400800" algn="l"/>
+                <a:tab pos="6858000" algn="l"/>
+                <a:tab pos="7315200" algn="l"/>
+                <a:tab pos="7772400" algn="l"/>
+                <a:tab pos="8229600" algn="l"/>
+                <a:tab pos="8686800" algn="l"/>
+                <a:tab pos="9144000" algn="l"/>
+              </a:tabLst>
+              <a:defRPr sz="2400">
+                <a:solidFill>
+                  <a:srgbClr val="000000"/>
+                </a:solidFill>
+                <a:latin typeface="Tahoma" charset="0"/>
+                <a:ea typeface="ＭＳ Ｐゴシック" charset="0"/>
+                <a:cs typeface="ＭＳ Ｐゴシック" charset="0"/>
+              </a:defRPr>
+            </a:lvl9pPr>
+          </a:lstStyle>
+          <a:p>
+            <a:pPr algn="r">
+              <a:defRPr/>
+            </a:pPr>
+            <a:fld id="{7C62F450-DF83-CE48-8826-305B3FD330DE}" type="slidenum">
+              <a:rPr lang="en-US" sz="1200" smtClean="0">
+                <a:latin typeface="Arial" charset="0"/>
+                <a:cs typeface="Arial" charset="0"/>
+              </a:rPr>
+              <a:pPr algn="r">
+                <a:defRPr/>
+              </a:pPr>
+              <a:t>23</a:t>
+            </a:fld>
+            <a:endParaRPr lang="en-US" sz="1200" smtClean="0">
+              <a:latin typeface="Arial" charset="0"/>
+              <a:cs typeface="Arial" charset="0"/>
+            </a:endParaRPr>
+          </a:p>
+        </p:txBody>
+      </p:sp>
+    </p:spTree>
+  </p:cSld>
+  <p:clrMapOvr>
+    <a:masterClrMapping/>
+  </p:clrMapOvr>
+</p:notes>
+</file>
+
+<file path=ppt/notesSlides/notesSlide19.xml><?xml version="1.0" encoding="utf-8"?>
+<p:notes xmlns:a="http://schemas.openxmlformats.org/drawingml/2006/main" xmlns:r="http://schemas.openxmlformats.org/officeDocument/2006/relationships" xmlns:p="http://schemas.openxmlformats.org/presentationml/2006/main">
+  <p:cSld>
+    <p:spTree>
+      <p:nvGrpSpPr>
+        <p:cNvPr id="1" name=""/>
+        <p:cNvGrpSpPr/>
+        <p:nvPr/>
+      </p:nvGrpSpPr>
+      <p:grpSpPr>
+        <a:xfrm>
+          <a:off x="0" y="0"/>
+          <a:ext cx="0" cy="0"/>
+          <a:chOff x="0" y="0"/>
+          <a:chExt cx="0" cy="0"/>
+        </a:xfrm>
+      </p:grpSpPr>
+      <p:sp>
+        <p:nvSpPr>
+          <p:cNvPr id="2" name="Slide Image Placeholder 1"/>
+          <p:cNvSpPr>
+            <a:spLocks noGrp="1" noRot="1" noChangeAspect="1"/>
+          </p:cNvSpPr>
+          <p:nvPr>
+            <p:ph type="sldImg"/>
+          </p:nvPr>
+        </p:nvSpPr>
+        <p:spPr/>
+      </p:sp>
+      <p:sp>
+        <p:nvSpPr>
+          <p:cNvPr id="3" name="Notes Placeholder 2"/>
+          <p:cNvSpPr>
+            <a:spLocks noGrp="1"/>
+          </p:cNvSpPr>
+          <p:nvPr>
+            <p:ph type="body" idx="1"/>
+          </p:nvPr>
+        </p:nvSpPr>
+        <p:spPr/>
+        <p:txBody>
+          <a:bodyPr/>
+          <a:lstStyle/>
+          <a:p>
+            <a:pPr marL="0" marR="0" indent="0" algn="l" defTabSz="457200" rtl="0" eaLnBrk="1" fontAlgn="auto" latinLnBrk="0" hangingPunct="1">
+              <a:lnSpc>
+                <a:spcPct val="100000"/>
+              </a:lnSpc>
+              <a:spcBef>
+                <a:spcPts val="0"/>
+              </a:spcBef>
+              <a:spcAft>
+                <a:spcPts val="0"/>
+              </a:spcAft>
+              <a:buClrTx/>
+              <a:buSzTx/>
+              <a:buFontTx/>
+              <a:buNone/>
+              <a:tabLst/>
+              <a:defRPr/>
+            </a:pPr>
+            <a:r>
+              <a:rPr lang="en-US" dirty="0" smtClean="0"/>
+              <a:t>Avoid</a:t>
+            </a:r>
+            <a:r>
+              <a:rPr lang="en-US" baseline="0" dirty="0" smtClean="0"/>
+              <a:t> color schemes that exclude! (Red-green colorblindness affects more than 5% of men.)</a:t>
+            </a:r>
+            <a:endParaRPr lang="en-US" dirty="0" smtClean="0"/>
+          </a:p>
+          <a:p>
+            <a:endParaRPr lang="en-US" dirty="0"/>
+          </a:p>
+        </p:txBody>
+      </p:sp>
+      <p:sp>
+        <p:nvSpPr>
+          <p:cNvPr id="4" name="Slide Number Placeholder 3"/>
+          <p:cNvSpPr>
+            <a:spLocks noGrp="1"/>
+          </p:cNvSpPr>
+          <p:nvPr>
+            <p:ph type="sldNum" sz="quarter" idx="10"/>
+          </p:nvPr>
+        </p:nvSpPr>
+        <p:spPr/>
+        <p:txBody>
+          <a:bodyPr/>
+          <a:lstStyle/>
+          <a:p>
+            <a:fld id="{B883C560-E04F-404B-BDED-00D429065910}" type="slidenum">
+              <a:rPr lang="en-US" smtClean="0"/>
+              <a:t>24</a:t>
+            </a:fld>
+            <a:endParaRPr lang="en-US"/>
+          </a:p>
+        </p:txBody>
+      </p:sp>
+    </p:spTree>
+    <p:extLst>
+      <p:ext uri="{BB962C8B-B14F-4D97-AF65-F5344CB8AC3E}">
+        <p14:creationId xmlns:p14="http://schemas.microsoft.com/office/powerpoint/2010/main" val="1589496599"/>
+      </p:ext>
+    </p:extLst>
   </p:cSld>
   <p:clrMapOvr>
     <a:masterClrMapping/>
@@ -8169,1152 +7239,6 @@
 <file path=ppt/notesSlides/notesSlide20.xml><?xml version="1.0" encoding="utf-8"?>
 <p:notes xmlns:a="http://schemas.openxmlformats.org/drawingml/2006/main" xmlns:r="http://schemas.openxmlformats.org/officeDocument/2006/relationships" xmlns:p="http://schemas.openxmlformats.org/presentationml/2006/main">
   <p:cSld>
-    <p:bg>
-      <p:bgPr>
-        <a:solidFill>
-          <a:srgbClr val="FFFFFF"/>
-        </a:solidFill>
-        <a:effectLst/>
-      </p:bgPr>
-    </p:bg>
-    <p:spTree>
-      <p:nvGrpSpPr>
-        <p:cNvPr id="1" name=""/>
-        <p:cNvGrpSpPr/>
-        <p:nvPr/>
-      </p:nvGrpSpPr>
-      <p:grpSpPr>
-        <a:xfrm>
-          <a:off x="0" y="0"/>
-          <a:ext cx="0" cy="0"/>
-          <a:chOff x="0" y="0"/>
-          <a:chExt cx="0" cy="0"/>
-        </a:xfrm>
-      </p:grpSpPr>
-      <p:sp>
-        <p:nvSpPr>
-          <p:cNvPr id="144386" name="Rectangle 11"/>
-          <p:cNvSpPr>
-            <a:spLocks noGrp="1" noChangeArrowheads="1"/>
-          </p:cNvSpPr>
-          <p:nvPr>
-            <p:ph type="sldNum" sz="quarter"/>
-          </p:nvPr>
-        </p:nvSpPr>
-        <p:spPr bwMode="auto">
-          <a:noFill/>
-          <a:extLst>
-            <a:ext uri="{909E8E84-426E-40dd-AFC4-6F175D3DCCD1}">
-              <a14:hiddenFill xmlns:a14="http://schemas.microsoft.com/office/drawing/2010/main">
-                <a:solidFill>
-                  <a:srgbClr val="FFFFFF"/>
-                </a:solidFill>
-              </a14:hiddenFill>
-            </a:ext>
-            <a:ext uri="{91240B29-F687-4f45-9708-019B960494DF}">
-              <a14:hiddenLine xmlns:a14="http://schemas.microsoft.com/office/drawing/2010/main" w="9525">
-                <a:solidFill>
-                  <a:srgbClr val="000000"/>
-                </a:solidFill>
-                <a:miter lim="800000"/>
-                <a:headEnd/>
-                <a:tailEnd/>
-              </a14:hiddenLine>
-            </a:ext>
-          </a:extLst>
-        </p:spPr>
-        <p:txBody>
-          <a:bodyPr/>
-          <a:lstStyle>
-            <a:lvl1pPr eaLnBrk="0" hangingPunct="0">
-              <a:defRPr sz="2400">
-                <a:solidFill>
-                  <a:schemeClr val="tx1"/>
-                </a:solidFill>
-                <a:latin typeface="Arial" charset="0"/>
-                <a:ea typeface="ＭＳ Ｐゴシック" charset="0"/>
-                <a:cs typeface="ＭＳ Ｐゴシック" charset="0"/>
-              </a:defRPr>
-            </a:lvl1pPr>
-            <a:lvl2pPr marL="742950" indent="-285750" eaLnBrk="0" hangingPunct="0">
-              <a:defRPr sz="2400">
-                <a:solidFill>
-                  <a:schemeClr val="tx1"/>
-                </a:solidFill>
-                <a:latin typeface="Arial" charset="0"/>
-                <a:ea typeface="ＭＳ Ｐゴシック" charset="0"/>
-              </a:defRPr>
-            </a:lvl2pPr>
-            <a:lvl3pPr marL="1143000" indent="-228600" eaLnBrk="0" hangingPunct="0">
-              <a:defRPr sz="2400">
-                <a:solidFill>
-                  <a:schemeClr val="tx1"/>
-                </a:solidFill>
-                <a:latin typeface="Arial" charset="0"/>
-                <a:ea typeface="ＭＳ Ｐゴシック" charset="0"/>
-              </a:defRPr>
-            </a:lvl3pPr>
-            <a:lvl4pPr marL="1600200" indent="-228600" eaLnBrk="0" hangingPunct="0">
-              <a:defRPr sz="2400">
-                <a:solidFill>
-                  <a:schemeClr val="tx1"/>
-                </a:solidFill>
-                <a:latin typeface="Arial" charset="0"/>
-                <a:ea typeface="ＭＳ Ｐゴシック" charset="0"/>
-              </a:defRPr>
-            </a:lvl4pPr>
-            <a:lvl5pPr marL="2057400" indent="-228600" eaLnBrk="0" hangingPunct="0">
-              <a:defRPr sz="2400">
-                <a:solidFill>
-                  <a:schemeClr val="tx1"/>
-                </a:solidFill>
-                <a:latin typeface="Arial" charset="0"/>
-                <a:ea typeface="ＭＳ Ｐゴシック" charset="0"/>
-              </a:defRPr>
-            </a:lvl5pPr>
-            <a:lvl6pPr marL="2514600" indent="-228600" eaLnBrk="0" fontAlgn="base" hangingPunct="0">
-              <a:spcBef>
-                <a:spcPct val="0"/>
-              </a:spcBef>
-              <a:spcAft>
-                <a:spcPct val="0"/>
-              </a:spcAft>
-              <a:defRPr sz="2400">
-                <a:solidFill>
-                  <a:schemeClr val="tx1"/>
-                </a:solidFill>
-                <a:latin typeface="Arial" charset="0"/>
-                <a:ea typeface="ＭＳ Ｐゴシック" charset="0"/>
-              </a:defRPr>
-            </a:lvl6pPr>
-            <a:lvl7pPr marL="2971800" indent="-228600" eaLnBrk="0" fontAlgn="base" hangingPunct="0">
-              <a:spcBef>
-                <a:spcPct val="0"/>
-              </a:spcBef>
-              <a:spcAft>
-                <a:spcPct val="0"/>
-              </a:spcAft>
-              <a:defRPr sz="2400">
-                <a:solidFill>
-                  <a:schemeClr val="tx1"/>
-                </a:solidFill>
-                <a:latin typeface="Arial" charset="0"/>
-                <a:ea typeface="ＭＳ Ｐゴシック" charset="0"/>
-              </a:defRPr>
-            </a:lvl7pPr>
-            <a:lvl8pPr marL="3429000" indent="-228600" eaLnBrk="0" fontAlgn="base" hangingPunct="0">
-              <a:spcBef>
-                <a:spcPct val="0"/>
-              </a:spcBef>
-              <a:spcAft>
-                <a:spcPct val="0"/>
-              </a:spcAft>
-              <a:defRPr sz="2400">
-                <a:solidFill>
-                  <a:schemeClr val="tx1"/>
-                </a:solidFill>
-                <a:latin typeface="Arial" charset="0"/>
-                <a:ea typeface="ＭＳ Ｐゴシック" charset="0"/>
-              </a:defRPr>
-            </a:lvl8pPr>
-            <a:lvl9pPr marL="3886200" indent="-228600" eaLnBrk="0" fontAlgn="base" hangingPunct="0">
-              <a:spcBef>
-                <a:spcPct val="0"/>
-              </a:spcBef>
-              <a:spcAft>
-                <a:spcPct val="0"/>
-              </a:spcAft>
-              <a:defRPr sz="2400">
-                <a:solidFill>
-                  <a:schemeClr val="tx1"/>
-                </a:solidFill>
-                <a:latin typeface="Arial" charset="0"/>
-                <a:ea typeface="ＭＳ Ｐゴシック" charset="0"/>
-              </a:defRPr>
-            </a:lvl9pPr>
-          </a:lstStyle>
-          <a:p>
-            <a:pPr eaLnBrk="1" hangingPunct="1"/>
-            <a:fld id="{E56E6987-D8B4-CA48-9935-639ACBB3DD05}" type="slidenum">
-              <a:rPr lang="en-US" sz="1800">
-                <a:cs typeface="DejaVu Sans" charset="0"/>
-              </a:rPr>
-              <a:pPr eaLnBrk="1" hangingPunct="1"/>
-              <a:t>25</a:t>
-            </a:fld>
-            <a:endParaRPr lang="en-US" sz="1800">
-              <a:cs typeface="DejaVu Sans" charset="0"/>
-            </a:endParaRPr>
-          </a:p>
-        </p:txBody>
-      </p:sp>
-      <p:sp>
-        <p:nvSpPr>
-          <p:cNvPr id="125953" name="Text Box 1"/>
-          <p:cNvSpPr txBox="1">
-            <a:spLocks noGrp="1" noRot="1" noChangeAspect="1" noChangeArrowheads="1"/>
-          </p:cNvSpPr>
-          <p:nvPr>
-            <p:ph type="sldImg"/>
-          </p:nvPr>
-        </p:nvSpPr>
-        <p:spPr>
-          <a:xfrm>
-            <a:off x="1143000" y="685800"/>
-            <a:ext cx="4572000" cy="3429000"/>
-          </a:xfrm>
-          <a:prstGeom prst="rect">
-            <a:avLst/>
-          </a:prstGeom>
-          <a:solidFill>
-            <a:srgbClr val="FFFFFF"/>
-          </a:solidFill>
-          <a:ln>
-            <a:solidFill>
-              <a:srgbClr val="000000"/>
-            </a:solidFill>
-            <a:miter lim="800000"/>
-            <a:headEnd/>
-            <a:tailEnd/>
-          </a:ln>
-          <a:extLst>
-            <a:ext uri="{AF507438-7753-43e0-B8FC-AC1667EBCBE1}">
-              <a14:hiddenEffects xmlns:a14="http://schemas.microsoft.com/office/drawing/2010/main">
-                <a:effectLst>
-                  <a:outerShdw blurRad="63500" dist="38099" dir="2700000" algn="ctr" rotWithShape="0">
-                    <a:srgbClr val="000000">
-                      <a:alpha val="74998"/>
-                    </a:srgbClr>
-                  </a:outerShdw>
-                </a:effectLst>
-              </a14:hiddenEffects>
-            </a:ext>
-          </a:extLst>
-        </p:spPr>
-      </p:sp>
-      <p:sp>
-        <p:nvSpPr>
-          <p:cNvPr id="125954" name="Text Box 2"/>
-          <p:cNvSpPr txBox="1">
-            <a:spLocks noGrp="1" noChangeArrowheads="1"/>
-          </p:cNvSpPr>
-          <p:nvPr>
-            <p:ph type="body" idx="1"/>
-          </p:nvPr>
-        </p:nvSpPr>
-        <p:spPr>
-          <a:xfrm>
-            <a:off x="685800" y="4343400"/>
-            <a:ext cx="5486400" cy="4114800"/>
-          </a:xfrm>
-          <a:ln/>
-          <a:extLst>
-            <a:ext uri="{AF507438-7753-43e0-B8FC-AC1667EBCBE1}">
-              <a14:hiddenEffects xmlns:a14="http://schemas.microsoft.com/office/drawing/2010/main">
-                <a:effectLst>
-                  <a:outerShdw blurRad="63500" dist="38099" dir="2700000" algn="ctr" rotWithShape="0">
-                    <a:srgbClr val="000000">
-                      <a:alpha val="74998"/>
-                    </a:srgbClr>
-                  </a:outerShdw>
-                </a:effectLst>
-              </a14:hiddenEffects>
-            </a:ext>
-          </a:extLst>
-        </p:spPr>
-        <p:txBody>
-          <a:bodyPr anchor="ctr"/>
-          <a:lstStyle>
-            <a:lvl1pPr>
-              <a:tabLst>
-                <a:tab pos="0" algn="l"/>
-                <a:tab pos="457200" algn="l"/>
-                <a:tab pos="914400" algn="l"/>
-                <a:tab pos="1371600" algn="l"/>
-                <a:tab pos="1828800" algn="l"/>
-                <a:tab pos="2286000" algn="l"/>
-                <a:tab pos="2743200" algn="l"/>
-                <a:tab pos="3200400" algn="l"/>
-                <a:tab pos="3657600" algn="l"/>
-                <a:tab pos="4114800" algn="l"/>
-                <a:tab pos="4572000" algn="l"/>
-                <a:tab pos="5029200" algn="l"/>
-                <a:tab pos="5486400" algn="l"/>
-                <a:tab pos="5943600" algn="l"/>
-                <a:tab pos="6400800" algn="l"/>
-                <a:tab pos="6858000" algn="l"/>
-                <a:tab pos="7315200" algn="l"/>
-                <a:tab pos="7772400" algn="l"/>
-                <a:tab pos="8229600" algn="l"/>
-                <a:tab pos="8686800" algn="l"/>
-                <a:tab pos="9144000" algn="l"/>
-              </a:tabLst>
-              <a:defRPr sz="1200">
-                <a:solidFill>
-                  <a:srgbClr val="000000"/>
-                </a:solidFill>
-                <a:latin typeface="Times New Roman" charset="0"/>
-                <a:ea typeface="ＭＳ Ｐゴシック" charset="0"/>
-              </a:defRPr>
-            </a:lvl1pPr>
-            <a:lvl2pPr>
-              <a:tabLst>
-                <a:tab pos="0" algn="l"/>
-                <a:tab pos="457200" algn="l"/>
-                <a:tab pos="914400" algn="l"/>
-                <a:tab pos="1371600" algn="l"/>
-                <a:tab pos="1828800" algn="l"/>
-                <a:tab pos="2286000" algn="l"/>
-                <a:tab pos="2743200" algn="l"/>
-                <a:tab pos="3200400" algn="l"/>
-                <a:tab pos="3657600" algn="l"/>
-                <a:tab pos="4114800" algn="l"/>
-                <a:tab pos="4572000" algn="l"/>
-                <a:tab pos="5029200" algn="l"/>
-                <a:tab pos="5486400" algn="l"/>
-                <a:tab pos="5943600" algn="l"/>
-                <a:tab pos="6400800" algn="l"/>
-                <a:tab pos="6858000" algn="l"/>
-                <a:tab pos="7315200" algn="l"/>
-                <a:tab pos="7772400" algn="l"/>
-                <a:tab pos="8229600" algn="l"/>
-                <a:tab pos="8686800" algn="l"/>
-                <a:tab pos="9144000" algn="l"/>
-              </a:tabLst>
-              <a:defRPr sz="1200">
-                <a:solidFill>
-                  <a:srgbClr val="000000"/>
-                </a:solidFill>
-                <a:latin typeface="Times New Roman" charset="0"/>
-                <a:ea typeface="ＭＳ Ｐゴシック" charset="0"/>
-              </a:defRPr>
-            </a:lvl2pPr>
-            <a:lvl3pPr>
-              <a:tabLst>
-                <a:tab pos="0" algn="l"/>
-                <a:tab pos="457200" algn="l"/>
-                <a:tab pos="914400" algn="l"/>
-                <a:tab pos="1371600" algn="l"/>
-                <a:tab pos="1828800" algn="l"/>
-                <a:tab pos="2286000" algn="l"/>
-                <a:tab pos="2743200" algn="l"/>
-                <a:tab pos="3200400" algn="l"/>
-                <a:tab pos="3657600" algn="l"/>
-                <a:tab pos="4114800" algn="l"/>
-                <a:tab pos="4572000" algn="l"/>
-                <a:tab pos="5029200" algn="l"/>
-                <a:tab pos="5486400" algn="l"/>
-                <a:tab pos="5943600" algn="l"/>
-                <a:tab pos="6400800" algn="l"/>
-                <a:tab pos="6858000" algn="l"/>
-                <a:tab pos="7315200" algn="l"/>
-                <a:tab pos="7772400" algn="l"/>
-                <a:tab pos="8229600" algn="l"/>
-                <a:tab pos="8686800" algn="l"/>
-                <a:tab pos="9144000" algn="l"/>
-              </a:tabLst>
-              <a:defRPr sz="1200">
-                <a:solidFill>
-                  <a:srgbClr val="000000"/>
-                </a:solidFill>
-                <a:latin typeface="Times New Roman" charset="0"/>
-                <a:ea typeface="ＭＳ Ｐゴシック" charset="0"/>
-              </a:defRPr>
-            </a:lvl3pPr>
-            <a:lvl4pPr>
-              <a:tabLst>
-                <a:tab pos="0" algn="l"/>
-                <a:tab pos="457200" algn="l"/>
-                <a:tab pos="914400" algn="l"/>
-                <a:tab pos="1371600" algn="l"/>
-                <a:tab pos="1828800" algn="l"/>
-                <a:tab pos="2286000" algn="l"/>
-                <a:tab pos="2743200" algn="l"/>
-                <a:tab pos="3200400" algn="l"/>
-                <a:tab pos="3657600" algn="l"/>
-                <a:tab pos="4114800" algn="l"/>
-                <a:tab pos="4572000" algn="l"/>
-                <a:tab pos="5029200" algn="l"/>
-                <a:tab pos="5486400" algn="l"/>
-                <a:tab pos="5943600" algn="l"/>
-                <a:tab pos="6400800" algn="l"/>
-                <a:tab pos="6858000" algn="l"/>
-                <a:tab pos="7315200" algn="l"/>
-                <a:tab pos="7772400" algn="l"/>
-                <a:tab pos="8229600" algn="l"/>
-                <a:tab pos="8686800" algn="l"/>
-                <a:tab pos="9144000" algn="l"/>
-              </a:tabLst>
-              <a:defRPr sz="1200">
-                <a:solidFill>
-                  <a:srgbClr val="000000"/>
-                </a:solidFill>
-                <a:latin typeface="Times New Roman" charset="0"/>
-                <a:ea typeface="ＭＳ Ｐゴシック" charset="0"/>
-              </a:defRPr>
-            </a:lvl4pPr>
-            <a:lvl5pPr>
-              <a:tabLst>
-                <a:tab pos="0" algn="l"/>
-                <a:tab pos="457200" algn="l"/>
-                <a:tab pos="914400" algn="l"/>
-                <a:tab pos="1371600" algn="l"/>
-                <a:tab pos="1828800" algn="l"/>
-                <a:tab pos="2286000" algn="l"/>
-                <a:tab pos="2743200" algn="l"/>
-                <a:tab pos="3200400" algn="l"/>
-                <a:tab pos="3657600" algn="l"/>
-                <a:tab pos="4114800" algn="l"/>
-                <a:tab pos="4572000" algn="l"/>
-                <a:tab pos="5029200" algn="l"/>
-                <a:tab pos="5486400" algn="l"/>
-                <a:tab pos="5943600" algn="l"/>
-                <a:tab pos="6400800" algn="l"/>
-                <a:tab pos="6858000" algn="l"/>
-                <a:tab pos="7315200" algn="l"/>
-                <a:tab pos="7772400" algn="l"/>
-                <a:tab pos="8229600" algn="l"/>
-                <a:tab pos="8686800" algn="l"/>
-                <a:tab pos="9144000" algn="l"/>
-              </a:tabLst>
-              <a:defRPr sz="1200">
-                <a:solidFill>
-                  <a:srgbClr val="000000"/>
-                </a:solidFill>
-                <a:latin typeface="Times New Roman" charset="0"/>
-                <a:ea typeface="ＭＳ Ｐゴシック" charset="0"/>
-              </a:defRPr>
-            </a:lvl5pPr>
-            <a:lvl6pPr marL="2514600" indent="-228600" eaLnBrk="0" fontAlgn="base" hangingPunct="0">
-              <a:spcBef>
-                <a:spcPct val="30000"/>
-              </a:spcBef>
-              <a:spcAft>
-                <a:spcPct val="0"/>
-              </a:spcAft>
-              <a:buClr>
-                <a:srgbClr val="000000"/>
-              </a:buClr>
-              <a:buSzPct val="100000"/>
-              <a:buFont typeface="Times New Roman" charset="0"/>
-              <a:tabLst>
-                <a:tab pos="0" algn="l"/>
-                <a:tab pos="457200" algn="l"/>
-                <a:tab pos="914400" algn="l"/>
-                <a:tab pos="1371600" algn="l"/>
-                <a:tab pos="1828800" algn="l"/>
-                <a:tab pos="2286000" algn="l"/>
-                <a:tab pos="2743200" algn="l"/>
-                <a:tab pos="3200400" algn="l"/>
-                <a:tab pos="3657600" algn="l"/>
-                <a:tab pos="4114800" algn="l"/>
-                <a:tab pos="4572000" algn="l"/>
-                <a:tab pos="5029200" algn="l"/>
-                <a:tab pos="5486400" algn="l"/>
-                <a:tab pos="5943600" algn="l"/>
-                <a:tab pos="6400800" algn="l"/>
-                <a:tab pos="6858000" algn="l"/>
-                <a:tab pos="7315200" algn="l"/>
-                <a:tab pos="7772400" algn="l"/>
-                <a:tab pos="8229600" algn="l"/>
-                <a:tab pos="8686800" algn="l"/>
-                <a:tab pos="9144000" algn="l"/>
-              </a:tabLst>
-              <a:defRPr sz="1200">
-                <a:solidFill>
-                  <a:srgbClr val="000000"/>
-                </a:solidFill>
-                <a:latin typeface="Times New Roman" charset="0"/>
-                <a:ea typeface="ＭＳ Ｐゴシック" charset="0"/>
-              </a:defRPr>
-            </a:lvl6pPr>
-            <a:lvl7pPr marL="2971800" indent="-228600" eaLnBrk="0" fontAlgn="base" hangingPunct="0">
-              <a:spcBef>
-                <a:spcPct val="30000"/>
-              </a:spcBef>
-              <a:spcAft>
-                <a:spcPct val="0"/>
-              </a:spcAft>
-              <a:buClr>
-                <a:srgbClr val="000000"/>
-              </a:buClr>
-              <a:buSzPct val="100000"/>
-              <a:buFont typeface="Times New Roman" charset="0"/>
-              <a:tabLst>
-                <a:tab pos="0" algn="l"/>
-                <a:tab pos="457200" algn="l"/>
-                <a:tab pos="914400" algn="l"/>
-                <a:tab pos="1371600" algn="l"/>
-                <a:tab pos="1828800" algn="l"/>
-                <a:tab pos="2286000" algn="l"/>
-                <a:tab pos="2743200" algn="l"/>
-                <a:tab pos="3200400" algn="l"/>
-                <a:tab pos="3657600" algn="l"/>
-                <a:tab pos="4114800" algn="l"/>
-                <a:tab pos="4572000" algn="l"/>
-                <a:tab pos="5029200" algn="l"/>
-                <a:tab pos="5486400" algn="l"/>
-                <a:tab pos="5943600" algn="l"/>
-                <a:tab pos="6400800" algn="l"/>
-                <a:tab pos="6858000" algn="l"/>
-                <a:tab pos="7315200" algn="l"/>
-                <a:tab pos="7772400" algn="l"/>
-                <a:tab pos="8229600" algn="l"/>
-                <a:tab pos="8686800" algn="l"/>
-                <a:tab pos="9144000" algn="l"/>
-              </a:tabLst>
-              <a:defRPr sz="1200">
-                <a:solidFill>
-                  <a:srgbClr val="000000"/>
-                </a:solidFill>
-                <a:latin typeface="Times New Roman" charset="0"/>
-                <a:ea typeface="ＭＳ Ｐゴシック" charset="0"/>
-              </a:defRPr>
-            </a:lvl7pPr>
-            <a:lvl8pPr marL="3429000" indent="-228600" eaLnBrk="0" fontAlgn="base" hangingPunct="0">
-              <a:spcBef>
-                <a:spcPct val="30000"/>
-              </a:spcBef>
-              <a:spcAft>
-                <a:spcPct val="0"/>
-              </a:spcAft>
-              <a:buClr>
-                <a:srgbClr val="000000"/>
-              </a:buClr>
-              <a:buSzPct val="100000"/>
-              <a:buFont typeface="Times New Roman" charset="0"/>
-              <a:tabLst>
-                <a:tab pos="0" algn="l"/>
-                <a:tab pos="457200" algn="l"/>
-                <a:tab pos="914400" algn="l"/>
-                <a:tab pos="1371600" algn="l"/>
-                <a:tab pos="1828800" algn="l"/>
-                <a:tab pos="2286000" algn="l"/>
-                <a:tab pos="2743200" algn="l"/>
-                <a:tab pos="3200400" algn="l"/>
-                <a:tab pos="3657600" algn="l"/>
-                <a:tab pos="4114800" algn="l"/>
-                <a:tab pos="4572000" algn="l"/>
-                <a:tab pos="5029200" algn="l"/>
-                <a:tab pos="5486400" algn="l"/>
-                <a:tab pos="5943600" algn="l"/>
-                <a:tab pos="6400800" algn="l"/>
-                <a:tab pos="6858000" algn="l"/>
-                <a:tab pos="7315200" algn="l"/>
-                <a:tab pos="7772400" algn="l"/>
-                <a:tab pos="8229600" algn="l"/>
-                <a:tab pos="8686800" algn="l"/>
-                <a:tab pos="9144000" algn="l"/>
-              </a:tabLst>
-              <a:defRPr sz="1200">
-                <a:solidFill>
-                  <a:srgbClr val="000000"/>
-                </a:solidFill>
-                <a:latin typeface="Times New Roman" charset="0"/>
-                <a:ea typeface="ＭＳ Ｐゴシック" charset="0"/>
-              </a:defRPr>
-            </a:lvl8pPr>
-            <a:lvl9pPr marL="3886200" indent="-228600" eaLnBrk="0" fontAlgn="base" hangingPunct="0">
-              <a:spcBef>
-                <a:spcPct val="30000"/>
-              </a:spcBef>
-              <a:spcAft>
-                <a:spcPct val="0"/>
-              </a:spcAft>
-              <a:buClr>
-                <a:srgbClr val="000000"/>
-              </a:buClr>
-              <a:buSzPct val="100000"/>
-              <a:buFont typeface="Times New Roman" charset="0"/>
-              <a:tabLst>
-                <a:tab pos="0" algn="l"/>
-                <a:tab pos="457200" algn="l"/>
-                <a:tab pos="914400" algn="l"/>
-                <a:tab pos="1371600" algn="l"/>
-                <a:tab pos="1828800" algn="l"/>
-                <a:tab pos="2286000" algn="l"/>
-                <a:tab pos="2743200" algn="l"/>
-                <a:tab pos="3200400" algn="l"/>
-                <a:tab pos="3657600" algn="l"/>
-                <a:tab pos="4114800" algn="l"/>
-                <a:tab pos="4572000" algn="l"/>
-                <a:tab pos="5029200" algn="l"/>
-                <a:tab pos="5486400" algn="l"/>
-                <a:tab pos="5943600" algn="l"/>
-                <a:tab pos="6400800" algn="l"/>
-                <a:tab pos="6858000" algn="l"/>
-                <a:tab pos="7315200" algn="l"/>
-                <a:tab pos="7772400" algn="l"/>
-                <a:tab pos="8229600" algn="l"/>
-                <a:tab pos="8686800" algn="l"/>
-                <a:tab pos="9144000" algn="l"/>
-              </a:tabLst>
-              <a:defRPr sz="1200">
-                <a:solidFill>
-                  <a:srgbClr val="000000"/>
-                </a:solidFill>
-                <a:latin typeface="Times New Roman" charset="0"/>
-                <a:ea typeface="ＭＳ Ｐゴシック" charset="0"/>
-              </a:defRPr>
-            </a:lvl9pPr>
-          </a:lstStyle>
-          <a:p>
-            <a:pPr>
-              <a:defRPr/>
-            </a:pPr>
-            <a:r>
-              <a:rPr lang="en-US" dirty="0" smtClean="0"/>
-              <a:t>Avoid</a:t>
-            </a:r>
-            <a:r>
-              <a:rPr lang="en-US" baseline="0" dirty="0" smtClean="0"/>
-              <a:t> color schemes that exclude! (Red-green colorblindness affects more than 5% of men.)</a:t>
-            </a:r>
-            <a:endParaRPr lang="en-US" dirty="0" smtClean="0"/>
-          </a:p>
-        </p:txBody>
-      </p:sp>
-      <p:sp>
-        <p:nvSpPr>
-          <p:cNvPr id="125955" name="Text Box 3"/>
-          <p:cNvSpPr txBox="1">
-            <a:spLocks noChangeArrowheads="1"/>
-          </p:cNvSpPr>
-          <p:nvPr/>
-        </p:nvSpPr>
-        <p:spPr bwMode="auto">
-          <a:xfrm>
-            <a:off x="3884613" y="8685213"/>
-            <a:ext cx="2971800" cy="457200"/>
-          </a:xfrm>
-          <a:prstGeom prst="rect">
-            <a:avLst/>
-          </a:prstGeom>
-          <a:noFill/>
-          <a:ln>
-            <a:noFill/>
-          </a:ln>
-          <a:effectLst/>
-          <a:extLst>
-            <a:ext uri="{909E8E84-426E-40dd-AFC4-6F175D3DCCD1}">
-              <a14:hiddenFill xmlns:a14="http://schemas.microsoft.com/office/drawing/2010/main">
-                <a:solidFill>
-                  <a:srgbClr val="FFFFFF"/>
-                </a:solidFill>
-              </a14:hiddenFill>
-            </a:ext>
-            <a:ext uri="{91240B29-F687-4f45-9708-019B960494DF}">
-              <a14:hiddenLine xmlns:a14="http://schemas.microsoft.com/office/drawing/2010/main" w="9525" cap="flat">
-                <a:solidFill>
-                  <a:srgbClr val="3465AF"/>
-                </a:solidFill>
-                <a:round/>
-                <a:headEnd/>
-                <a:tailEnd/>
-              </a14:hiddenLine>
-            </a:ext>
-            <a:ext uri="{AF507438-7753-43e0-B8FC-AC1667EBCBE1}">
-              <a14:hiddenEffects xmlns:a14="http://schemas.microsoft.com/office/drawing/2010/main">
-                <a:effectLst>
-                  <a:outerShdw blurRad="63500" dist="38099" dir="2700000" algn="ctr" rotWithShape="0">
-                    <a:srgbClr val="000000">
-                      <a:alpha val="74998"/>
-                    </a:srgbClr>
-                  </a:outerShdw>
-                </a:effectLst>
-              </a14:hiddenEffects>
-            </a:ext>
-          </a:extLst>
-        </p:spPr>
-        <p:txBody>
-          <a:bodyPr lIns="90000" tIns="46800" rIns="90000" bIns="46800" anchor="b"/>
-          <a:lstStyle>
-            <a:lvl1pPr>
-              <a:tabLst>
-                <a:tab pos="0" algn="l"/>
-                <a:tab pos="457200" algn="l"/>
-                <a:tab pos="914400" algn="l"/>
-                <a:tab pos="1371600" algn="l"/>
-                <a:tab pos="1828800" algn="l"/>
-                <a:tab pos="2286000" algn="l"/>
-                <a:tab pos="2743200" algn="l"/>
-                <a:tab pos="3200400" algn="l"/>
-                <a:tab pos="3657600" algn="l"/>
-                <a:tab pos="4114800" algn="l"/>
-                <a:tab pos="4572000" algn="l"/>
-                <a:tab pos="5029200" algn="l"/>
-                <a:tab pos="5486400" algn="l"/>
-                <a:tab pos="5943600" algn="l"/>
-                <a:tab pos="6400800" algn="l"/>
-                <a:tab pos="6858000" algn="l"/>
-                <a:tab pos="7315200" algn="l"/>
-                <a:tab pos="7772400" algn="l"/>
-                <a:tab pos="8229600" algn="l"/>
-                <a:tab pos="8686800" algn="l"/>
-                <a:tab pos="9144000" algn="l"/>
-              </a:tabLst>
-              <a:defRPr sz="2400">
-                <a:solidFill>
-                  <a:srgbClr val="000000"/>
-                </a:solidFill>
-                <a:latin typeface="Tahoma" charset="0"/>
-                <a:ea typeface="ＭＳ Ｐゴシック" charset="0"/>
-                <a:cs typeface="ＭＳ Ｐゴシック" charset="0"/>
-              </a:defRPr>
-            </a:lvl1pPr>
-            <a:lvl2pPr>
-              <a:tabLst>
-                <a:tab pos="0" algn="l"/>
-                <a:tab pos="457200" algn="l"/>
-                <a:tab pos="914400" algn="l"/>
-                <a:tab pos="1371600" algn="l"/>
-                <a:tab pos="1828800" algn="l"/>
-                <a:tab pos="2286000" algn="l"/>
-                <a:tab pos="2743200" algn="l"/>
-                <a:tab pos="3200400" algn="l"/>
-                <a:tab pos="3657600" algn="l"/>
-                <a:tab pos="4114800" algn="l"/>
-                <a:tab pos="4572000" algn="l"/>
-                <a:tab pos="5029200" algn="l"/>
-                <a:tab pos="5486400" algn="l"/>
-                <a:tab pos="5943600" algn="l"/>
-                <a:tab pos="6400800" algn="l"/>
-                <a:tab pos="6858000" algn="l"/>
-                <a:tab pos="7315200" algn="l"/>
-                <a:tab pos="7772400" algn="l"/>
-                <a:tab pos="8229600" algn="l"/>
-                <a:tab pos="8686800" algn="l"/>
-                <a:tab pos="9144000" algn="l"/>
-              </a:tabLst>
-              <a:defRPr sz="2400">
-                <a:solidFill>
-                  <a:srgbClr val="000000"/>
-                </a:solidFill>
-                <a:latin typeface="Tahoma" charset="0"/>
-                <a:ea typeface="ＭＳ Ｐゴシック" charset="0"/>
-                <a:cs typeface="ＭＳ Ｐゴシック" charset="0"/>
-              </a:defRPr>
-            </a:lvl2pPr>
-            <a:lvl3pPr>
-              <a:tabLst>
-                <a:tab pos="0" algn="l"/>
-                <a:tab pos="457200" algn="l"/>
-                <a:tab pos="914400" algn="l"/>
-                <a:tab pos="1371600" algn="l"/>
-                <a:tab pos="1828800" algn="l"/>
-                <a:tab pos="2286000" algn="l"/>
-                <a:tab pos="2743200" algn="l"/>
-                <a:tab pos="3200400" algn="l"/>
-                <a:tab pos="3657600" algn="l"/>
-                <a:tab pos="4114800" algn="l"/>
-                <a:tab pos="4572000" algn="l"/>
-                <a:tab pos="5029200" algn="l"/>
-                <a:tab pos="5486400" algn="l"/>
-                <a:tab pos="5943600" algn="l"/>
-                <a:tab pos="6400800" algn="l"/>
-                <a:tab pos="6858000" algn="l"/>
-                <a:tab pos="7315200" algn="l"/>
-                <a:tab pos="7772400" algn="l"/>
-                <a:tab pos="8229600" algn="l"/>
-                <a:tab pos="8686800" algn="l"/>
-                <a:tab pos="9144000" algn="l"/>
-              </a:tabLst>
-              <a:defRPr sz="2400">
-                <a:solidFill>
-                  <a:srgbClr val="000000"/>
-                </a:solidFill>
-                <a:latin typeface="Tahoma" charset="0"/>
-                <a:ea typeface="ＭＳ Ｐゴシック" charset="0"/>
-                <a:cs typeface="ＭＳ Ｐゴシック" charset="0"/>
-              </a:defRPr>
-            </a:lvl3pPr>
-            <a:lvl4pPr>
-              <a:tabLst>
-                <a:tab pos="0" algn="l"/>
-                <a:tab pos="457200" algn="l"/>
-                <a:tab pos="914400" algn="l"/>
-                <a:tab pos="1371600" algn="l"/>
-                <a:tab pos="1828800" algn="l"/>
-                <a:tab pos="2286000" algn="l"/>
-                <a:tab pos="2743200" algn="l"/>
-                <a:tab pos="3200400" algn="l"/>
-                <a:tab pos="3657600" algn="l"/>
-                <a:tab pos="4114800" algn="l"/>
-                <a:tab pos="4572000" algn="l"/>
-                <a:tab pos="5029200" algn="l"/>
-                <a:tab pos="5486400" algn="l"/>
-                <a:tab pos="5943600" algn="l"/>
-                <a:tab pos="6400800" algn="l"/>
-                <a:tab pos="6858000" algn="l"/>
-                <a:tab pos="7315200" algn="l"/>
-                <a:tab pos="7772400" algn="l"/>
-                <a:tab pos="8229600" algn="l"/>
-                <a:tab pos="8686800" algn="l"/>
-                <a:tab pos="9144000" algn="l"/>
-              </a:tabLst>
-              <a:defRPr sz="2400">
-                <a:solidFill>
-                  <a:srgbClr val="000000"/>
-                </a:solidFill>
-                <a:latin typeface="Tahoma" charset="0"/>
-                <a:ea typeface="ＭＳ Ｐゴシック" charset="0"/>
-                <a:cs typeface="ＭＳ Ｐゴシック" charset="0"/>
-              </a:defRPr>
-            </a:lvl4pPr>
-            <a:lvl5pPr>
-              <a:tabLst>
-                <a:tab pos="0" algn="l"/>
-                <a:tab pos="457200" algn="l"/>
-                <a:tab pos="914400" algn="l"/>
-                <a:tab pos="1371600" algn="l"/>
-                <a:tab pos="1828800" algn="l"/>
-                <a:tab pos="2286000" algn="l"/>
-                <a:tab pos="2743200" algn="l"/>
-                <a:tab pos="3200400" algn="l"/>
-                <a:tab pos="3657600" algn="l"/>
-                <a:tab pos="4114800" algn="l"/>
-                <a:tab pos="4572000" algn="l"/>
-                <a:tab pos="5029200" algn="l"/>
-                <a:tab pos="5486400" algn="l"/>
-                <a:tab pos="5943600" algn="l"/>
-                <a:tab pos="6400800" algn="l"/>
-                <a:tab pos="6858000" algn="l"/>
-                <a:tab pos="7315200" algn="l"/>
-                <a:tab pos="7772400" algn="l"/>
-                <a:tab pos="8229600" algn="l"/>
-                <a:tab pos="8686800" algn="l"/>
-                <a:tab pos="9144000" algn="l"/>
-              </a:tabLst>
-              <a:defRPr sz="2400">
-                <a:solidFill>
-                  <a:srgbClr val="000000"/>
-                </a:solidFill>
-                <a:latin typeface="Tahoma" charset="0"/>
-                <a:ea typeface="ＭＳ Ｐゴシック" charset="0"/>
-                <a:cs typeface="ＭＳ Ｐゴシック" charset="0"/>
-              </a:defRPr>
-            </a:lvl5pPr>
-            <a:lvl6pPr marL="2514600" indent="-228600" fontAlgn="base">
-              <a:spcBef>
-                <a:spcPct val="0"/>
-              </a:spcBef>
-              <a:spcAft>
-                <a:spcPct val="0"/>
-              </a:spcAft>
-              <a:buClr>
-                <a:srgbClr val="000000"/>
-              </a:buClr>
-              <a:buSzPct val="100000"/>
-              <a:buFont typeface="Times New Roman" charset="0"/>
-              <a:tabLst>
-                <a:tab pos="0" algn="l"/>
-                <a:tab pos="457200" algn="l"/>
-                <a:tab pos="914400" algn="l"/>
-                <a:tab pos="1371600" algn="l"/>
-                <a:tab pos="1828800" algn="l"/>
-                <a:tab pos="2286000" algn="l"/>
-                <a:tab pos="2743200" algn="l"/>
-                <a:tab pos="3200400" algn="l"/>
-                <a:tab pos="3657600" algn="l"/>
-                <a:tab pos="4114800" algn="l"/>
-                <a:tab pos="4572000" algn="l"/>
-                <a:tab pos="5029200" algn="l"/>
-                <a:tab pos="5486400" algn="l"/>
-                <a:tab pos="5943600" algn="l"/>
-                <a:tab pos="6400800" algn="l"/>
-                <a:tab pos="6858000" algn="l"/>
-                <a:tab pos="7315200" algn="l"/>
-                <a:tab pos="7772400" algn="l"/>
-                <a:tab pos="8229600" algn="l"/>
-                <a:tab pos="8686800" algn="l"/>
-                <a:tab pos="9144000" algn="l"/>
-              </a:tabLst>
-              <a:defRPr sz="2400">
-                <a:solidFill>
-                  <a:srgbClr val="000000"/>
-                </a:solidFill>
-                <a:latin typeface="Tahoma" charset="0"/>
-                <a:ea typeface="ＭＳ Ｐゴシック" charset="0"/>
-                <a:cs typeface="ＭＳ Ｐゴシック" charset="0"/>
-              </a:defRPr>
-            </a:lvl6pPr>
-            <a:lvl7pPr marL="2971800" indent="-228600" fontAlgn="base">
-              <a:spcBef>
-                <a:spcPct val="0"/>
-              </a:spcBef>
-              <a:spcAft>
-                <a:spcPct val="0"/>
-              </a:spcAft>
-              <a:buClr>
-                <a:srgbClr val="000000"/>
-              </a:buClr>
-              <a:buSzPct val="100000"/>
-              <a:buFont typeface="Times New Roman" charset="0"/>
-              <a:tabLst>
-                <a:tab pos="0" algn="l"/>
-                <a:tab pos="457200" algn="l"/>
-                <a:tab pos="914400" algn="l"/>
-                <a:tab pos="1371600" algn="l"/>
-                <a:tab pos="1828800" algn="l"/>
-                <a:tab pos="2286000" algn="l"/>
-                <a:tab pos="2743200" algn="l"/>
-                <a:tab pos="3200400" algn="l"/>
-                <a:tab pos="3657600" algn="l"/>
-                <a:tab pos="4114800" algn="l"/>
-                <a:tab pos="4572000" algn="l"/>
-                <a:tab pos="5029200" algn="l"/>
-                <a:tab pos="5486400" algn="l"/>
-                <a:tab pos="5943600" algn="l"/>
-                <a:tab pos="6400800" algn="l"/>
-                <a:tab pos="6858000" algn="l"/>
-                <a:tab pos="7315200" algn="l"/>
-                <a:tab pos="7772400" algn="l"/>
-                <a:tab pos="8229600" algn="l"/>
-                <a:tab pos="8686800" algn="l"/>
-                <a:tab pos="9144000" algn="l"/>
-              </a:tabLst>
-              <a:defRPr sz="2400">
-                <a:solidFill>
-                  <a:srgbClr val="000000"/>
-                </a:solidFill>
-                <a:latin typeface="Tahoma" charset="0"/>
-                <a:ea typeface="ＭＳ Ｐゴシック" charset="0"/>
-                <a:cs typeface="ＭＳ Ｐゴシック" charset="0"/>
-              </a:defRPr>
-            </a:lvl7pPr>
-            <a:lvl8pPr marL="3429000" indent="-228600" fontAlgn="base">
-              <a:spcBef>
-                <a:spcPct val="0"/>
-              </a:spcBef>
-              <a:spcAft>
-                <a:spcPct val="0"/>
-              </a:spcAft>
-              <a:buClr>
-                <a:srgbClr val="000000"/>
-              </a:buClr>
-              <a:buSzPct val="100000"/>
-              <a:buFont typeface="Times New Roman" charset="0"/>
-              <a:tabLst>
-                <a:tab pos="0" algn="l"/>
-                <a:tab pos="457200" algn="l"/>
-                <a:tab pos="914400" algn="l"/>
-                <a:tab pos="1371600" algn="l"/>
-                <a:tab pos="1828800" algn="l"/>
-                <a:tab pos="2286000" algn="l"/>
-                <a:tab pos="2743200" algn="l"/>
-                <a:tab pos="3200400" algn="l"/>
-                <a:tab pos="3657600" algn="l"/>
-                <a:tab pos="4114800" algn="l"/>
-                <a:tab pos="4572000" algn="l"/>
-                <a:tab pos="5029200" algn="l"/>
-                <a:tab pos="5486400" algn="l"/>
-                <a:tab pos="5943600" algn="l"/>
-                <a:tab pos="6400800" algn="l"/>
-                <a:tab pos="6858000" algn="l"/>
-                <a:tab pos="7315200" algn="l"/>
-                <a:tab pos="7772400" algn="l"/>
-                <a:tab pos="8229600" algn="l"/>
-                <a:tab pos="8686800" algn="l"/>
-                <a:tab pos="9144000" algn="l"/>
-              </a:tabLst>
-              <a:defRPr sz="2400">
-                <a:solidFill>
-                  <a:srgbClr val="000000"/>
-                </a:solidFill>
-                <a:latin typeface="Tahoma" charset="0"/>
-                <a:ea typeface="ＭＳ Ｐゴシック" charset="0"/>
-                <a:cs typeface="ＭＳ Ｐゴシック" charset="0"/>
-              </a:defRPr>
-            </a:lvl8pPr>
-            <a:lvl9pPr marL="3886200" indent="-228600" fontAlgn="base">
-              <a:spcBef>
-                <a:spcPct val="0"/>
-              </a:spcBef>
-              <a:spcAft>
-                <a:spcPct val="0"/>
-              </a:spcAft>
-              <a:buClr>
-                <a:srgbClr val="000000"/>
-              </a:buClr>
-              <a:buSzPct val="100000"/>
-              <a:buFont typeface="Times New Roman" charset="0"/>
-              <a:tabLst>
-                <a:tab pos="0" algn="l"/>
-                <a:tab pos="457200" algn="l"/>
-                <a:tab pos="914400" algn="l"/>
-                <a:tab pos="1371600" algn="l"/>
-                <a:tab pos="1828800" algn="l"/>
-                <a:tab pos="2286000" algn="l"/>
-                <a:tab pos="2743200" algn="l"/>
-                <a:tab pos="3200400" algn="l"/>
-                <a:tab pos="3657600" algn="l"/>
-                <a:tab pos="4114800" algn="l"/>
-                <a:tab pos="4572000" algn="l"/>
-                <a:tab pos="5029200" algn="l"/>
-                <a:tab pos="5486400" algn="l"/>
-                <a:tab pos="5943600" algn="l"/>
-                <a:tab pos="6400800" algn="l"/>
-                <a:tab pos="6858000" algn="l"/>
-                <a:tab pos="7315200" algn="l"/>
-                <a:tab pos="7772400" algn="l"/>
-                <a:tab pos="8229600" algn="l"/>
-                <a:tab pos="8686800" algn="l"/>
-                <a:tab pos="9144000" algn="l"/>
-              </a:tabLst>
-              <a:defRPr sz="2400">
-                <a:solidFill>
-                  <a:srgbClr val="000000"/>
-                </a:solidFill>
-                <a:latin typeface="Tahoma" charset="0"/>
-                <a:ea typeface="ＭＳ Ｐゴシック" charset="0"/>
-                <a:cs typeface="ＭＳ Ｐゴシック" charset="0"/>
-              </a:defRPr>
-            </a:lvl9pPr>
-          </a:lstStyle>
-          <a:p>
-            <a:pPr algn="r">
-              <a:defRPr/>
-            </a:pPr>
-            <a:fld id="{7C62F450-DF83-CE48-8826-305B3FD330DE}" type="slidenum">
-              <a:rPr lang="en-US" sz="1200" smtClean="0">
-                <a:latin typeface="Arial" charset="0"/>
-                <a:cs typeface="Arial" charset="0"/>
-              </a:rPr>
-              <a:pPr algn="r">
-                <a:defRPr/>
-              </a:pPr>
-              <a:t>25</a:t>
-            </a:fld>
-            <a:endParaRPr lang="en-US" sz="1200" smtClean="0">
-              <a:latin typeface="Arial" charset="0"/>
-              <a:cs typeface="Arial" charset="0"/>
-            </a:endParaRPr>
-          </a:p>
-        </p:txBody>
-      </p:sp>
-    </p:spTree>
-  </p:cSld>
-  <p:clrMapOvr>
-    <a:masterClrMapping/>
-  </p:clrMapOvr>
-</p:notes>
-</file>
-
-<file path=ppt/notesSlides/notesSlide21.xml><?xml version="1.0" encoding="utf-8"?>
-<p:notes xmlns:a="http://schemas.openxmlformats.org/drawingml/2006/main" xmlns:r="http://schemas.openxmlformats.org/officeDocument/2006/relationships" xmlns:p="http://schemas.openxmlformats.org/presentationml/2006/main">
-  <p:cSld>
-    <p:spTree>
-      <p:nvGrpSpPr>
-        <p:cNvPr id="1" name=""/>
-        <p:cNvGrpSpPr/>
-        <p:nvPr/>
-      </p:nvGrpSpPr>
-      <p:grpSpPr>
-        <a:xfrm>
-          <a:off x="0" y="0"/>
-          <a:ext cx="0" cy="0"/>
-          <a:chOff x="0" y="0"/>
-          <a:chExt cx="0" cy="0"/>
-        </a:xfrm>
-      </p:grpSpPr>
-      <p:sp>
-        <p:nvSpPr>
-          <p:cNvPr id="2" name="Slide Image Placeholder 1"/>
-          <p:cNvSpPr>
-            <a:spLocks noGrp="1" noRot="1" noChangeAspect="1"/>
-          </p:cNvSpPr>
-          <p:nvPr>
-            <p:ph type="sldImg"/>
-          </p:nvPr>
-        </p:nvSpPr>
-        <p:spPr/>
-      </p:sp>
-      <p:sp>
-        <p:nvSpPr>
-          <p:cNvPr id="3" name="Notes Placeholder 2"/>
-          <p:cNvSpPr>
-            <a:spLocks noGrp="1"/>
-          </p:cNvSpPr>
-          <p:nvPr>
-            <p:ph type="body" idx="1"/>
-          </p:nvPr>
-        </p:nvSpPr>
-        <p:spPr/>
-        <p:txBody>
-          <a:bodyPr/>
-          <a:lstStyle/>
-          <a:p>
-            <a:pPr marL="0" marR="0" indent="0" algn="l" defTabSz="457200" rtl="0" eaLnBrk="1" fontAlgn="auto" latinLnBrk="0" hangingPunct="1">
-              <a:lnSpc>
-                <a:spcPct val="100000"/>
-              </a:lnSpc>
-              <a:spcBef>
-                <a:spcPts val="0"/>
-              </a:spcBef>
-              <a:spcAft>
-                <a:spcPts val="0"/>
-              </a:spcAft>
-              <a:buClrTx/>
-              <a:buSzTx/>
-              <a:buFontTx/>
-              <a:buNone/>
-              <a:tabLst/>
-              <a:defRPr/>
-            </a:pPr>
-            <a:r>
-              <a:rPr lang="en-US" dirty="0" smtClean="0"/>
-              <a:t>Avoid</a:t>
-            </a:r>
-            <a:r>
-              <a:rPr lang="en-US" baseline="0" dirty="0" smtClean="0"/>
-              <a:t> color schemes that exclude! (Red-green colorblindness affects more than 5% of men.)</a:t>
-            </a:r>
-            <a:endParaRPr lang="en-US" dirty="0" smtClean="0"/>
-          </a:p>
-          <a:p>
-            <a:endParaRPr lang="en-US" dirty="0"/>
-          </a:p>
-        </p:txBody>
-      </p:sp>
-      <p:sp>
-        <p:nvSpPr>
-          <p:cNvPr id="4" name="Slide Number Placeholder 3"/>
-          <p:cNvSpPr>
-            <a:spLocks noGrp="1"/>
-          </p:cNvSpPr>
-          <p:nvPr>
-            <p:ph type="sldNum" sz="quarter" idx="10"/>
-          </p:nvPr>
-        </p:nvSpPr>
-        <p:spPr/>
-        <p:txBody>
-          <a:bodyPr/>
-          <a:lstStyle/>
-          <a:p>
-            <a:fld id="{B883C560-E04F-404B-BDED-00D429065910}" type="slidenum">
-              <a:rPr lang="en-US" smtClean="0"/>
-              <a:t>26</a:t>
-            </a:fld>
-            <a:endParaRPr lang="en-US"/>
-          </a:p>
-        </p:txBody>
-      </p:sp>
-    </p:spTree>
-    <p:extLst>
-      <p:ext uri="{BB962C8B-B14F-4D97-AF65-F5344CB8AC3E}">
-        <p14:creationId xmlns:p14="http://schemas.microsoft.com/office/powerpoint/2010/main" val="1589496599"/>
-      </p:ext>
-    </p:extLst>
-  </p:cSld>
-  <p:clrMapOvr>
-    <a:masterClrMapping/>
-  </p:clrMapOvr>
-</p:notes>
-</file>
-
-<file path=ppt/notesSlides/notesSlide22.xml><?xml version="1.0" encoding="utf-8"?>
-<p:notes xmlns:a="http://schemas.openxmlformats.org/drawingml/2006/main" xmlns:r="http://schemas.openxmlformats.org/officeDocument/2006/relationships" xmlns:p="http://schemas.openxmlformats.org/presentationml/2006/main">
-  <p:cSld>
     <p:spTree>
       <p:nvGrpSpPr>
         <p:cNvPr id="1" name=""/>
@@ -9563,7 +7487,7 @@
             <a:fld id="{4D81E7EB-02AB-D14D-9771-F69992AC5CC9}" type="slidenum">
               <a:rPr lang="en-GB" sz="1800"/>
               <a:pPr eaLnBrk="1" hangingPunct="1"/>
-              <a:t>27</a:t>
+              <a:t>25</a:t>
             </a:fld>
             <a:endParaRPr lang="en-US" sz="1800"/>
           </a:p>
@@ -17059,7 +14983,7 @@
       </p:grpSpPr>
       <p:pic>
         <p:nvPicPr>
-          <p:cNvPr id="2" name="Picture 1" descr="line.png"/>
+          <p:cNvPr id="2" name="Picture 1" descr="dot_line.png"/>
           <p:cNvPicPr>
             <a:picLocks noChangeAspect="1"/>
           </p:cNvPicPr>
@@ -17492,7 +15416,7 @@
             </a:pPr>
             <a:r>
               <a:rPr lang="en-US" sz="2800" b="1" dirty="0" smtClean="0"/>
-              <a:t>Slope, note the y axis scale</a:t>
+              <a:t>Position on aligned scale + slope</a:t>
             </a:r>
           </a:p>
           <a:p>
@@ -17506,7 +15430,7 @@
     </p:spTree>
     <p:extLst>
       <p:ext uri="{BB962C8B-B14F-4D97-AF65-F5344CB8AC3E}">
-        <p14:creationId xmlns:p14="http://schemas.microsoft.com/office/powerpoint/2010/main" val="3522951222"/>
+        <p14:creationId xmlns:p14="http://schemas.microsoft.com/office/powerpoint/2010/main" val="2099274800"/>
       </p:ext>
     </p:extLst>
   </p:cSld>
@@ -22600,7 +20524,7 @@
       </p:sp>
       <p:pic>
         <p:nvPicPr>
-          <p:cNvPr id="137218" name="Picture 1" descr="colorbrewer_1.tiff"/>
+          <p:cNvPr id="2" name="Picture 1" descr="principles_25.jpg"/>
           <p:cNvPicPr>
             <a:picLocks noChangeAspect="1"/>
           </p:cNvPicPr>
@@ -22614,1086 +20538,18 @@
               </a:ext>
             </a:extLst>
           </a:blip>
-          <a:srcRect/>
           <a:stretch>
             <a:fillRect/>
           </a:stretch>
         </p:blipFill>
-        <p:spPr bwMode="auto">
+        <p:spPr>
           <a:xfrm>
-            <a:off x="533400" y="1168400"/>
-            <a:ext cx="8077200" cy="4508500"/>
+            <a:off x="0" y="1104900"/>
+            <a:ext cx="9144000" cy="4645152"/>
           </a:xfrm>
           <a:prstGeom prst="rect">
             <a:avLst/>
           </a:prstGeom>
-          <a:noFill/>
-          <a:ln>
-            <a:noFill/>
-          </a:ln>
-          <a:extLst>
-            <a:ext uri="{909E8E84-426E-40dd-AFC4-6F175D3DCCD1}">
-              <a14:hiddenFill xmlns:a14="http://schemas.microsoft.com/office/drawing/2010/main">
-                <a:solidFill>
-                  <a:srgbClr val="FFFFFF"/>
-                </a:solidFill>
-              </a14:hiddenFill>
-            </a:ext>
-            <a:ext uri="{91240B29-F687-4f45-9708-019B960494DF}">
-              <a14:hiddenLine xmlns:a14="http://schemas.microsoft.com/office/drawing/2010/main" w="9525">
-                <a:solidFill>
-                  <a:srgbClr val="000000"/>
-                </a:solidFill>
-                <a:miter lim="800000"/>
-                <a:headEnd/>
-                <a:tailEnd/>
-              </a14:hiddenLine>
-            </a:ext>
-          </a:extLst>
-        </p:spPr>
-      </p:pic>
-    </p:spTree>
-    <p:extLst>
-      <p:ext uri="{BB962C8B-B14F-4D97-AF65-F5344CB8AC3E}">
-        <p14:creationId xmlns:p14="http://schemas.microsoft.com/office/powerpoint/2010/main" val="2810666276"/>
-      </p:ext>
-    </p:extLst>
-  </p:cSld>
-  <p:clrMapOvr>
-    <a:masterClrMapping/>
-  </p:clrMapOvr>
-  <p:transition xmlns:p14="http://schemas.microsoft.com/office/powerpoint/2010/main" spd="med"/>
-  <p:timing>
-    <p:tnLst>
-      <p:par>
-        <p:cTn xmlns:p14="http://schemas.microsoft.com/office/powerpoint/2010/main" id="1" dur="indefinite" restart="never" nodeType="tmRoot">
-          <p:childTnLst>
-            <p:seq concurrent="1" nextAc="seek">
-              <p:cTn id="2" dur="0" nodeType="mainSeq"/>
-              <p:prevCondLst>
-                <p:cond evt="onPrev" delay="0">
-                  <p:tgtEl>
-                    <p:sldTgt/>
-                  </p:tgtEl>
-                </p:cond>
-              </p:prevCondLst>
-              <p:nextCondLst>
-                <p:cond evt="onNext" delay="0">
-                  <p:tgtEl>
-                    <p:sldTgt/>
-                  </p:tgtEl>
-                </p:cond>
-              </p:nextCondLst>
-            </p:seq>
-          </p:childTnLst>
-        </p:cTn>
-      </p:par>
-    </p:tnLst>
-  </p:timing>
-</p:sld>
-</file>
-
-<file path=ppt/slides/slide22.xml><?xml version="1.0" encoding="utf-8"?>
-<p:sld xmlns:a="http://schemas.openxmlformats.org/drawingml/2006/main" xmlns:r="http://schemas.openxmlformats.org/officeDocument/2006/relationships" xmlns:p="http://schemas.openxmlformats.org/presentationml/2006/main">
-  <p:cSld>
-    <p:spTree>
-      <p:nvGrpSpPr>
-        <p:cNvPr id="1" name=""/>
-        <p:cNvGrpSpPr/>
-        <p:nvPr/>
-      </p:nvGrpSpPr>
-      <p:grpSpPr>
-        <a:xfrm>
-          <a:off x="0" y="0"/>
-          <a:ext cx="0" cy="0"/>
-          <a:chOff x="0" y="0"/>
-          <a:chExt cx="0" cy="0"/>
-        </a:xfrm>
-      </p:grpSpPr>
-      <p:sp>
-        <p:nvSpPr>
-          <p:cNvPr id="45057" name="Text Box 1"/>
-          <p:cNvSpPr txBox="1">
-            <a:spLocks noChangeArrowheads="1"/>
-          </p:cNvSpPr>
-          <p:nvPr/>
-        </p:nvSpPr>
-        <p:spPr bwMode="auto">
-          <a:xfrm>
-            <a:off x="0" y="188913"/>
-            <a:ext cx="9144000" cy="520700"/>
-          </a:xfrm>
-          <a:prstGeom prst="rect">
-            <a:avLst/>
-          </a:prstGeom>
-          <a:noFill/>
-          <a:ln>
-            <a:noFill/>
-          </a:ln>
-          <a:effectLst/>
-          <a:extLst>
-            <a:ext uri="{909E8E84-426E-40dd-AFC4-6F175D3DCCD1}">
-              <a14:hiddenFill xmlns:a14="http://schemas.microsoft.com/office/drawing/2010/main">
-                <a:solidFill>
-                  <a:srgbClr val="FFFFFF"/>
-                </a:solidFill>
-              </a14:hiddenFill>
-            </a:ext>
-            <a:ext uri="{91240B29-F687-4f45-9708-019B960494DF}">
-              <a14:hiddenLine xmlns:a14="http://schemas.microsoft.com/office/drawing/2010/main" w="9525" cap="flat">
-                <a:solidFill>
-                  <a:srgbClr val="3465AF"/>
-                </a:solidFill>
-                <a:round/>
-                <a:headEnd/>
-                <a:tailEnd/>
-              </a14:hiddenLine>
-            </a:ext>
-            <a:ext uri="{AF507438-7753-43e0-B8FC-AC1667EBCBE1}">
-              <a14:hiddenEffects xmlns:a14="http://schemas.microsoft.com/office/drawing/2010/main">
-                <a:effectLst>
-                  <a:outerShdw blurRad="63500" dist="38099" dir="2700000" algn="ctr" rotWithShape="0">
-                    <a:srgbClr val="000000">
-                      <a:alpha val="74998"/>
-                    </a:srgbClr>
-                  </a:outerShdw>
-                </a:effectLst>
-              </a14:hiddenEffects>
-            </a:ext>
-          </a:extLst>
-        </p:spPr>
-        <p:txBody>
-          <a:bodyPr lIns="90000" tIns="46800" rIns="90000" bIns="46800">
-            <a:spAutoFit/>
-          </a:bodyPr>
-          <a:lstStyle>
-            <a:lvl1pPr>
-              <a:tabLst>
-                <a:tab pos="0" algn="l"/>
-                <a:tab pos="457200" algn="l"/>
-                <a:tab pos="914400" algn="l"/>
-                <a:tab pos="1371600" algn="l"/>
-                <a:tab pos="1828800" algn="l"/>
-                <a:tab pos="2286000" algn="l"/>
-                <a:tab pos="2743200" algn="l"/>
-                <a:tab pos="3200400" algn="l"/>
-                <a:tab pos="3657600" algn="l"/>
-                <a:tab pos="4114800" algn="l"/>
-                <a:tab pos="4572000" algn="l"/>
-                <a:tab pos="5029200" algn="l"/>
-                <a:tab pos="5486400" algn="l"/>
-                <a:tab pos="5943600" algn="l"/>
-                <a:tab pos="6400800" algn="l"/>
-                <a:tab pos="6858000" algn="l"/>
-                <a:tab pos="7315200" algn="l"/>
-                <a:tab pos="7772400" algn="l"/>
-                <a:tab pos="8229600" algn="l"/>
-                <a:tab pos="8686800" algn="l"/>
-                <a:tab pos="9144000" algn="l"/>
-              </a:tabLst>
-              <a:defRPr sz="2400">
-                <a:solidFill>
-                  <a:srgbClr val="000000"/>
-                </a:solidFill>
-                <a:latin typeface="Tahoma" charset="0"/>
-                <a:ea typeface="ＭＳ Ｐゴシック" charset="0"/>
-                <a:cs typeface="ＭＳ Ｐゴシック" charset="0"/>
-              </a:defRPr>
-            </a:lvl1pPr>
-            <a:lvl2pPr>
-              <a:tabLst>
-                <a:tab pos="0" algn="l"/>
-                <a:tab pos="457200" algn="l"/>
-                <a:tab pos="914400" algn="l"/>
-                <a:tab pos="1371600" algn="l"/>
-                <a:tab pos="1828800" algn="l"/>
-                <a:tab pos="2286000" algn="l"/>
-                <a:tab pos="2743200" algn="l"/>
-                <a:tab pos="3200400" algn="l"/>
-                <a:tab pos="3657600" algn="l"/>
-                <a:tab pos="4114800" algn="l"/>
-                <a:tab pos="4572000" algn="l"/>
-                <a:tab pos="5029200" algn="l"/>
-                <a:tab pos="5486400" algn="l"/>
-                <a:tab pos="5943600" algn="l"/>
-                <a:tab pos="6400800" algn="l"/>
-                <a:tab pos="6858000" algn="l"/>
-                <a:tab pos="7315200" algn="l"/>
-                <a:tab pos="7772400" algn="l"/>
-                <a:tab pos="8229600" algn="l"/>
-                <a:tab pos="8686800" algn="l"/>
-                <a:tab pos="9144000" algn="l"/>
-              </a:tabLst>
-              <a:defRPr sz="2400">
-                <a:solidFill>
-                  <a:srgbClr val="000000"/>
-                </a:solidFill>
-                <a:latin typeface="Tahoma" charset="0"/>
-                <a:ea typeface="ＭＳ Ｐゴシック" charset="0"/>
-                <a:cs typeface="ＭＳ Ｐゴシック" charset="0"/>
-              </a:defRPr>
-            </a:lvl2pPr>
-            <a:lvl3pPr>
-              <a:tabLst>
-                <a:tab pos="0" algn="l"/>
-                <a:tab pos="457200" algn="l"/>
-                <a:tab pos="914400" algn="l"/>
-                <a:tab pos="1371600" algn="l"/>
-                <a:tab pos="1828800" algn="l"/>
-                <a:tab pos="2286000" algn="l"/>
-                <a:tab pos="2743200" algn="l"/>
-                <a:tab pos="3200400" algn="l"/>
-                <a:tab pos="3657600" algn="l"/>
-                <a:tab pos="4114800" algn="l"/>
-                <a:tab pos="4572000" algn="l"/>
-                <a:tab pos="5029200" algn="l"/>
-                <a:tab pos="5486400" algn="l"/>
-                <a:tab pos="5943600" algn="l"/>
-                <a:tab pos="6400800" algn="l"/>
-                <a:tab pos="6858000" algn="l"/>
-                <a:tab pos="7315200" algn="l"/>
-                <a:tab pos="7772400" algn="l"/>
-                <a:tab pos="8229600" algn="l"/>
-                <a:tab pos="8686800" algn="l"/>
-                <a:tab pos="9144000" algn="l"/>
-              </a:tabLst>
-              <a:defRPr sz="2400">
-                <a:solidFill>
-                  <a:srgbClr val="000000"/>
-                </a:solidFill>
-                <a:latin typeface="Tahoma" charset="0"/>
-                <a:ea typeface="ＭＳ Ｐゴシック" charset="0"/>
-                <a:cs typeface="ＭＳ Ｐゴシック" charset="0"/>
-              </a:defRPr>
-            </a:lvl3pPr>
-            <a:lvl4pPr>
-              <a:tabLst>
-                <a:tab pos="0" algn="l"/>
-                <a:tab pos="457200" algn="l"/>
-                <a:tab pos="914400" algn="l"/>
-                <a:tab pos="1371600" algn="l"/>
-                <a:tab pos="1828800" algn="l"/>
-                <a:tab pos="2286000" algn="l"/>
-                <a:tab pos="2743200" algn="l"/>
-                <a:tab pos="3200400" algn="l"/>
-                <a:tab pos="3657600" algn="l"/>
-                <a:tab pos="4114800" algn="l"/>
-                <a:tab pos="4572000" algn="l"/>
-                <a:tab pos="5029200" algn="l"/>
-                <a:tab pos="5486400" algn="l"/>
-                <a:tab pos="5943600" algn="l"/>
-                <a:tab pos="6400800" algn="l"/>
-                <a:tab pos="6858000" algn="l"/>
-                <a:tab pos="7315200" algn="l"/>
-                <a:tab pos="7772400" algn="l"/>
-                <a:tab pos="8229600" algn="l"/>
-                <a:tab pos="8686800" algn="l"/>
-                <a:tab pos="9144000" algn="l"/>
-              </a:tabLst>
-              <a:defRPr sz="2400">
-                <a:solidFill>
-                  <a:srgbClr val="000000"/>
-                </a:solidFill>
-                <a:latin typeface="Tahoma" charset="0"/>
-                <a:ea typeface="ＭＳ Ｐゴシック" charset="0"/>
-                <a:cs typeface="ＭＳ Ｐゴシック" charset="0"/>
-              </a:defRPr>
-            </a:lvl4pPr>
-            <a:lvl5pPr>
-              <a:tabLst>
-                <a:tab pos="0" algn="l"/>
-                <a:tab pos="457200" algn="l"/>
-                <a:tab pos="914400" algn="l"/>
-                <a:tab pos="1371600" algn="l"/>
-                <a:tab pos="1828800" algn="l"/>
-                <a:tab pos="2286000" algn="l"/>
-                <a:tab pos="2743200" algn="l"/>
-                <a:tab pos="3200400" algn="l"/>
-                <a:tab pos="3657600" algn="l"/>
-                <a:tab pos="4114800" algn="l"/>
-                <a:tab pos="4572000" algn="l"/>
-                <a:tab pos="5029200" algn="l"/>
-                <a:tab pos="5486400" algn="l"/>
-                <a:tab pos="5943600" algn="l"/>
-                <a:tab pos="6400800" algn="l"/>
-                <a:tab pos="6858000" algn="l"/>
-                <a:tab pos="7315200" algn="l"/>
-                <a:tab pos="7772400" algn="l"/>
-                <a:tab pos="8229600" algn="l"/>
-                <a:tab pos="8686800" algn="l"/>
-                <a:tab pos="9144000" algn="l"/>
-              </a:tabLst>
-              <a:defRPr sz="2400">
-                <a:solidFill>
-                  <a:srgbClr val="000000"/>
-                </a:solidFill>
-                <a:latin typeface="Tahoma" charset="0"/>
-                <a:ea typeface="ＭＳ Ｐゴシック" charset="0"/>
-                <a:cs typeface="ＭＳ Ｐゴシック" charset="0"/>
-              </a:defRPr>
-            </a:lvl5pPr>
-            <a:lvl6pPr marL="2514600" indent="-228600" fontAlgn="base">
-              <a:spcBef>
-                <a:spcPct val="0"/>
-              </a:spcBef>
-              <a:spcAft>
-                <a:spcPct val="0"/>
-              </a:spcAft>
-              <a:buClr>
-                <a:srgbClr val="000000"/>
-              </a:buClr>
-              <a:buSzPct val="100000"/>
-              <a:buFont typeface="Times New Roman" charset="0"/>
-              <a:tabLst>
-                <a:tab pos="0" algn="l"/>
-                <a:tab pos="457200" algn="l"/>
-                <a:tab pos="914400" algn="l"/>
-                <a:tab pos="1371600" algn="l"/>
-                <a:tab pos="1828800" algn="l"/>
-                <a:tab pos="2286000" algn="l"/>
-                <a:tab pos="2743200" algn="l"/>
-                <a:tab pos="3200400" algn="l"/>
-                <a:tab pos="3657600" algn="l"/>
-                <a:tab pos="4114800" algn="l"/>
-                <a:tab pos="4572000" algn="l"/>
-                <a:tab pos="5029200" algn="l"/>
-                <a:tab pos="5486400" algn="l"/>
-                <a:tab pos="5943600" algn="l"/>
-                <a:tab pos="6400800" algn="l"/>
-                <a:tab pos="6858000" algn="l"/>
-                <a:tab pos="7315200" algn="l"/>
-                <a:tab pos="7772400" algn="l"/>
-                <a:tab pos="8229600" algn="l"/>
-                <a:tab pos="8686800" algn="l"/>
-                <a:tab pos="9144000" algn="l"/>
-              </a:tabLst>
-              <a:defRPr sz="2400">
-                <a:solidFill>
-                  <a:srgbClr val="000000"/>
-                </a:solidFill>
-                <a:latin typeface="Tahoma" charset="0"/>
-                <a:ea typeface="ＭＳ Ｐゴシック" charset="0"/>
-                <a:cs typeface="ＭＳ Ｐゴシック" charset="0"/>
-              </a:defRPr>
-            </a:lvl6pPr>
-            <a:lvl7pPr marL="2971800" indent="-228600" fontAlgn="base">
-              <a:spcBef>
-                <a:spcPct val="0"/>
-              </a:spcBef>
-              <a:spcAft>
-                <a:spcPct val="0"/>
-              </a:spcAft>
-              <a:buClr>
-                <a:srgbClr val="000000"/>
-              </a:buClr>
-              <a:buSzPct val="100000"/>
-              <a:buFont typeface="Times New Roman" charset="0"/>
-              <a:tabLst>
-                <a:tab pos="0" algn="l"/>
-                <a:tab pos="457200" algn="l"/>
-                <a:tab pos="914400" algn="l"/>
-                <a:tab pos="1371600" algn="l"/>
-                <a:tab pos="1828800" algn="l"/>
-                <a:tab pos="2286000" algn="l"/>
-                <a:tab pos="2743200" algn="l"/>
-                <a:tab pos="3200400" algn="l"/>
-                <a:tab pos="3657600" algn="l"/>
-                <a:tab pos="4114800" algn="l"/>
-                <a:tab pos="4572000" algn="l"/>
-                <a:tab pos="5029200" algn="l"/>
-                <a:tab pos="5486400" algn="l"/>
-                <a:tab pos="5943600" algn="l"/>
-                <a:tab pos="6400800" algn="l"/>
-                <a:tab pos="6858000" algn="l"/>
-                <a:tab pos="7315200" algn="l"/>
-                <a:tab pos="7772400" algn="l"/>
-                <a:tab pos="8229600" algn="l"/>
-                <a:tab pos="8686800" algn="l"/>
-                <a:tab pos="9144000" algn="l"/>
-              </a:tabLst>
-              <a:defRPr sz="2400">
-                <a:solidFill>
-                  <a:srgbClr val="000000"/>
-                </a:solidFill>
-                <a:latin typeface="Tahoma" charset="0"/>
-                <a:ea typeface="ＭＳ Ｐゴシック" charset="0"/>
-                <a:cs typeface="ＭＳ Ｐゴシック" charset="0"/>
-              </a:defRPr>
-            </a:lvl7pPr>
-            <a:lvl8pPr marL="3429000" indent="-228600" fontAlgn="base">
-              <a:spcBef>
-                <a:spcPct val="0"/>
-              </a:spcBef>
-              <a:spcAft>
-                <a:spcPct val="0"/>
-              </a:spcAft>
-              <a:buClr>
-                <a:srgbClr val="000000"/>
-              </a:buClr>
-              <a:buSzPct val="100000"/>
-              <a:buFont typeface="Times New Roman" charset="0"/>
-              <a:tabLst>
-                <a:tab pos="0" algn="l"/>
-                <a:tab pos="457200" algn="l"/>
-                <a:tab pos="914400" algn="l"/>
-                <a:tab pos="1371600" algn="l"/>
-                <a:tab pos="1828800" algn="l"/>
-                <a:tab pos="2286000" algn="l"/>
-                <a:tab pos="2743200" algn="l"/>
-                <a:tab pos="3200400" algn="l"/>
-                <a:tab pos="3657600" algn="l"/>
-                <a:tab pos="4114800" algn="l"/>
-                <a:tab pos="4572000" algn="l"/>
-                <a:tab pos="5029200" algn="l"/>
-                <a:tab pos="5486400" algn="l"/>
-                <a:tab pos="5943600" algn="l"/>
-                <a:tab pos="6400800" algn="l"/>
-                <a:tab pos="6858000" algn="l"/>
-                <a:tab pos="7315200" algn="l"/>
-                <a:tab pos="7772400" algn="l"/>
-                <a:tab pos="8229600" algn="l"/>
-                <a:tab pos="8686800" algn="l"/>
-                <a:tab pos="9144000" algn="l"/>
-              </a:tabLst>
-              <a:defRPr sz="2400">
-                <a:solidFill>
-                  <a:srgbClr val="000000"/>
-                </a:solidFill>
-                <a:latin typeface="Tahoma" charset="0"/>
-                <a:ea typeface="ＭＳ Ｐゴシック" charset="0"/>
-                <a:cs typeface="ＭＳ Ｐゴシック" charset="0"/>
-              </a:defRPr>
-            </a:lvl8pPr>
-            <a:lvl9pPr marL="3886200" indent="-228600" fontAlgn="base">
-              <a:spcBef>
-                <a:spcPct val="0"/>
-              </a:spcBef>
-              <a:spcAft>
-                <a:spcPct val="0"/>
-              </a:spcAft>
-              <a:buClr>
-                <a:srgbClr val="000000"/>
-              </a:buClr>
-              <a:buSzPct val="100000"/>
-              <a:buFont typeface="Times New Roman" charset="0"/>
-              <a:tabLst>
-                <a:tab pos="0" algn="l"/>
-                <a:tab pos="457200" algn="l"/>
-                <a:tab pos="914400" algn="l"/>
-                <a:tab pos="1371600" algn="l"/>
-                <a:tab pos="1828800" algn="l"/>
-                <a:tab pos="2286000" algn="l"/>
-                <a:tab pos="2743200" algn="l"/>
-                <a:tab pos="3200400" algn="l"/>
-                <a:tab pos="3657600" algn="l"/>
-                <a:tab pos="4114800" algn="l"/>
-                <a:tab pos="4572000" algn="l"/>
-                <a:tab pos="5029200" algn="l"/>
-                <a:tab pos="5486400" algn="l"/>
-                <a:tab pos="5943600" algn="l"/>
-                <a:tab pos="6400800" algn="l"/>
-                <a:tab pos="6858000" algn="l"/>
-                <a:tab pos="7315200" algn="l"/>
-                <a:tab pos="7772400" algn="l"/>
-                <a:tab pos="8229600" algn="l"/>
-                <a:tab pos="8686800" algn="l"/>
-                <a:tab pos="9144000" algn="l"/>
-              </a:tabLst>
-              <a:defRPr sz="2400">
-                <a:solidFill>
-                  <a:srgbClr val="000000"/>
-                </a:solidFill>
-                <a:latin typeface="Tahoma" charset="0"/>
-                <a:ea typeface="ＭＳ Ｐゴシック" charset="0"/>
-                <a:cs typeface="ＭＳ Ｐゴシック" charset="0"/>
-              </a:defRPr>
-            </a:lvl9pPr>
-          </a:lstStyle>
-          <a:p>
-            <a:pPr algn="ctr">
-              <a:defRPr/>
-            </a:pPr>
-            <a:r>
-              <a:rPr lang="en-US" sz="2800" b="1" dirty="0" smtClean="0"/>
-              <a:t>Using color: fit to your data</a:t>
-            </a:r>
-          </a:p>
-        </p:txBody>
-      </p:sp>
-      <p:pic>
-        <p:nvPicPr>
-          <p:cNvPr id="139266" name="Picture 1" descr="colorbrewer2.tiff"/>
-          <p:cNvPicPr>
-            <a:picLocks noChangeAspect="1"/>
-          </p:cNvPicPr>
-          <p:nvPr/>
-        </p:nvPicPr>
-        <p:blipFill>
-          <a:blip r:embed="rId3">
-            <a:extLst>
-              <a:ext uri="{28A0092B-C50C-407E-A947-70E740481C1C}">
-                <a14:useLocalDpi xmlns:a14="http://schemas.microsoft.com/office/drawing/2010/main" val="0"/>
-              </a:ext>
-            </a:extLst>
-          </a:blip>
-          <a:srcRect/>
-          <a:stretch>
-            <a:fillRect/>
-          </a:stretch>
-        </p:blipFill>
-        <p:spPr bwMode="auto">
-          <a:xfrm>
-            <a:off x="1357313" y="914400"/>
-            <a:ext cx="6429375" cy="5943600"/>
-          </a:xfrm>
-          <a:prstGeom prst="rect">
-            <a:avLst/>
-          </a:prstGeom>
-          <a:noFill/>
-          <a:ln>
-            <a:noFill/>
-          </a:ln>
-          <a:extLst>
-            <a:ext uri="{909E8E84-426E-40dd-AFC4-6F175D3DCCD1}">
-              <a14:hiddenFill xmlns:a14="http://schemas.microsoft.com/office/drawing/2010/main">
-                <a:solidFill>
-                  <a:srgbClr val="FFFFFF"/>
-                </a:solidFill>
-              </a14:hiddenFill>
-            </a:ext>
-            <a:ext uri="{91240B29-F687-4f45-9708-019B960494DF}">
-              <a14:hiddenLine xmlns:a14="http://schemas.microsoft.com/office/drawing/2010/main" w="9525">
-                <a:solidFill>
-                  <a:srgbClr val="000000"/>
-                </a:solidFill>
-                <a:miter lim="800000"/>
-                <a:headEnd/>
-                <a:tailEnd/>
-              </a14:hiddenLine>
-            </a:ext>
-          </a:extLst>
-        </p:spPr>
-      </p:pic>
-    </p:spTree>
-    <p:extLst>
-      <p:ext uri="{BB962C8B-B14F-4D97-AF65-F5344CB8AC3E}">
-        <p14:creationId xmlns:p14="http://schemas.microsoft.com/office/powerpoint/2010/main" val="1032664679"/>
-      </p:ext>
-    </p:extLst>
-  </p:cSld>
-  <p:clrMapOvr>
-    <a:masterClrMapping/>
-  </p:clrMapOvr>
-  <p:transition xmlns:p14="http://schemas.microsoft.com/office/powerpoint/2010/main" spd="med"/>
-  <p:timing>
-    <p:tnLst>
-      <p:par>
-        <p:cTn xmlns:p14="http://schemas.microsoft.com/office/powerpoint/2010/main" id="1" dur="indefinite" restart="never" nodeType="tmRoot">
-          <p:childTnLst>
-            <p:seq concurrent="1" nextAc="seek">
-              <p:cTn id="2" dur="0" nodeType="mainSeq"/>
-              <p:prevCondLst>
-                <p:cond evt="onPrev" delay="0">
-                  <p:tgtEl>
-                    <p:sldTgt/>
-                  </p:tgtEl>
-                </p:cond>
-              </p:prevCondLst>
-              <p:nextCondLst>
-                <p:cond evt="onNext" delay="0">
-                  <p:tgtEl>
-                    <p:sldTgt/>
-                  </p:tgtEl>
-                </p:cond>
-              </p:nextCondLst>
-            </p:seq>
-          </p:childTnLst>
-        </p:cTn>
-      </p:par>
-    </p:tnLst>
-  </p:timing>
-</p:sld>
-</file>
-
-<file path=ppt/slides/slide23.xml><?xml version="1.0" encoding="utf-8"?>
-<p:sld xmlns:a="http://schemas.openxmlformats.org/drawingml/2006/main" xmlns:r="http://schemas.openxmlformats.org/officeDocument/2006/relationships" xmlns:p="http://schemas.openxmlformats.org/presentationml/2006/main">
-  <p:cSld>
-    <p:spTree>
-      <p:nvGrpSpPr>
-        <p:cNvPr id="1" name=""/>
-        <p:cNvGrpSpPr/>
-        <p:nvPr/>
-      </p:nvGrpSpPr>
-      <p:grpSpPr>
-        <a:xfrm>
-          <a:off x="0" y="0"/>
-          <a:ext cx="0" cy="0"/>
-          <a:chOff x="0" y="0"/>
-          <a:chExt cx="0" cy="0"/>
-        </a:xfrm>
-      </p:grpSpPr>
-      <p:sp>
-        <p:nvSpPr>
-          <p:cNvPr id="45057" name="Text Box 1"/>
-          <p:cNvSpPr txBox="1">
-            <a:spLocks noChangeArrowheads="1"/>
-          </p:cNvSpPr>
-          <p:nvPr/>
-        </p:nvSpPr>
-        <p:spPr bwMode="auto">
-          <a:xfrm>
-            <a:off x="0" y="188913"/>
-            <a:ext cx="9144000" cy="520700"/>
-          </a:xfrm>
-          <a:prstGeom prst="rect">
-            <a:avLst/>
-          </a:prstGeom>
-          <a:noFill/>
-          <a:ln>
-            <a:noFill/>
-          </a:ln>
-          <a:effectLst/>
-          <a:extLst>
-            <a:ext uri="{909E8E84-426E-40dd-AFC4-6F175D3DCCD1}">
-              <a14:hiddenFill xmlns:a14="http://schemas.microsoft.com/office/drawing/2010/main">
-                <a:solidFill>
-                  <a:srgbClr val="FFFFFF"/>
-                </a:solidFill>
-              </a14:hiddenFill>
-            </a:ext>
-            <a:ext uri="{91240B29-F687-4f45-9708-019B960494DF}">
-              <a14:hiddenLine xmlns:a14="http://schemas.microsoft.com/office/drawing/2010/main" w="9525" cap="flat">
-                <a:solidFill>
-                  <a:srgbClr val="3465AF"/>
-                </a:solidFill>
-                <a:round/>
-                <a:headEnd/>
-                <a:tailEnd/>
-              </a14:hiddenLine>
-            </a:ext>
-            <a:ext uri="{AF507438-7753-43e0-B8FC-AC1667EBCBE1}">
-              <a14:hiddenEffects xmlns:a14="http://schemas.microsoft.com/office/drawing/2010/main">
-                <a:effectLst>
-                  <a:outerShdw blurRad="63500" dist="38099" dir="2700000" algn="ctr" rotWithShape="0">
-                    <a:srgbClr val="000000">
-                      <a:alpha val="74998"/>
-                    </a:srgbClr>
-                  </a:outerShdw>
-                </a:effectLst>
-              </a14:hiddenEffects>
-            </a:ext>
-          </a:extLst>
-        </p:spPr>
-        <p:txBody>
-          <a:bodyPr lIns="90000" tIns="46800" rIns="90000" bIns="46800">
-            <a:spAutoFit/>
-          </a:bodyPr>
-          <a:lstStyle>
-            <a:lvl1pPr>
-              <a:tabLst>
-                <a:tab pos="0" algn="l"/>
-                <a:tab pos="457200" algn="l"/>
-                <a:tab pos="914400" algn="l"/>
-                <a:tab pos="1371600" algn="l"/>
-                <a:tab pos="1828800" algn="l"/>
-                <a:tab pos="2286000" algn="l"/>
-                <a:tab pos="2743200" algn="l"/>
-                <a:tab pos="3200400" algn="l"/>
-                <a:tab pos="3657600" algn="l"/>
-                <a:tab pos="4114800" algn="l"/>
-                <a:tab pos="4572000" algn="l"/>
-                <a:tab pos="5029200" algn="l"/>
-                <a:tab pos="5486400" algn="l"/>
-                <a:tab pos="5943600" algn="l"/>
-                <a:tab pos="6400800" algn="l"/>
-                <a:tab pos="6858000" algn="l"/>
-                <a:tab pos="7315200" algn="l"/>
-                <a:tab pos="7772400" algn="l"/>
-                <a:tab pos="8229600" algn="l"/>
-                <a:tab pos="8686800" algn="l"/>
-                <a:tab pos="9144000" algn="l"/>
-              </a:tabLst>
-              <a:defRPr sz="2400">
-                <a:solidFill>
-                  <a:srgbClr val="000000"/>
-                </a:solidFill>
-                <a:latin typeface="Tahoma" charset="0"/>
-                <a:ea typeface="ＭＳ Ｐゴシック" charset="0"/>
-                <a:cs typeface="ＭＳ Ｐゴシック" charset="0"/>
-              </a:defRPr>
-            </a:lvl1pPr>
-            <a:lvl2pPr>
-              <a:tabLst>
-                <a:tab pos="0" algn="l"/>
-                <a:tab pos="457200" algn="l"/>
-                <a:tab pos="914400" algn="l"/>
-                <a:tab pos="1371600" algn="l"/>
-                <a:tab pos="1828800" algn="l"/>
-                <a:tab pos="2286000" algn="l"/>
-                <a:tab pos="2743200" algn="l"/>
-                <a:tab pos="3200400" algn="l"/>
-                <a:tab pos="3657600" algn="l"/>
-                <a:tab pos="4114800" algn="l"/>
-                <a:tab pos="4572000" algn="l"/>
-                <a:tab pos="5029200" algn="l"/>
-                <a:tab pos="5486400" algn="l"/>
-                <a:tab pos="5943600" algn="l"/>
-                <a:tab pos="6400800" algn="l"/>
-                <a:tab pos="6858000" algn="l"/>
-                <a:tab pos="7315200" algn="l"/>
-                <a:tab pos="7772400" algn="l"/>
-                <a:tab pos="8229600" algn="l"/>
-                <a:tab pos="8686800" algn="l"/>
-                <a:tab pos="9144000" algn="l"/>
-              </a:tabLst>
-              <a:defRPr sz="2400">
-                <a:solidFill>
-                  <a:srgbClr val="000000"/>
-                </a:solidFill>
-                <a:latin typeface="Tahoma" charset="0"/>
-                <a:ea typeface="ＭＳ Ｐゴシック" charset="0"/>
-                <a:cs typeface="ＭＳ Ｐゴシック" charset="0"/>
-              </a:defRPr>
-            </a:lvl2pPr>
-            <a:lvl3pPr>
-              <a:tabLst>
-                <a:tab pos="0" algn="l"/>
-                <a:tab pos="457200" algn="l"/>
-                <a:tab pos="914400" algn="l"/>
-                <a:tab pos="1371600" algn="l"/>
-                <a:tab pos="1828800" algn="l"/>
-                <a:tab pos="2286000" algn="l"/>
-                <a:tab pos="2743200" algn="l"/>
-                <a:tab pos="3200400" algn="l"/>
-                <a:tab pos="3657600" algn="l"/>
-                <a:tab pos="4114800" algn="l"/>
-                <a:tab pos="4572000" algn="l"/>
-                <a:tab pos="5029200" algn="l"/>
-                <a:tab pos="5486400" algn="l"/>
-                <a:tab pos="5943600" algn="l"/>
-                <a:tab pos="6400800" algn="l"/>
-                <a:tab pos="6858000" algn="l"/>
-                <a:tab pos="7315200" algn="l"/>
-                <a:tab pos="7772400" algn="l"/>
-                <a:tab pos="8229600" algn="l"/>
-                <a:tab pos="8686800" algn="l"/>
-                <a:tab pos="9144000" algn="l"/>
-              </a:tabLst>
-              <a:defRPr sz="2400">
-                <a:solidFill>
-                  <a:srgbClr val="000000"/>
-                </a:solidFill>
-                <a:latin typeface="Tahoma" charset="0"/>
-                <a:ea typeface="ＭＳ Ｐゴシック" charset="0"/>
-                <a:cs typeface="ＭＳ Ｐゴシック" charset="0"/>
-              </a:defRPr>
-            </a:lvl3pPr>
-            <a:lvl4pPr>
-              <a:tabLst>
-                <a:tab pos="0" algn="l"/>
-                <a:tab pos="457200" algn="l"/>
-                <a:tab pos="914400" algn="l"/>
-                <a:tab pos="1371600" algn="l"/>
-                <a:tab pos="1828800" algn="l"/>
-                <a:tab pos="2286000" algn="l"/>
-                <a:tab pos="2743200" algn="l"/>
-                <a:tab pos="3200400" algn="l"/>
-                <a:tab pos="3657600" algn="l"/>
-                <a:tab pos="4114800" algn="l"/>
-                <a:tab pos="4572000" algn="l"/>
-                <a:tab pos="5029200" algn="l"/>
-                <a:tab pos="5486400" algn="l"/>
-                <a:tab pos="5943600" algn="l"/>
-                <a:tab pos="6400800" algn="l"/>
-                <a:tab pos="6858000" algn="l"/>
-                <a:tab pos="7315200" algn="l"/>
-                <a:tab pos="7772400" algn="l"/>
-                <a:tab pos="8229600" algn="l"/>
-                <a:tab pos="8686800" algn="l"/>
-                <a:tab pos="9144000" algn="l"/>
-              </a:tabLst>
-              <a:defRPr sz="2400">
-                <a:solidFill>
-                  <a:srgbClr val="000000"/>
-                </a:solidFill>
-                <a:latin typeface="Tahoma" charset="0"/>
-                <a:ea typeface="ＭＳ Ｐゴシック" charset="0"/>
-                <a:cs typeface="ＭＳ Ｐゴシック" charset="0"/>
-              </a:defRPr>
-            </a:lvl4pPr>
-            <a:lvl5pPr>
-              <a:tabLst>
-                <a:tab pos="0" algn="l"/>
-                <a:tab pos="457200" algn="l"/>
-                <a:tab pos="914400" algn="l"/>
-                <a:tab pos="1371600" algn="l"/>
-                <a:tab pos="1828800" algn="l"/>
-                <a:tab pos="2286000" algn="l"/>
-                <a:tab pos="2743200" algn="l"/>
-                <a:tab pos="3200400" algn="l"/>
-                <a:tab pos="3657600" algn="l"/>
-                <a:tab pos="4114800" algn="l"/>
-                <a:tab pos="4572000" algn="l"/>
-                <a:tab pos="5029200" algn="l"/>
-                <a:tab pos="5486400" algn="l"/>
-                <a:tab pos="5943600" algn="l"/>
-                <a:tab pos="6400800" algn="l"/>
-                <a:tab pos="6858000" algn="l"/>
-                <a:tab pos="7315200" algn="l"/>
-                <a:tab pos="7772400" algn="l"/>
-                <a:tab pos="8229600" algn="l"/>
-                <a:tab pos="8686800" algn="l"/>
-                <a:tab pos="9144000" algn="l"/>
-              </a:tabLst>
-              <a:defRPr sz="2400">
-                <a:solidFill>
-                  <a:srgbClr val="000000"/>
-                </a:solidFill>
-                <a:latin typeface="Tahoma" charset="0"/>
-                <a:ea typeface="ＭＳ Ｐゴシック" charset="0"/>
-                <a:cs typeface="ＭＳ Ｐゴシック" charset="0"/>
-              </a:defRPr>
-            </a:lvl5pPr>
-            <a:lvl6pPr marL="2514600" indent="-228600" fontAlgn="base">
-              <a:spcBef>
-                <a:spcPct val="0"/>
-              </a:spcBef>
-              <a:spcAft>
-                <a:spcPct val="0"/>
-              </a:spcAft>
-              <a:buClr>
-                <a:srgbClr val="000000"/>
-              </a:buClr>
-              <a:buSzPct val="100000"/>
-              <a:buFont typeface="Times New Roman" charset="0"/>
-              <a:tabLst>
-                <a:tab pos="0" algn="l"/>
-                <a:tab pos="457200" algn="l"/>
-                <a:tab pos="914400" algn="l"/>
-                <a:tab pos="1371600" algn="l"/>
-                <a:tab pos="1828800" algn="l"/>
-                <a:tab pos="2286000" algn="l"/>
-                <a:tab pos="2743200" algn="l"/>
-                <a:tab pos="3200400" algn="l"/>
-                <a:tab pos="3657600" algn="l"/>
-                <a:tab pos="4114800" algn="l"/>
-                <a:tab pos="4572000" algn="l"/>
-                <a:tab pos="5029200" algn="l"/>
-                <a:tab pos="5486400" algn="l"/>
-                <a:tab pos="5943600" algn="l"/>
-                <a:tab pos="6400800" algn="l"/>
-                <a:tab pos="6858000" algn="l"/>
-                <a:tab pos="7315200" algn="l"/>
-                <a:tab pos="7772400" algn="l"/>
-                <a:tab pos="8229600" algn="l"/>
-                <a:tab pos="8686800" algn="l"/>
-                <a:tab pos="9144000" algn="l"/>
-              </a:tabLst>
-              <a:defRPr sz="2400">
-                <a:solidFill>
-                  <a:srgbClr val="000000"/>
-                </a:solidFill>
-                <a:latin typeface="Tahoma" charset="0"/>
-                <a:ea typeface="ＭＳ Ｐゴシック" charset="0"/>
-                <a:cs typeface="ＭＳ Ｐゴシック" charset="0"/>
-              </a:defRPr>
-            </a:lvl6pPr>
-            <a:lvl7pPr marL="2971800" indent="-228600" fontAlgn="base">
-              <a:spcBef>
-                <a:spcPct val="0"/>
-              </a:spcBef>
-              <a:spcAft>
-                <a:spcPct val="0"/>
-              </a:spcAft>
-              <a:buClr>
-                <a:srgbClr val="000000"/>
-              </a:buClr>
-              <a:buSzPct val="100000"/>
-              <a:buFont typeface="Times New Roman" charset="0"/>
-              <a:tabLst>
-                <a:tab pos="0" algn="l"/>
-                <a:tab pos="457200" algn="l"/>
-                <a:tab pos="914400" algn="l"/>
-                <a:tab pos="1371600" algn="l"/>
-                <a:tab pos="1828800" algn="l"/>
-                <a:tab pos="2286000" algn="l"/>
-                <a:tab pos="2743200" algn="l"/>
-                <a:tab pos="3200400" algn="l"/>
-                <a:tab pos="3657600" algn="l"/>
-                <a:tab pos="4114800" algn="l"/>
-                <a:tab pos="4572000" algn="l"/>
-                <a:tab pos="5029200" algn="l"/>
-                <a:tab pos="5486400" algn="l"/>
-                <a:tab pos="5943600" algn="l"/>
-                <a:tab pos="6400800" algn="l"/>
-                <a:tab pos="6858000" algn="l"/>
-                <a:tab pos="7315200" algn="l"/>
-                <a:tab pos="7772400" algn="l"/>
-                <a:tab pos="8229600" algn="l"/>
-                <a:tab pos="8686800" algn="l"/>
-                <a:tab pos="9144000" algn="l"/>
-              </a:tabLst>
-              <a:defRPr sz="2400">
-                <a:solidFill>
-                  <a:srgbClr val="000000"/>
-                </a:solidFill>
-                <a:latin typeface="Tahoma" charset="0"/>
-                <a:ea typeface="ＭＳ Ｐゴシック" charset="0"/>
-                <a:cs typeface="ＭＳ Ｐゴシック" charset="0"/>
-              </a:defRPr>
-            </a:lvl7pPr>
-            <a:lvl8pPr marL="3429000" indent="-228600" fontAlgn="base">
-              <a:spcBef>
-                <a:spcPct val="0"/>
-              </a:spcBef>
-              <a:spcAft>
-                <a:spcPct val="0"/>
-              </a:spcAft>
-              <a:buClr>
-                <a:srgbClr val="000000"/>
-              </a:buClr>
-              <a:buSzPct val="100000"/>
-              <a:buFont typeface="Times New Roman" charset="0"/>
-              <a:tabLst>
-                <a:tab pos="0" algn="l"/>
-                <a:tab pos="457200" algn="l"/>
-                <a:tab pos="914400" algn="l"/>
-                <a:tab pos="1371600" algn="l"/>
-                <a:tab pos="1828800" algn="l"/>
-                <a:tab pos="2286000" algn="l"/>
-                <a:tab pos="2743200" algn="l"/>
-                <a:tab pos="3200400" algn="l"/>
-                <a:tab pos="3657600" algn="l"/>
-                <a:tab pos="4114800" algn="l"/>
-                <a:tab pos="4572000" algn="l"/>
-                <a:tab pos="5029200" algn="l"/>
-                <a:tab pos="5486400" algn="l"/>
-                <a:tab pos="5943600" algn="l"/>
-                <a:tab pos="6400800" algn="l"/>
-                <a:tab pos="6858000" algn="l"/>
-                <a:tab pos="7315200" algn="l"/>
-                <a:tab pos="7772400" algn="l"/>
-                <a:tab pos="8229600" algn="l"/>
-                <a:tab pos="8686800" algn="l"/>
-                <a:tab pos="9144000" algn="l"/>
-              </a:tabLst>
-              <a:defRPr sz="2400">
-                <a:solidFill>
-                  <a:srgbClr val="000000"/>
-                </a:solidFill>
-                <a:latin typeface="Tahoma" charset="0"/>
-                <a:ea typeface="ＭＳ Ｐゴシック" charset="0"/>
-                <a:cs typeface="ＭＳ Ｐゴシック" charset="0"/>
-              </a:defRPr>
-            </a:lvl8pPr>
-            <a:lvl9pPr marL="3886200" indent="-228600" fontAlgn="base">
-              <a:spcBef>
-                <a:spcPct val="0"/>
-              </a:spcBef>
-              <a:spcAft>
-                <a:spcPct val="0"/>
-              </a:spcAft>
-              <a:buClr>
-                <a:srgbClr val="000000"/>
-              </a:buClr>
-              <a:buSzPct val="100000"/>
-              <a:buFont typeface="Times New Roman" charset="0"/>
-              <a:tabLst>
-                <a:tab pos="0" algn="l"/>
-                <a:tab pos="457200" algn="l"/>
-                <a:tab pos="914400" algn="l"/>
-                <a:tab pos="1371600" algn="l"/>
-                <a:tab pos="1828800" algn="l"/>
-                <a:tab pos="2286000" algn="l"/>
-                <a:tab pos="2743200" algn="l"/>
-                <a:tab pos="3200400" algn="l"/>
-                <a:tab pos="3657600" algn="l"/>
-                <a:tab pos="4114800" algn="l"/>
-                <a:tab pos="4572000" algn="l"/>
-                <a:tab pos="5029200" algn="l"/>
-                <a:tab pos="5486400" algn="l"/>
-                <a:tab pos="5943600" algn="l"/>
-                <a:tab pos="6400800" algn="l"/>
-                <a:tab pos="6858000" algn="l"/>
-                <a:tab pos="7315200" algn="l"/>
-                <a:tab pos="7772400" algn="l"/>
-                <a:tab pos="8229600" algn="l"/>
-                <a:tab pos="8686800" algn="l"/>
-                <a:tab pos="9144000" algn="l"/>
-              </a:tabLst>
-              <a:defRPr sz="2400">
-                <a:solidFill>
-                  <a:srgbClr val="000000"/>
-                </a:solidFill>
-                <a:latin typeface="Tahoma" charset="0"/>
-                <a:ea typeface="ＭＳ Ｐゴシック" charset="0"/>
-                <a:cs typeface="ＭＳ Ｐゴシック" charset="0"/>
-              </a:defRPr>
-            </a:lvl9pPr>
-          </a:lstStyle>
-          <a:p>
-            <a:pPr algn="ctr">
-              <a:defRPr/>
-            </a:pPr>
-            <a:r>
-              <a:rPr lang="en-US" sz="2800" b="1" dirty="0" smtClean="0"/>
-              <a:t>Using color: fit to your data</a:t>
-            </a:r>
-          </a:p>
-        </p:txBody>
-      </p:sp>
-      <p:pic>
-        <p:nvPicPr>
-          <p:cNvPr id="141314" name="Picture 1" descr="color_brewer3.tiff"/>
-          <p:cNvPicPr>
-            <a:picLocks noChangeAspect="1"/>
-          </p:cNvPicPr>
-          <p:nvPr/>
-        </p:nvPicPr>
-        <p:blipFill>
-          <a:blip r:embed="rId3">
-            <a:extLst>
-              <a:ext uri="{28A0092B-C50C-407E-A947-70E740481C1C}">
-                <a14:useLocalDpi xmlns:a14="http://schemas.microsoft.com/office/drawing/2010/main" val="0"/>
-              </a:ext>
-            </a:extLst>
-          </a:blip>
-          <a:srcRect/>
-          <a:stretch>
-            <a:fillRect/>
-          </a:stretch>
-        </p:blipFill>
-        <p:spPr bwMode="auto">
-          <a:xfrm>
-            <a:off x="533400" y="1206500"/>
-            <a:ext cx="8077200" cy="4432300"/>
-          </a:xfrm>
-          <a:prstGeom prst="rect">
-            <a:avLst/>
-          </a:prstGeom>
-          <a:noFill/>
-          <a:ln>
-            <a:noFill/>
-          </a:ln>
-          <a:extLst>
-            <a:ext uri="{909E8E84-426E-40dd-AFC4-6F175D3DCCD1}">
-              <a14:hiddenFill xmlns:a14="http://schemas.microsoft.com/office/drawing/2010/main">
-                <a:solidFill>
-                  <a:srgbClr val="FFFFFF"/>
-                </a:solidFill>
-              </a14:hiddenFill>
-            </a:ext>
-            <a:ext uri="{91240B29-F687-4f45-9708-019B960494DF}">
-              <a14:hiddenLine xmlns:a14="http://schemas.microsoft.com/office/drawing/2010/main" w="9525">
-                <a:solidFill>
-                  <a:srgbClr val="000000"/>
-                </a:solidFill>
-                <a:miter lim="800000"/>
-                <a:headEnd/>
-                <a:tailEnd/>
-              </a14:hiddenLine>
-            </a:ext>
-          </a:extLst>
         </p:spPr>
       </p:pic>
     </p:spTree>
@@ -23737,7 +20593,7 @@
 </p:sld>
 </file>
 
-<file path=ppt/slides/slide24.xml><?xml version="1.0" encoding="utf-8"?>
+<file path=ppt/slides/slide22.xml><?xml version="1.0" encoding="utf-8"?>
 <p:sld xmlns:a="http://schemas.openxmlformats.org/drawingml/2006/main" xmlns:r="http://schemas.openxmlformats.org/officeDocument/2006/relationships" xmlns:p="http://schemas.openxmlformats.org/presentationml/2006/main">
   <p:cSld>
     <p:spTree>
@@ -24287,7 +21143,7 @@
 </p:sld>
 </file>
 
-<file path=ppt/slides/slide25.xml><?xml version="1.0" encoding="utf-8"?>
+<file path=ppt/slides/slide23.xml><?xml version="1.0" encoding="utf-8"?>
 <p:sld xmlns:a="http://schemas.openxmlformats.org/drawingml/2006/main" xmlns:r="http://schemas.openxmlformats.org/officeDocument/2006/relationships" xmlns:p="http://schemas.openxmlformats.org/presentationml/2006/main">
   <p:cSld>
     <p:spTree>
@@ -24796,7 +21652,7 @@
 </p:sld>
 </file>
 
-<file path=ppt/slides/slide26.xml><?xml version="1.0" encoding="utf-8"?>
+<file path=ppt/slides/slide24.xml><?xml version="1.0" encoding="utf-8"?>
 <p:sld xmlns:a="http://schemas.openxmlformats.org/drawingml/2006/main" xmlns:r="http://schemas.openxmlformats.org/officeDocument/2006/relationships" xmlns:p="http://schemas.openxmlformats.org/presentationml/2006/main">
   <p:cSld>
     <p:spTree>
@@ -25304,7 +22160,7 @@
 </p:sld>
 </file>
 
-<file path=ppt/slides/slide27.xml><?xml version="1.0" encoding="utf-8"?>
+<file path=ppt/slides/slide25.xml><?xml version="1.0" encoding="utf-8"?>
 <p:sld xmlns:a="http://schemas.openxmlformats.org/drawingml/2006/main" xmlns:r="http://schemas.openxmlformats.org/officeDocument/2006/relationships" xmlns:p="http://schemas.openxmlformats.org/presentationml/2006/main">
   <p:cSld>
     <p:spTree>
@@ -28566,7 +25422,7 @@
       </p:grpSpPr>
       <p:pic>
         <p:nvPicPr>
-          <p:cNvPr id="2" name="Picture 1" descr="dot_line.png"/>
+          <p:cNvPr id="2" name="Picture 1" descr="line.png"/>
           <p:cNvPicPr>
             <a:picLocks noChangeAspect="1"/>
           </p:cNvPicPr>
@@ -28999,7 +25855,7 @@
             </a:pPr>
             <a:r>
               <a:rPr lang="en-US" sz="2800" b="1" dirty="0" smtClean="0"/>
-              <a:t>Position on aligned scale + slope</a:t>
+              <a:t>Slope, note the y axis scale</a:t>
             </a:r>
           </a:p>
           <a:p>
@@ -29013,7 +25869,7 @@
     </p:spTree>
     <p:extLst>
       <p:ext uri="{BB962C8B-B14F-4D97-AF65-F5344CB8AC3E}">
-        <p14:creationId xmlns:p14="http://schemas.microsoft.com/office/powerpoint/2010/main" val="2099274800"/>
+        <p14:creationId xmlns:p14="http://schemas.microsoft.com/office/powerpoint/2010/main" val="3522951222"/>
       </p:ext>
     </p:extLst>
   </p:cSld>

--- a/2016/presentations/info_design.pptx
+++ b/2016/presentations/info_design.pptx
@@ -246,7 +246,7 @@
           <a:p>
             <a:fld id="{FAC72F1A-59F1-0242-A38F-1A193582D9F9}" type="datetimeFigureOut">
               <a:rPr lang="en-US" smtClean="0"/>
-              <a:t>3/9/16</a:t>
+              <a:t>3/10/16</a:t>
             </a:fld>
             <a:endParaRPr lang="en-US"/>
           </a:p>

--- a/2016/presentations/info_design.pptx
+++ b/2016/presentations/info_design.pptx
@@ -246,7 +246,7 @@
           <a:p>
             <a:fld id="{FAC72F1A-59F1-0242-A38F-1A193582D9F9}" type="datetimeFigureOut">
               <a:rPr lang="en-US" smtClean="0"/>
-              <a:t>3/10/16</a:t>
+              <a:t>3/22/16</a:t>
             </a:fld>
             <a:endParaRPr lang="en-US"/>
           </a:p>
